--- a/RxSwiftBasics/day5/RxSwiftBasics5.pptx
+++ b/RxSwiftBasics/day5/RxSwiftBasics5.pptx
@@ -5,15 +5,11 @@
     <p:sldMasterId id="2147483657" r:id="rId1"/>
   </p:sldMasterIdLst>
   <p:notesMasterIdLst>
-    <p:notesMasterId r:id="rId8"/>
+    <p:notesMasterId r:id="rId4"/>
   </p:notesMasterIdLst>
   <p:sldIdLst>
     <p:sldId id="256" r:id="rId2"/>
     <p:sldId id="257" r:id="rId3"/>
-    <p:sldId id="258" r:id="rId4"/>
-    <p:sldId id="259" r:id="rId5"/>
-    <p:sldId id="260" r:id="rId6"/>
-    <p:sldId id="261" r:id="rId7"/>
   </p:sldIdLst>
   <p:sldSz cx="9144000" cy="5143500" type="screen16x9"/>
   <p:notesSz cx="6858000" cy="9144000"/>
@@ -604,410 +600,6 @@
 </file>
 
 <file path=ppt/notesSlides/notesSlide2.xml><?xml version="1.0" encoding="utf-8"?>
-<p:notes xmlns:a="http://schemas.openxmlformats.org/drawingml/2006/main" xmlns:r="http://schemas.openxmlformats.org/officeDocument/2006/relationships" xmlns:p="http://schemas.openxmlformats.org/presentationml/2006/main" showMasterSp="0" showMasterPhAnim="0">
-  <p:cSld>
-    <p:spTree>
-      <p:nvGrpSpPr>
-        <p:cNvPr id="1" name="Shape 185"/>
-        <p:cNvGrpSpPr/>
-        <p:nvPr/>
-      </p:nvGrpSpPr>
-      <p:grpSpPr>
-        <a:xfrm>
-          <a:off x="0" y="0"/>
-          <a:ext cx="0" cy="0"/>
-          <a:chOff x="0" y="0"/>
-          <a:chExt cx="0" cy="0"/>
-        </a:xfrm>
-      </p:grpSpPr>
-      <p:sp>
-        <p:nvSpPr>
-          <p:cNvPr id="186" name="Shape 186"/>
-          <p:cNvSpPr>
-            <a:spLocks noGrp="1" noRot="1" noChangeAspect="1"/>
-          </p:cNvSpPr>
-          <p:nvPr>
-            <p:ph type="sldImg" idx="2"/>
-          </p:nvPr>
-        </p:nvSpPr>
-        <p:spPr>
-          <a:xfrm>
-            <a:off x="381000" y="685800"/>
-            <a:ext cx="6096000" cy="3429000"/>
-          </a:xfrm>
-          <a:custGeom>
-            <a:avLst/>
-            <a:gdLst/>
-            <a:ahLst/>
-            <a:cxnLst/>
-            <a:rect l="0" t="0" r="0" b="0"/>
-            <a:pathLst>
-              <a:path w="120000" h="120000" extrusionOk="0">
-                <a:moveTo>
-                  <a:pt x="0" y="0"/>
-                </a:moveTo>
-                <a:lnTo>
-                  <a:pt x="120000" y="0"/>
-                </a:lnTo>
-                <a:lnTo>
-                  <a:pt x="120000" y="120000"/>
-                </a:lnTo>
-                <a:lnTo>
-                  <a:pt x="0" y="120000"/>
-                </a:lnTo>
-                <a:close/>
-              </a:path>
-            </a:pathLst>
-          </a:custGeom>
-        </p:spPr>
-      </p:sp>
-      <p:sp>
-        <p:nvSpPr>
-          <p:cNvPr id="187" name="Shape 187"/>
-          <p:cNvSpPr txBox="1">
-            <a:spLocks noGrp="1"/>
-          </p:cNvSpPr>
-          <p:nvPr>
-            <p:ph type="body" idx="1"/>
-          </p:nvPr>
-        </p:nvSpPr>
-        <p:spPr>
-          <a:xfrm>
-            <a:off x="685800" y="4343400"/>
-            <a:ext cx="5486400" cy="4114800"/>
-          </a:xfrm>
-          <a:prstGeom prst="rect">
-            <a:avLst/>
-          </a:prstGeom>
-        </p:spPr>
-        <p:txBody>
-          <a:bodyPr wrap="square" lIns="91425" tIns="91425" rIns="91425" bIns="91425" anchor="t" anchorCtr="0">
-            <a:noAutofit/>
-          </a:bodyPr>
-          <a:lstStyle/>
-          <a:p>
-            <a:pPr lvl="0">
-              <a:spcBef>
-                <a:spcPts val="0"/>
-              </a:spcBef>
-              <a:buNone/>
-            </a:pPr>
-            <a:endParaRPr/>
-          </a:p>
-        </p:txBody>
-      </p:sp>
-    </p:spTree>
-  </p:cSld>
-  <p:clrMapOvr>
-    <a:masterClrMapping/>
-  </p:clrMapOvr>
-</p:notes>
-</file>
-
-<file path=ppt/notesSlides/notesSlide3.xml><?xml version="1.0" encoding="utf-8"?>
-<p:notes xmlns:a="http://schemas.openxmlformats.org/drawingml/2006/main" xmlns:r="http://schemas.openxmlformats.org/officeDocument/2006/relationships" xmlns:p="http://schemas.openxmlformats.org/presentationml/2006/main" showMasterSp="0" showMasterPhAnim="0">
-  <p:cSld>
-    <p:spTree>
-      <p:nvGrpSpPr>
-        <p:cNvPr id="1" name="Shape 185"/>
-        <p:cNvGrpSpPr/>
-        <p:nvPr/>
-      </p:nvGrpSpPr>
-      <p:grpSpPr>
-        <a:xfrm>
-          <a:off x="0" y="0"/>
-          <a:ext cx="0" cy="0"/>
-          <a:chOff x="0" y="0"/>
-          <a:chExt cx="0" cy="0"/>
-        </a:xfrm>
-      </p:grpSpPr>
-      <p:sp>
-        <p:nvSpPr>
-          <p:cNvPr id="186" name="Shape 186"/>
-          <p:cNvSpPr>
-            <a:spLocks noGrp="1" noRot="1" noChangeAspect="1"/>
-          </p:cNvSpPr>
-          <p:nvPr>
-            <p:ph type="sldImg" idx="2"/>
-          </p:nvPr>
-        </p:nvSpPr>
-        <p:spPr>
-          <a:xfrm>
-            <a:off x="381000" y="685800"/>
-            <a:ext cx="6096000" cy="3429000"/>
-          </a:xfrm>
-          <a:custGeom>
-            <a:avLst/>
-            <a:gdLst/>
-            <a:ahLst/>
-            <a:cxnLst/>
-            <a:rect l="0" t="0" r="0" b="0"/>
-            <a:pathLst>
-              <a:path w="120000" h="120000" extrusionOk="0">
-                <a:moveTo>
-                  <a:pt x="0" y="0"/>
-                </a:moveTo>
-                <a:lnTo>
-                  <a:pt x="120000" y="0"/>
-                </a:lnTo>
-                <a:lnTo>
-                  <a:pt x="120000" y="120000"/>
-                </a:lnTo>
-                <a:lnTo>
-                  <a:pt x="0" y="120000"/>
-                </a:lnTo>
-                <a:close/>
-              </a:path>
-            </a:pathLst>
-          </a:custGeom>
-        </p:spPr>
-      </p:sp>
-      <p:sp>
-        <p:nvSpPr>
-          <p:cNvPr id="187" name="Shape 187"/>
-          <p:cNvSpPr txBox="1">
-            <a:spLocks noGrp="1"/>
-          </p:cNvSpPr>
-          <p:nvPr>
-            <p:ph type="body" idx="1"/>
-          </p:nvPr>
-        </p:nvSpPr>
-        <p:spPr>
-          <a:xfrm>
-            <a:off x="685800" y="4343400"/>
-            <a:ext cx="5486400" cy="4114800"/>
-          </a:xfrm>
-          <a:prstGeom prst="rect">
-            <a:avLst/>
-          </a:prstGeom>
-        </p:spPr>
-        <p:txBody>
-          <a:bodyPr wrap="square" lIns="91425" tIns="91425" rIns="91425" bIns="91425" anchor="t" anchorCtr="0">
-            <a:noAutofit/>
-          </a:bodyPr>
-          <a:lstStyle/>
-          <a:p>
-            <a:pPr lvl="0">
-              <a:spcBef>
-                <a:spcPts val="0"/>
-              </a:spcBef>
-              <a:buNone/>
-            </a:pPr>
-            <a:endParaRPr/>
-          </a:p>
-        </p:txBody>
-      </p:sp>
-    </p:spTree>
-  </p:cSld>
-  <p:clrMapOvr>
-    <a:masterClrMapping/>
-  </p:clrMapOvr>
-</p:notes>
-</file>
-
-<file path=ppt/notesSlides/notesSlide4.xml><?xml version="1.0" encoding="utf-8"?>
-<p:notes xmlns:a="http://schemas.openxmlformats.org/drawingml/2006/main" xmlns:r="http://schemas.openxmlformats.org/officeDocument/2006/relationships" xmlns:p="http://schemas.openxmlformats.org/presentationml/2006/main" showMasterSp="0" showMasterPhAnim="0">
-  <p:cSld>
-    <p:spTree>
-      <p:nvGrpSpPr>
-        <p:cNvPr id="1" name="Shape 185"/>
-        <p:cNvGrpSpPr/>
-        <p:nvPr/>
-      </p:nvGrpSpPr>
-      <p:grpSpPr>
-        <a:xfrm>
-          <a:off x="0" y="0"/>
-          <a:ext cx="0" cy="0"/>
-          <a:chOff x="0" y="0"/>
-          <a:chExt cx="0" cy="0"/>
-        </a:xfrm>
-      </p:grpSpPr>
-      <p:sp>
-        <p:nvSpPr>
-          <p:cNvPr id="186" name="Shape 186"/>
-          <p:cNvSpPr>
-            <a:spLocks noGrp="1" noRot="1" noChangeAspect="1"/>
-          </p:cNvSpPr>
-          <p:nvPr>
-            <p:ph type="sldImg" idx="2"/>
-          </p:nvPr>
-        </p:nvSpPr>
-        <p:spPr>
-          <a:xfrm>
-            <a:off x="381000" y="685800"/>
-            <a:ext cx="6096000" cy="3429000"/>
-          </a:xfrm>
-          <a:custGeom>
-            <a:avLst/>
-            <a:gdLst/>
-            <a:ahLst/>
-            <a:cxnLst/>
-            <a:rect l="0" t="0" r="0" b="0"/>
-            <a:pathLst>
-              <a:path w="120000" h="120000" extrusionOk="0">
-                <a:moveTo>
-                  <a:pt x="0" y="0"/>
-                </a:moveTo>
-                <a:lnTo>
-                  <a:pt x="120000" y="0"/>
-                </a:lnTo>
-                <a:lnTo>
-                  <a:pt x="120000" y="120000"/>
-                </a:lnTo>
-                <a:lnTo>
-                  <a:pt x="0" y="120000"/>
-                </a:lnTo>
-                <a:close/>
-              </a:path>
-            </a:pathLst>
-          </a:custGeom>
-        </p:spPr>
-      </p:sp>
-      <p:sp>
-        <p:nvSpPr>
-          <p:cNvPr id="187" name="Shape 187"/>
-          <p:cNvSpPr txBox="1">
-            <a:spLocks noGrp="1"/>
-          </p:cNvSpPr>
-          <p:nvPr>
-            <p:ph type="body" idx="1"/>
-          </p:nvPr>
-        </p:nvSpPr>
-        <p:spPr>
-          <a:xfrm>
-            <a:off x="685800" y="4343400"/>
-            <a:ext cx="5486400" cy="4114800"/>
-          </a:xfrm>
-          <a:prstGeom prst="rect">
-            <a:avLst/>
-          </a:prstGeom>
-        </p:spPr>
-        <p:txBody>
-          <a:bodyPr wrap="square" lIns="91425" tIns="91425" rIns="91425" bIns="91425" anchor="t" anchorCtr="0">
-            <a:noAutofit/>
-          </a:bodyPr>
-          <a:lstStyle/>
-          <a:p>
-            <a:pPr lvl="0">
-              <a:spcBef>
-                <a:spcPts val="0"/>
-              </a:spcBef>
-              <a:buNone/>
-            </a:pPr>
-            <a:endParaRPr/>
-          </a:p>
-        </p:txBody>
-      </p:sp>
-    </p:spTree>
-  </p:cSld>
-  <p:clrMapOvr>
-    <a:masterClrMapping/>
-  </p:clrMapOvr>
-</p:notes>
-</file>
-
-<file path=ppt/notesSlides/notesSlide5.xml><?xml version="1.0" encoding="utf-8"?>
-<p:notes xmlns:a="http://schemas.openxmlformats.org/drawingml/2006/main" xmlns:r="http://schemas.openxmlformats.org/officeDocument/2006/relationships" xmlns:p="http://schemas.openxmlformats.org/presentationml/2006/main" showMasterSp="0" showMasterPhAnim="0">
-  <p:cSld>
-    <p:spTree>
-      <p:nvGrpSpPr>
-        <p:cNvPr id="1" name="Shape 185"/>
-        <p:cNvGrpSpPr/>
-        <p:nvPr/>
-      </p:nvGrpSpPr>
-      <p:grpSpPr>
-        <a:xfrm>
-          <a:off x="0" y="0"/>
-          <a:ext cx="0" cy="0"/>
-          <a:chOff x="0" y="0"/>
-          <a:chExt cx="0" cy="0"/>
-        </a:xfrm>
-      </p:grpSpPr>
-      <p:sp>
-        <p:nvSpPr>
-          <p:cNvPr id="186" name="Shape 186"/>
-          <p:cNvSpPr>
-            <a:spLocks noGrp="1" noRot="1" noChangeAspect="1"/>
-          </p:cNvSpPr>
-          <p:nvPr>
-            <p:ph type="sldImg" idx="2"/>
-          </p:nvPr>
-        </p:nvSpPr>
-        <p:spPr>
-          <a:xfrm>
-            <a:off x="381000" y="685800"/>
-            <a:ext cx="6096000" cy="3429000"/>
-          </a:xfrm>
-          <a:custGeom>
-            <a:avLst/>
-            <a:gdLst/>
-            <a:ahLst/>
-            <a:cxnLst/>
-            <a:rect l="0" t="0" r="0" b="0"/>
-            <a:pathLst>
-              <a:path w="120000" h="120000" extrusionOk="0">
-                <a:moveTo>
-                  <a:pt x="0" y="0"/>
-                </a:moveTo>
-                <a:lnTo>
-                  <a:pt x="120000" y="0"/>
-                </a:lnTo>
-                <a:lnTo>
-                  <a:pt x="120000" y="120000"/>
-                </a:lnTo>
-                <a:lnTo>
-                  <a:pt x="0" y="120000"/>
-                </a:lnTo>
-                <a:close/>
-              </a:path>
-            </a:pathLst>
-          </a:custGeom>
-        </p:spPr>
-      </p:sp>
-      <p:sp>
-        <p:nvSpPr>
-          <p:cNvPr id="187" name="Shape 187"/>
-          <p:cNvSpPr txBox="1">
-            <a:spLocks noGrp="1"/>
-          </p:cNvSpPr>
-          <p:nvPr>
-            <p:ph type="body" idx="1"/>
-          </p:nvPr>
-        </p:nvSpPr>
-        <p:spPr>
-          <a:xfrm>
-            <a:off x="685800" y="4343400"/>
-            <a:ext cx="5486400" cy="4114800"/>
-          </a:xfrm>
-          <a:prstGeom prst="rect">
-            <a:avLst/>
-          </a:prstGeom>
-        </p:spPr>
-        <p:txBody>
-          <a:bodyPr wrap="square" lIns="91425" tIns="91425" rIns="91425" bIns="91425" anchor="t" anchorCtr="0">
-            <a:noAutofit/>
-          </a:bodyPr>
-          <a:lstStyle/>
-          <a:p>
-            <a:pPr lvl="0">
-              <a:spcBef>
-                <a:spcPts val="0"/>
-              </a:spcBef>
-              <a:buNone/>
-            </a:pPr>
-            <a:endParaRPr/>
-          </a:p>
-        </p:txBody>
-      </p:sp>
-    </p:spTree>
-  </p:cSld>
-  <p:clrMapOvr>
-    <a:masterClrMapping/>
-  </p:clrMapOvr>
-</p:notes>
-</file>
-
-<file path=ppt/notesSlides/notesSlide6.xml><?xml version="1.0" encoding="utf-8"?>
 <p:notes xmlns:a="http://schemas.openxmlformats.org/drawingml/2006/main" xmlns:r="http://schemas.openxmlformats.org/officeDocument/2006/relationships" xmlns:p="http://schemas.openxmlformats.org/presentationml/2006/main" showMasterSp="0" showMasterPhAnim="0">
   <p:cSld>
     <p:spTree>
@@ -3526,7 +3118,7 @@
             </a:r>
             <a:r>
               <a:rPr lang="en-US" sz="4400" dirty="0" smtClean="0"/>
-              <a:t>4</a:t>
+              <a:t>5</a:t>
             </a:r>
             <a:endParaRPr lang="en" sz="4400" dirty="0"/>
           </a:p>
@@ -3834,12 +3426,8 @@
               <a:buNone/>
             </a:pPr>
             <a:r>
-              <a:rPr lang="en-US" dirty="0" err="1" smtClean="0"/>
-              <a:t>Enum</a:t>
-            </a:r>
-            <a:r>
               <a:rPr lang="en-US" dirty="0" smtClean="0"/>
-              <a:t> - merge return values</a:t>
+              <a:t>Comprehensive Lab</a:t>
             </a:r>
             <a:endParaRPr lang="en" dirty="0"/>
           </a:p>
@@ -3914,87 +3502,20 @@
           </a:prstGeom>
         </p:spPr>
       </p:pic>
-      <p:pic>
-        <p:nvPicPr>
-          <p:cNvPr id="4" name="Picture 3" descr="Screen Shot 2018-04-22 at 11.25.25 PM.png"/>
-          <p:cNvPicPr>
-            <a:picLocks noChangeAspect="1"/>
-          </p:cNvPicPr>
-          <p:nvPr/>
-        </p:nvPicPr>
-        <p:blipFill>
-          <a:blip r:embed="rId4">
-            <a:extLst>
-              <a:ext uri="{28A0092B-C50C-407E-A947-70E740481C1C}">
-                <a14:useLocalDpi xmlns:a14="http://schemas.microsoft.com/office/drawing/2010/main" val="0"/>
-              </a:ext>
-            </a:extLst>
-          </a:blip>
-          <a:stretch>
-            <a:fillRect/>
-          </a:stretch>
-        </p:blipFill>
-        <p:spPr>
-          <a:xfrm>
-            <a:off x="1068875" y="1733893"/>
-            <a:ext cx="5003800" cy="2806700"/>
-          </a:xfrm>
-          <a:prstGeom prst="rect">
-            <a:avLst/>
-          </a:prstGeom>
-        </p:spPr>
-      </p:pic>
-    </p:spTree>
-    <p:extLst>
-      <p:ext uri="{BB962C8B-B14F-4D97-AF65-F5344CB8AC3E}">
-        <p14:creationId xmlns:p14="http://schemas.microsoft.com/office/powerpoint/2010/main" val="2148075556"/>
-      </p:ext>
-    </p:extLst>
-  </p:cSld>
-  <p:clrMapOvr>
-    <a:masterClrMapping/>
-  </p:clrMapOvr>
-  <p:timing>
-    <p:tnLst>
-      <p:par>
-        <p:cTn xmlns:p14="http://schemas.microsoft.com/office/powerpoint/2010/main" id="1" dur="indefinite" restart="never" nodeType="tmRoot"/>
-      </p:par>
-    </p:tnLst>
-  </p:timing>
-</p:sld>
-</file>
-
-<file path=ppt/slides/slide3.xml><?xml version="1.0" encoding="utf-8"?>
-<p:sld xmlns:a="http://schemas.openxmlformats.org/drawingml/2006/main" xmlns:r="http://schemas.openxmlformats.org/officeDocument/2006/relationships" xmlns:p="http://schemas.openxmlformats.org/presentationml/2006/main">
-  <p:cSld>
-    <p:spTree>
-      <p:nvGrpSpPr>
-        <p:cNvPr id="1" name="Shape 188"/>
-        <p:cNvGrpSpPr/>
-        <p:nvPr/>
-      </p:nvGrpSpPr>
-      <p:grpSpPr>
-        <a:xfrm>
-          <a:off x="0" y="0"/>
-          <a:ext cx="0" cy="0"/>
-          <a:chOff x="0" y="0"/>
-          <a:chExt cx="0" cy="0"/>
-        </a:xfrm>
-      </p:grpSpPr>
       <p:sp>
         <p:nvSpPr>
-          <p:cNvPr id="189" name="Shape 189"/>
+          <p:cNvPr id="6" name="Shape 237"/>
           <p:cNvSpPr txBox="1">
             <a:spLocks noGrp="1"/>
           </p:cNvSpPr>
           <p:nvPr>
-            <p:ph type="title"/>
+            <p:ph type="body" idx="1"/>
           </p:nvPr>
         </p:nvSpPr>
         <p:spPr>
           <a:xfrm>
-            <a:off x="814274" y="392575"/>
-            <a:ext cx="5837779" cy="766200"/>
+            <a:off x="814274" y="1475320"/>
+            <a:ext cx="6941095" cy="2526036"/>
           </a:xfrm>
           <a:prstGeom prst="rect">
             <a:avLst/>
@@ -4006,742 +3527,106 @@
           </a:bodyPr>
           <a:lstStyle/>
           <a:p>
+            <a:pPr>
+              <a:buNone/>
+            </a:pPr>
             <a:r>
-              <a:rPr lang="en-US" dirty="0"/>
-              <a:t>Business Logic </a:t>
+              <a:rPr lang="en-US" b="1" dirty="0"/>
+              <a:t>Observable </a:t>
+            </a:r>
+            <a:endParaRPr lang="en-US" dirty="0"/>
+          </a:p>
+          <a:p>
+            <a:r>
+              <a:rPr lang="en-US" dirty="0" smtClean="0"/>
+              <a:t> </a:t>
             </a:r>
             <a:r>
-              <a:rPr lang="mr-IN" dirty="0"/>
+              <a:rPr lang="en-US" dirty="0" smtClean="0"/>
+              <a:t>Create login and get profile observables</a:t>
+            </a:r>
+          </a:p>
+          <a:p>
+            <a:pPr>
+              <a:buNone/>
+            </a:pPr>
+            <a:r>
+              <a:rPr lang="en-US" b="1" dirty="0" smtClean="0"/>
+              <a:t>Sequential Call</a:t>
+            </a:r>
+            <a:r>
+              <a:rPr lang="en-US" dirty="0" smtClean="0"/>
+              <a:t> </a:t>
+            </a:r>
+            <a:r>
+              <a:rPr lang="mr-IN" dirty="0" smtClean="0"/>
               <a:t>–</a:t>
             </a:r>
             <a:r>
-              <a:rPr lang="en-US" dirty="0"/>
-              <a:t> API Call (Serial Sequence)</a:t>
+              <a:rPr lang="en-US" dirty="0" smtClean="0"/>
+              <a:t> Two Observables</a:t>
             </a:r>
+          </a:p>
+          <a:p>
+            <a:pPr>
+              <a:buNone/>
+            </a:pPr>
+            <a:r>
+              <a:rPr lang="en-US" b="1" dirty="0" err="1" smtClean="0"/>
+              <a:t>RxCocoa</a:t>
+            </a:r>
+            <a:r>
+              <a:rPr lang="en-US" b="1" dirty="0" smtClean="0"/>
+              <a:t> UI Binding</a:t>
+            </a:r>
+            <a:r>
+              <a:rPr lang="en-US" dirty="0" smtClean="0"/>
+              <a:t> </a:t>
+            </a:r>
+            <a:r>
+              <a:rPr lang="mr-IN" dirty="0" smtClean="0"/>
+              <a:t>–</a:t>
+            </a:r>
+            <a:r>
+              <a:rPr lang="en-US" dirty="0" smtClean="0"/>
+              <a:t> button, </a:t>
+            </a:r>
+            <a:r>
+              <a:rPr lang="en-US" dirty="0" err="1" smtClean="0"/>
+              <a:t>textfield</a:t>
+            </a:r>
+            <a:r>
+              <a:rPr lang="en-US" dirty="0" smtClean="0"/>
+              <a:t>, </a:t>
+            </a:r>
+            <a:r>
+              <a:rPr lang="en-US" dirty="0" err="1" smtClean="0"/>
+              <a:t>TableView</a:t>
+            </a:r>
+            <a:endParaRPr lang="en-US" dirty="0" smtClean="0"/>
+          </a:p>
+          <a:p>
+            <a:pPr>
+              <a:buNone/>
+            </a:pPr>
+            <a:r>
+              <a:rPr lang="en-US" b="1" dirty="0" smtClean="0"/>
+              <a:t>Subject, Relay</a:t>
+            </a:r>
+            <a:endParaRPr lang="en-US" dirty="0"/>
+          </a:p>
+          <a:p>
+            <a:pPr>
+              <a:buNone/>
+            </a:pPr>
+            <a:endParaRPr lang="en-US" dirty="0"/>
           </a:p>
         </p:txBody>
       </p:sp>
-      <p:sp>
-        <p:nvSpPr>
-          <p:cNvPr id="192" name="Shape 192"/>
-          <p:cNvSpPr txBox="1">
-            <a:spLocks noGrp="1"/>
-          </p:cNvSpPr>
-          <p:nvPr>
-            <p:ph type="sldNum" idx="12"/>
-          </p:nvPr>
-        </p:nvSpPr>
-        <p:spPr>
-          <a:xfrm>
-            <a:off x="7618000" y="4636500"/>
-            <a:ext cx="1487400" cy="315600"/>
-          </a:xfrm>
-          <a:prstGeom prst="rect">
-            <a:avLst/>
-          </a:prstGeom>
-        </p:spPr>
-        <p:txBody>
-          <a:bodyPr wrap="square" lIns="91425" tIns="91425" rIns="91425" bIns="91425" anchor="ctr" anchorCtr="0">
-            <a:noAutofit/>
-          </a:bodyPr>
-          <a:lstStyle/>
-          <a:p>
-            <a:pPr lvl="0">
-              <a:spcBef>
-                <a:spcPts val="0"/>
-              </a:spcBef>
-              <a:buNone/>
-            </a:pPr>
-            <a:fld id="{00000000-1234-1234-1234-123412341234}" type="slidenum">
-              <a:rPr lang="en"/>
-              <a:t>3</a:t>
-            </a:fld>
-            <a:endParaRPr lang="en"/>
-          </a:p>
-        </p:txBody>
-      </p:sp>
-      <p:pic>
-        <p:nvPicPr>
-          <p:cNvPr id="2" name="Picture 1" descr="Rx_Logo_M.png"/>
-          <p:cNvPicPr>
-            <a:picLocks noChangeAspect="1"/>
-          </p:cNvPicPr>
-          <p:nvPr/>
-        </p:nvPicPr>
-        <p:blipFill>
-          <a:blip r:embed="rId3">
-            <a:extLst>
-              <a:ext uri="{28A0092B-C50C-407E-A947-70E740481C1C}">
-                <a14:useLocalDpi xmlns:a14="http://schemas.microsoft.com/office/drawing/2010/main" val="0"/>
-              </a:ext>
-            </a:extLst>
-          </a:blip>
-          <a:stretch>
-            <a:fillRect/>
-          </a:stretch>
-        </p:blipFill>
-        <p:spPr>
-          <a:xfrm>
-            <a:off x="151129" y="442005"/>
-            <a:ext cx="663146" cy="663146"/>
-          </a:xfrm>
-          <a:prstGeom prst="rect">
-            <a:avLst/>
-          </a:prstGeom>
-        </p:spPr>
-      </p:pic>
-      <p:pic>
-        <p:nvPicPr>
-          <p:cNvPr id="3" name="Picture 2" descr="Screen Shot 2018-04-28 at 2.00.16 PM.png"/>
-          <p:cNvPicPr>
-            <a:picLocks noChangeAspect="1"/>
-          </p:cNvPicPr>
-          <p:nvPr/>
-        </p:nvPicPr>
-        <p:blipFill>
-          <a:blip r:embed="rId4">
-            <a:extLst>
-              <a:ext uri="{28A0092B-C50C-407E-A947-70E740481C1C}">
-                <a14:useLocalDpi xmlns:a14="http://schemas.microsoft.com/office/drawing/2010/main" val="0"/>
-              </a:ext>
-            </a:extLst>
-          </a:blip>
-          <a:stretch>
-            <a:fillRect/>
-          </a:stretch>
-        </p:blipFill>
-        <p:spPr>
-          <a:xfrm>
-            <a:off x="0" y="1900591"/>
-            <a:ext cx="4532184" cy="2481910"/>
-          </a:xfrm>
-          <a:prstGeom prst="rect">
-            <a:avLst/>
-          </a:prstGeom>
-        </p:spPr>
-      </p:pic>
-      <p:pic>
-        <p:nvPicPr>
-          <p:cNvPr id="4" name="Picture 3" descr="Screen Shot 2018-04-28 at 2.01.46 PM.png"/>
-          <p:cNvPicPr>
-            <a:picLocks noChangeAspect="1"/>
-          </p:cNvPicPr>
-          <p:nvPr/>
-        </p:nvPicPr>
-        <p:blipFill>
-          <a:blip r:embed="rId5">
-            <a:extLst>
-              <a:ext uri="{28A0092B-C50C-407E-A947-70E740481C1C}">
-                <a14:useLocalDpi xmlns:a14="http://schemas.microsoft.com/office/drawing/2010/main" val="0"/>
-              </a:ext>
-            </a:extLst>
-          </a:blip>
-          <a:stretch>
-            <a:fillRect/>
-          </a:stretch>
-        </p:blipFill>
-        <p:spPr>
-          <a:xfrm>
-            <a:off x="4462162" y="1778530"/>
-            <a:ext cx="4681838" cy="2617701"/>
-          </a:xfrm>
-          <a:prstGeom prst="rect">
-            <a:avLst/>
-          </a:prstGeom>
-        </p:spPr>
-      </p:pic>
     </p:spTree>
     <p:extLst>
       <p:ext uri="{BB962C8B-B14F-4D97-AF65-F5344CB8AC3E}">
-        <p14:creationId xmlns:p14="http://schemas.microsoft.com/office/powerpoint/2010/main" val="1005667817"/>
-      </p:ext>
-    </p:extLst>
-  </p:cSld>
-  <p:clrMapOvr>
-    <a:masterClrMapping/>
-  </p:clrMapOvr>
-  <p:timing>
-    <p:tnLst>
-      <p:par>
-        <p:cTn xmlns:p14="http://schemas.microsoft.com/office/powerpoint/2010/main" id="1" dur="indefinite" restart="never" nodeType="tmRoot"/>
-      </p:par>
-    </p:tnLst>
-  </p:timing>
-</p:sld>
-</file>
-
-<file path=ppt/slides/slide4.xml><?xml version="1.0" encoding="utf-8"?>
-<p:sld xmlns:a="http://schemas.openxmlformats.org/drawingml/2006/main" xmlns:r="http://schemas.openxmlformats.org/officeDocument/2006/relationships" xmlns:p="http://schemas.openxmlformats.org/presentationml/2006/main">
-  <p:cSld>
-    <p:spTree>
-      <p:nvGrpSpPr>
-        <p:cNvPr id="1" name="Shape 188"/>
-        <p:cNvGrpSpPr/>
-        <p:nvPr/>
-      </p:nvGrpSpPr>
-      <p:grpSpPr>
-        <a:xfrm>
-          <a:off x="0" y="0"/>
-          <a:ext cx="0" cy="0"/>
-          <a:chOff x="0" y="0"/>
-          <a:chExt cx="0" cy="0"/>
-        </a:xfrm>
-      </p:grpSpPr>
-      <p:sp>
-        <p:nvSpPr>
-          <p:cNvPr id="189" name="Shape 189"/>
-          <p:cNvSpPr txBox="1">
-            <a:spLocks noGrp="1"/>
-          </p:cNvSpPr>
-          <p:nvPr>
-            <p:ph type="title"/>
-          </p:nvPr>
-        </p:nvSpPr>
-        <p:spPr>
-          <a:xfrm>
-            <a:off x="814274" y="392575"/>
-            <a:ext cx="5837779" cy="766200"/>
-          </a:xfrm>
-          <a:prstGeom prst="rect">
-            <a:avLst/>
-          </a:prstGeom>
-        </p:spPr>
-        <p:txBody>
-          <a:bodyPr wrap="square" lIns="91425" tIns="91425" rIns="91425" bIns="91425" anchor="ctr" anchorCtr="0">
-            <a:noAutofit/>
-          </a:bodyPr>
-          <a:lstStyle/>
-          <a:p>
-            <a:r>
-              <a:rPr lang="en-US" dirty="0"/>
-              <a:t>Business Logic </a:t>
-            </a:r>
-            <a:r>
-              <a:rPr lang="mr-IN" dirty="0"/>
-              <a:t>–</a:t>
-            </a:r>
-            <a:r>
-              <a:rPr lang="en-US" dirty="0"/>
-              <a:t> API Call (Serial Sequence)</a:t>
-            </a:r>
-          </a:p>
-        </p:txBody>
-      </p:sp>
-      <p:sp>
-        <p:nvSpPr>
-          <p:cNvPr id="192" name="Shape 192"/>
-          <p:cNvSpPr txBox="1">
-            <a:spLocks noGrp="1"/>
-          </p:cNvSpPr>
-          <p:nvPr>
-            <p:ph type="sldNum" idx="12"/>
-          </p:nvPr>
-        </p:nvSpPr>
-        <p:spPr>
-          <a:xfrm>
-            <a:off x="7618000" y="4636500"/>
-            <a:ext cx="1487400" cy="315600"/>
-          </a:xfrm>
-          <a:prstGeom prst="rect">
-            <a:avLst/>
-          </a:prstGeom>
-        </p:spPr>
-        <p:txBody>
-          <a:bodyPr wrap="square" lIns="91425" tIns="91425" rIns="91425" bIns="91425" anchor="ctr" anchorCtr="0">
-            <a:noAutofit/>
-          </a:bodyPr>
-          <a:lstStyle/>
-          <a:p>
-            <a:pPr lvl="0">
-              <a:spcBef>
-                <a:spcPts val="0"/>
-              </a:spcBef>
-              <a:buNone/>
-            </a:pPr>
-            <a:fld id="{00000000-1234-1234-1234-123412341234}" type="slidenum">
-              <a:rPr lang="en"/>
-              <a:t>4</a:t>
-            </a:fld>
-            <a:endParaRPr lang="en"/>
-          </a:p>
-        </p:txBody>
-      </p:sp>
-      <p:pic>
-        <p:nvPicPr>
-          <p:cNvPr id="2" name="Picture 1" descr="Rx_Logo_M.png"/>
-          <p:cNvPicPr>
-            <a:picLocks noChangeAspect="1"/>
-          </p:cNvPicPr>
-          <p:nvPr/>
-        </p:nvPicPr>
-        <p:blipFill>
-          <a:blip r:embed="rId3">
-            <a:extLst>
-              <a:ext uri="{28A0092B-C50C-407E-A947-70E740481C1C}">
-                <a14:useLocalDpi xmlns:a14="http://schemas.microsoft.com/office/drawing/2010/main" val="0"/>
-              </a:ext>
-            </a:extLst>
-          </a:blip>
-          <a:stretch>
-            <a:fillRect/>
-          </a:stretch>
-        </p:blipFill>
-        <p:spPr>
-          <a:xfrm>
-            <a:off x="151129" y="442005"/>
-            <a:ext cx="663146" cy="663146"/>
-          </a:xfrm>
-          <a:prstGeom prst="rect">
-            <a:avLst/>
-          </a:prstGeom>
-        </p:spPr>
-      </p:pic>
-      <p:pic>
-        <p:nvPicPr>
-          <p:cNvPr id="3" name="Picture 2" descr="Screen Shot 2018-04-16 at 10.16.02 PM.png"/>
-          <p:cNvPicPr>
-            <a:picLocks noChangeAspect="1"/>
-          </p:cNvPicPr>
-          <p:nvPr/>
-        </p:nvPicPr>
-        <p:blipFill>
-          <a:blip r:embed="rId4">
-            <a:extLst>
-              <a:ext uri="{28A0092B-C50C-407E-A947-70E740481C1C}">
-                <a14:useLocalDpi xmlns:a14="http://schemas.microsoft.com/office/drawing/2010/main" val="0"/>
-              </a:ext>
-            </a:extLst>
-          </a:blip>
-          <a:stretch>
-            <a:fillRect/>
-          </a:stretch>
-        </p:blipFill>
-        <p:spPr>
-          <a:xfrm>
-            <a:off x="419930" y="1485239"/>
-            <a:ext cx="6060502" cy="3395680"/>
-          </a:xfrm>
-          <a:prstGeom prst="rect">
-            <a:avLst/>
-          </a:prstGeom>
-        </p:spPr>
-      </p:pic>
-    </p:spTree>
-    <p:extLst>
-      <p:ext uri="{BB962C8B-B14F-4D97-AF65-F5344CB8AC3E}">
-        <p14:creationId xmlns:p14="http://schemas.microsoft.com/office/powerpoint/2010/main" val="2151135079"/>
-      </p:ext>
-    </p:extLst>
-  </p:cSld>
-  <p:clrMapOvr>
-    <a:masterClrMapping/>
-  </p:clrMapOvr>
-  <p:timing>
-    <p:tnLst>
-      <p:par>
-        <p:cTn xmlns:p14="http://schemas.microsoft.com/office/powerpoint/2010/main" id="1" dur="indefinite" restart="never" nodeType="tmRoot"/>
-      </p:par>
-    </p:tnLst>
-  </p:timing>
-</p:sld>
-</file>
-
-<file path=ppt/slides/slide5.xml><?xml version="1.0" encoding="utf-8"?>
-<p:sld xmlns:a="http://schemas.openxmlformats.org/drawingml/2006/main" xmlns:r="http://schemas.openxmlformats.org/officeDocument/2006/relationships" xmlns:p="http://schemas.openxmlformats.org/presentationml/2006/main">
-  <p:cSld>
-    <p:spTree>
-      <p:nvGrpSpPr>
-        <p:cNvPr id="1" name="Shape 188"/>
-        <p:cNvGrpSpPr/>
-        <p:nvPr/>
-      </p:nvGrpSpPr>
-      <p:grpSpPr>
-        <a:xfrm>
-          <a:off x="0" y="0"/>
-          <a:ext cx="0" cy="0"/>
-          <a:chOff x="0" y="0"/>
-          <a:chExt cx="0" cy="0"/>
-        </a:xfrm>
-      </p:grpSpPr>
-      <p:sp>
-        <p:nvSpPr>
-          <p:cNvPr id="189" name="Shape 189"/>
-          <p:cNvSpPr txBox="1">
-            <a:spLocks noGrp="1"/>
-          </p:cNvSpPr>
-          <p:nvPr>
-            <p:ph type="title"/>
-          </p:nvPr>
-        </p:nvSpPr>
-        <p:spPr>
-          <a:xfrm>
-            <a:off x="814274" y="392575"/>
-            <a:ext cx="5837779" cy="766200"/>
-          </a:xfrm>
-          <a:prstGeom prst="rect">
-            <a:avLst/>
-          </a:prstGeom>
-        </p:spPr>
-        <p:txBody>
-          <a:bodyPr wrap="square" lIns="91425" tIns="91425" rIns="91425" bIns="91425" anchor="ctr" anchorCtr="0">
-            <a:noAutofit/>
-          </a:bodyPr>
-          <a:lstStyle/>
-          <a:p>
-            <a:r>
-              <a:rPr lang="en-US" dirty="0"/>
-              <a:t>Business Logic </a:t>
-            </a:r>
-            <a:r>
-              <a:rPr lang="mr-IN" dirty="0"/>
-              <a:t>–</a:t>
-            </a:r>
-            <a:r>
-              <a:rPr lang="en-US" dirty="0"/>
-              <a:t> API Call (Serial Sequence)</a:t>
-            </a:r>
-          </a:p>
-        </p:txBody>
-      </p:sp>
-      <p:sp>
-        <p:nvSpPr>
-          <p:cNvPr id="192" name="Shape 192"/>
-          <p:cNvSpPr txBox="1">
-            <a:spLocks noGrp="1"/>
-          </p:cNvSpPr>
-          <p:nvPr>
-            <p:ph type="sldNum" idx="12"/>
-          </p:nvPr>
-        </p:nvSpPr>
-        <p:spPr>
-          <a:xfrm>
-            <a:off x="7618000" y="4636500"/>
-            <a:ext cx="1487400" cy="315600"/>
-          </a:xfrm>
-          <a:prstGeom prst="rect">
-            <a:avLst/>
-          </a:prstGeom>
-        </p:spPr>
-        <p:txBody>
-          <a:bodyPr wrap="square" lIns="91425" tIns="91425" rIns="91425" bIns="91425" anchor="ctr" anchorCtr="0">
-            <a:noAutofit/>
-          </a:bodyPr>
-          <a:lstStyle/>
-          <a:p>
-            <a:pPr lvl="0">
-              <a:spcBef>
-                <a:spcPts val="0"/>
-              </a:spcBef>
-              <a:buNone/>
-            </a:pPr>
-            <a:fld id="{00000000-1234-1234-1234-123412341234}" type="slidenum">
-              <a:rPr lang="en"/>
-              <a:t>5</a:t>
-            </a:fld>
-            <a:endParaRPr lang="en"/>
-          </a:p>
-        </p:txBody>
-      </p:sp>
-      <p:pic>
-        <p:nvPicPr>
-          <p:cNvPr id="2" name="Picture 1" descr="Rx_Logo_M.png"/>
-          <p:cNvPicPr>
-            <a:picLocks noChangeAspect="1"/>
-          </p:cNvPicPr>
-          <p:nvPr/>
-        </p:nvPicPr>
-        <p:blipFill>
-          <a:blip r:embed="rId3">
-            <a:extLst>
-              <a:ext uri="{28A0092B-C50C-407E-A947-70E740481C1C}">
-                <a14:useLocalDpi xmlns:a14="http://schemas.microsoft.com/office/drawing/2010/main" val="0"/>
-              </a:ext>
-            </a:extLst>
-          </a:blip>
-          <a:stretch>
-            <a:fillRect/>
-          </a:stretch>
-        </p:blipFill>
-        <p:spPr>
-          <a:xfrm>
-            <a:off x="151129" y="442005"/>
-            <a:ext cx="663146" cy="663146"/>
-          </a:xfrm>
-          <a:prstGeom prst="rect">
-            <a:avLst/>
-          </a:prstGeom>
-        </p:spPr>
-      </p:pic>
-      <p:pic>
-        <p:nvPicPr>
-          <p:cNvPr id="4" name="Picture 3" descr="Screen Shot 2018-04-28 at 2.19.04 PM.png"/>
-          <p:cNvPicPr>
-            <a:picLocks noChangeAspect="1"/>
-          </p:cNvPicPr>
-          <p:nvPr/>
-        </p:nvPicPr>
-        <p:blipFill>
-          <a:blip r:embed="rId4">
-            <a:extLst>
-              <a:ext uri="{28A0092B-C50C-407E-A947-70E740481C1C}">
-                <a14:useLocalDpi xmlns:a14="http://schemas.microsoft.com/office/drawing/2010/main" val="0"/>
-              </a:ext>
-            </a:extLst>
-          </a:blip>
-          <a:stretch>
-            <a:fillRect/>
-          </a:stretch>
-        </p:blipFill>
-        <p:spPr>
-          <a:xfrm>
-            <a:off x="4220101" y="1773679"/>
-            <a:ext cx="4807194" cy="2862821"/>
-          </a:xfrm>
-          <a:prstGeom prst="rect">
-            <a:avLst/>
-          </a:prstGeom>
-        </p:spPr>
-      </p:pic>
-      <p:pic>
-        <p:nvPicPr>
-          <p:cNvPr id="3" name="Picture 2" descr="Screen Shot 2018-04-28 at 2.18.52 PM.png"/>
-          <p:cNvPicPr>
-            <a:picLocks noChangeAspect="1"/>
-          </p:cNvPicPr>
-          <p:nvPr/>
-        </p:nvPicPr>
-        <p:blipFill>
-          <a:blip r:embed="rId5">
-            <a:extLst>
-              <a:ext uri="{28A0092B-C50C-407E-A947-70E740481C1C}">
-                <a14:useLocalDpi xmlns:a14="http://schemas.microsoft.com/office/drawing/2010/main" val="0"/>
-              </a:ext>
-            </a:extLst>
-          </a:blip>
-          <a:stretch>
-            <a:fillRect/>
-          </a:stretch>
-        </p:blipFill>
-        <p:spPr>
-          <a:xfrm>
-            <a:off x="109939" y="1825025"/>
-            <a:ext cx="4449116" cy="2156598"/>
-          </a:xfrm>
-          <a:prstGeom prst="rect">
-            <a:avLst/>
-          </a:prstGeom>
-        </p:spPr>
-      </p:pic>
-    </p:spTree>
-    <p:extLst>
-      <p:ext uri="{BB962C8B-B14F-4D97-AF65-F5344CB8AC3E}">
-        <p14:creationId xmlns:p14="http://schemas.microsoft.com/office/powerpoint/2010/main" val="2217473167"/>
-      </p:ext>
-    </p:extLst>
-  </p:cSld>
-  <p:clrMapOvr>
-    <a:masterClrMapping/>
-  </p:clrMapOvr>
-  <p:timing>
-    <p:tnLst>
-      <p:par>
-        <p:cTn xmlns:p14="http://schemas.microsoft.com/office/powerpoint/2010/main" id="1" dur="indefinite" restart="never" nodeType="tmRoot"/>
-      </p:par>
-    </p:tnLst>
-  </p:timing>
-</p:sld>
-</file>
-
-<file path=ppt/slides/slide6.xml><?xml version="1.0" encoding="utf-8"?>
-<p:sld xmlns:a="http://schemas.openxmlformats.org/drawingml/2006/main" xmlns:r="http://schemas.openxmlformats.org/officeDocument/2006/relationships" xmlns:p="http://schemas.openxmlformats.org/presentationml/2006/main">
-  <p:cSld>
-    <p:spTree>
-      <p:nvGrpSpPr>
-        <p:cNvPr id="1" name="Shape 188"/>
-        <p:cNvGrpSpPr/>
-        <p:nvPr/>
-      </p:nvGrpSpPr>
-      <p:grpSpPr>
-        <a:xfrm>
-          <a:off x="0" y="0"/>
-          <a:ext cx="0" cy="0"/>
-          <a:chOff x="0" y="0"/>
-          <a:chExt cx="0" cy="0"/>
-        </a:xfrm>
-      </p:grpSpPr>
-      <p:sp>
-        <p:nvSpPr>
-          <p:cNvPr id="189" name="Shape 189"/>
-          <p:cNvSpPr txBox="1">
-            <a:spLocks noGrp="1"/>
-          </p:cNvSpPr>
-          <p:nvPr>
-            <p:ph type="title"/>
-          </p:nvPr>
-        </p:nvSpPr>
-        <p:spPr>
-          <a:xfrm>
-            <a:off x="814275" y="463877"/>
-            <a:ext cx="6009403" cy="520452"/>
-          </a:xfrm>
-          <a:prstGeom prst="rect">
-            <a:avLst/>
-          </a:prstGeom>
-        </p:spPr>
-        <p:txBody>
-          <a:bodyPr wrap="square" lIns="91425" tIns="91425" rIns="91425" bIns="91425" anchor="ctr" anchorCtr="0">
-            <a:noAutofit/>
-          </a:bodyPr>
-          <a:lstStyle/>
-          <a:p>
-            <a:r>
-              <a:rPr lang="en-US" dirty="0"/>
-              <a:t>Business Logic </a:t>
-            </a:r>
-            <a:r>
-              <a:rPr lang="mr-IN" dirty="0"/>
-              <a:t>–</a:t>
-            </a:r>
-            <a:r>
-              <a:rPr lang="en-US" dirty="0"/>
-              <a:t> API Call (Multi, Serial Sequence)</a:t>
-            </a:r>
-          </a:p>
-        </p:txBody>
-      </p:sp>
-      <p:sp>
-        <p:nvSpPr>
-          <p:cNvPr id="192" name="Shape 192"/>
-          <p:cNvSpPr txBox="1">
-            <a:spLocks noGrp="1"/>
-          </p:cNvSpPr>
-          <p:nvPr>
-            <p:ph type="sldNum" idx="12"/>
-          </p:nvPr>
-        </p:nvSpPr>
-        <p:spPr>
-          <a:xfrm>
-            <a:off x="7618000" y="4636500"/>
-            <a:ext cx="1487400" cy="315600"/>
-          </a:xfrm>
-          <a:prstGeom prst="rect">
-            <a:avLst/>
-          </a:prstGeom>
-        </p:spPr>
-        <p:txBody>
-          <a:bodyPr wrap="square" lIns="91425" tIns="91425" rIns="91425" bIns="91425" anchor="ctr" anchorCtr="0">
-            <a:noAutofit/>
-          </a:bodyPr>
-          <a:lstStyle/>
-          <a:p>
-            <a:pPr lvl="0">
-              <a:spcBef>
-                <a:spcPts val="0"/>
-              </a:spcBef>
-              <a:buNone/>
-            </a:pPr>
-            <a:fld id="{00000000-1234-1234-1234-123412341234}" type="slidenum">
-              <a:rPr lang="en"/>
-              <a:t>6</a:t>
-            </a:fld>
-            <a:endParaRPr lang="en"/>
-          </a:p>
-        </p:txBody>
-      </p:sp>
-      <p:pic>
-        <p:nvPicPr>
-          <p:cNvPr id="2" name="Picture 1" descr="Rx_Logo_M.png"/>
-          <p:cNvPicPr>
-            <a:picLocks noChangeAspect="1"/>
-          </p:cNvPicPr>
-          <p:nvPr/>
-        </p:nvPicPr>
-        <p:blipFill>
-          <a:blip r:embed="rId3">
-            <a:extLst>
-              <a:ext uri="{28A0092B-C50C-407E-A947-70E740481C1C}">
-                <a14:useLocalDpi xmlns:a14="http://schemas.microsoft.com/office/drawing/2010/main" val="0"/>
-              </a:ext>
-            </a:extLst>
-          </a:blip>
-          <a:stretch>
-            <a:fillRect/>
-          </a:stretch>
-        </p:blipFill>
-        <p:spPr>
-          <a:xfrm>
-            <a:off x="151129" y="442005"/>
-            <a:ext cx="663146" cy="663146"/>
-          </a:xfrm>
-          <a:prstGeom prst="rect">
-            <a:avLst/>
-          </a:prstGeom>
-        </p:spPr>
-      </p:pic>
-      <p:pic>
-        <p:nvPicPr>
-          <p:cNvPr id="6" name="Picture 5" descr="Screen Shot 2018-04-28 at 8.34.13 PM.png"/>
-          <p:cNvPicPr>
-            <a:picLocks noChangeAspect="1"/>
-          </p:cNvPicPr>
-          <p:nvPr/>
-        </p:nvPicPr>
-        <p:blipFill>
-          <a:blip r:embed="rId4">
-            <a:extLst>
-              <a:ext uri="{28A0092B-C50C-407E-A947-70E740481C1C}">
-                <a14:useLocalDpi xmlns:a14="http://schemas.microsoft.com/office/drawing/2010/main" val="0"/>
-              </a:ext>
-            </a:extLst>
-          </a:blip>
-          <a:stretch>
-            <a:fillRect/>
-          </a:stretch>
-        </p:blipFill>
-        <p:spPr>
-          <a:xfrm>
-            <a:off x="4238107" y="1338235"/>
-            <a:ext cx="4904103" cy="3174857"/>
-          </a:xfrm>
-          <a:prstGeom prst="rect">
-            <a:avLst/>
-          </a:prstGeom>
-        </p:spPr>
-      </p:pic>
-      <p:pic>
-        <p:nvPicPr>
-          <p:cNvPr id="4" name="Picture 3" descr="Screen Shot 2018-05-01 at 8.07.31 PM.png"/>
-          <p:cNvPicPr>
-            <a:picLocks noChangeAspect="1"/>
-          </p:cNvPicPr>
-          <p:nvPr/>
-        </p:nvPicPr>
-        <p:blipFill>
-          <a:blip r:embed="rId5">
-            <a:extLst>
-              <a:ext uri="{28A0092B-C50C-407E-A947-70E740481C1C}">
-                <a14:useLocalDpi xmlns:a14="http://schemas.microsoft.com/office/drawing/2010/main" val="0"/>
-              </a:ext>
-            </a:extLst>
-          </a:blip>
-          <a:stretch>
-            <a:fillRect/>
-          </a:stretch>
-        </p:blipFill>
-        <p:spPr>
-          <a:xfrm>
-            <a:off x="0" y="1353594"/>
-            <a:ext cx="4259934" cy="2808952"/>
-          </a:xfrm>
-          <a:prstGeom prst="rect">
-            <a:avLst/>
-          </a:prstGeom>
-        </p:spPr>
-      </p:pic>
-    </p:spTree>
-    <p:extLst>
-      <p:ext uri="{BB962C8B-B14F-4D97-AF65-F5344CB8AC3E}">
-        <p14:creationId xmlns:p14="http://schemas.microsoft.com/office/powerpoint/2010/main" val="3022908544"/>
+        <p14:creationId xmlns:p14="http://schemas.microsoft.com/office/powerpoint/2010/main" val="2148075556"/>
       </p:ext>
     </p:extLst>
   </p:cSld>

--- a/RxSwiftBasics/day5/RxSwiftBasics5.pptx
+++ b/RxSwiftBasics/day5/RxSwiftBasics5.pptx
@@ -5,11 +5,15 @@
     <p:sldMasterId id="2147483657" r:id="rId1"/>
   </p:sldMasterIdLst>
   <p:notesMasterIdLst>
-    <p:notesMasterId r:id="rId4"/>
+    <p:notesMasterId r:id="rId8"/>
   </p:notesMasterIdLst>
   <p:sldIdLst>
     <p:sldId id="256" r:id="rId2"/>
-    <p:sldId id="257" r:id="rId3"/>
+    <p:sldId id="258" r:id="rId3"/>
+    <p:sldId id="259" r:id="rId4"/>
+    <p:sldId id="260" r:id="rId5"/>
+    <p:sldId id="261" r:id="rId6"/>
+    <p:sldId id="257" r:id="rId7"/>
   </p:sldIdLst>
   <p:sldSz cx="9144000" cy="5143500" type="screen16x9"/>
   <p:notesSz cx="6858000" cy="9144000"/>
@@ -600,6 +604,410 @@
 </file>
 
 <file path=ppt/notesSlides/notesSlide2.xml><?xml version="1.0" encoding="utf-8"?>
+<p:notes xmlns:a="http://schemas.openxmlformats.org/drawingml/2006/main" xmlns:r="http://schemas.openxmlformats.org/officeDocument/2006/relationships" xmlns:p="http://schemas.openxmlformats.org/presentationml/2006/main" showMasterSp="0" showMasterPhAnim="0">
+  <p:cSld>
+    <p:spTree>
+      <p:nvGrpSpPr>
+        <p:cNvPr id="1" name="Shape 185"/>
+        <p:cNvGrpSpPr/>
+        <p:nvPr/>
+      </p:nvGrpSpPr>
+      <p:grpSpPr>
+        <a:xfrm>
+          <a:off x="0" y="0"/>
+          <a:ext cx="0" cy="0"/>
+          <a:chOff x="0" y="0"/>
+          <a:chExt cx="0" cy="0"/>
+        </a:xfrm>
+      </p:grpSpPr>
+      <p:sp>
+        <p:nvSpPr>
+          <p:cNvPr id="186" name="Shape 186"/>
+          <p:cNvSpPr>
+            <a:spLocks noGrp="1" noRot="1" noChangeAspect="1"/>
+          </p:cNvSpPr>
+          <p:nvPr>
+            <p:ph type="sldImg" idx="2"/>
+          </p:nvPr>
+        </p:nvSpPr>
+        <p:spPr>
+          <a:xfrm>
+            <a:off x="381000" y="685800"/>
+            <a:ext cx="6096000" cy="3429000"/>
+          </a:xfrm>
+          <a:custGeom>
+            <a:avLst/>
+            <a:gdLst/>
+            <a:ahLst/>
+            <a:cxnLst/>
+            <a:rect l="0" t="0" r="0" b="0"/>
+            <a:pathLst>
+              <a:path w="120000" h="120000" extrusionOk="0">
+                <a:moveTo>
+                  <a:pt x="0" y="0"/>
+                </a:moveTo>
+                <a:lnTo>
+                  <a:pt x="120000" y="0"/>
+                </a:lnTo>
+                <a:lnTo>
+                  <a:pt x="120000" y="120000"/>
+                </a:lnTo>
+                <a:lnTo>
+                  <a:pt x="0" y="120000"/>
+                </a:lnTo>
+                <a:close/>
+              </a:path>
+            </a:pathLst>
+          </a:custGeom>
+        </p:spPr>
+      </p:sp>
+      <p:sp>
+        <p:nvSpPr>
+          <p:cNvPr id="187" name="Shape 187"/>
+          <p:cNvSpPr txBox="1">
+            <a:spLocks noGrp="1"/>
+          </p:cNvSpPr>
+          <p:nvPr>
+            <p:ph type="body" idx="1"/>
+          </p:nvPr>
+        </p:nvSpPr>
+        <p:spPr>
+          <a:xfrm>
+            <a:off x="685800" y="4343400"/>
+            <a:ext cx="5486400" cy="4114800"/>
+          </a:xfrm>
+          <a:prstGeom prst="rect">
+            <a:avLst/>
+          </a:prstGeom>
+        </p:spPr>
+        <p:txBody>
+          <a:bodyPr wrap="square" lIns="91425" tIns="91425" rIns="91425" bIns="91425" anchor="t" anchorCtr="0">
+            <a:noAutofit/>
+          </a:bodyPr>
+          <a:lstStyle/>
+          <a:p>
+            <a:pPr lvl="0">
+              <a:spcBef>
+                <a:spcPts val="0"/>
+              </a:spcBef>
+              <a:buNone/>
+            </a:pPr>
+            <a:endParaRPr/>
+          </a:p>
+        </p:txBody>
+      </p:sp>
+    </p:spTree>
+  </p:cSld>
+  <p:clrMapOvr>
+    <a:masterClrMapping/>
+  </p:clrMapOvr>
+</p:notes>
+</file>
+
+<file path=ppt/notesSlides/notesSlide3.xml><?xml version="1.0" encoding="utf-8"?>
+<p:notes xmlns:a="http://schemas.openxmlformats.org/drawingml/2006/main" xmlns:r="http://schemas.openxmlformats.org/officeDocument/2006/relationships" xmlns:p="http://schemas.openxmlformats.org/presentationml/2006/main" showMasterSp="0" showMasterPhAnim="0">
+  <p:cSld>
+    <p:spTree>
+      <p:nvGrpSpPr>
+        <p:cNvPr id="1" name="Shape 185"/>
+        <p:cNvGrpSpPr/>
+        <p:nvPr/>
+      </p:nvGrpSpPr>
+      <p:grpSpPr>
+        <a:xfrm>
+          <a:off x="0" y="0"/>
+          <a:ext cx="0" cy="0"/>
+          <a:chOff x="0" y="0"/>
+          <a:chExt cx="0" cy="0"/>
+        </a:xfrm>
+      </p:grpSpPr>
+      <p:sp>
+        <p:nvSpPr>
+          <p:cNvPr id="186" name="Shape 186"/>
+          <p:cNvSpPr>
+            <a:spLocks noGrp="1" noRot="1" noChangeAspect="1"/>
+          </p:cNvSpPr>
+          <p:nvPr>
+            <p:ph type="sldImg" idx="2"/>
+          </p:nvPr>
+        </p:nvSpPr>
+        <p:spPr>
+          <a:xfrm>
+            <a:off x="381000" y="685800"/>
+            <a:ext cx="6096000" cy="3429000"/>
+          </a:xfrm>
+          <a:custGeom>
+            <a:avLst/>
+            <a:gdLst/>
+            <a:ahLst/>
+            <a:cxnLst/>
+            <a:rect l="0" t="0" r="0" b="0"/>
+            <a:pathLst>
+              <a:path w="120000" h="120000" extrusionOk="0">
+                <a:moveTo>
+                  <a:pt x="0" y="0"/>
+                </a:moveTo>
+                <a:lnTo>
+                  <a:pt x="120000" y="0"/>
+                </a:lnTo>
+                <a:lnTo>
+                  <a:pt x="120000" y="120000"/>
+                </a:lnTo>
+                <a:lnTo>
+                  <a:pt x="0" y="120000"/>
+                </a:lnTo>
+                <a:close/>
+              </a:path>
+            </a:pathLst>
+          </a:custGeom>
+        </p:spPr>
+      </p:sp>
+      <p:sp>
+        <p:nvSpPr>
+          <p:cNvPr id="187" name="Shape 187"/>
+          <p:cNvSpPr txBox="1">
+            <a:spLocks noGrp="1"/>
+          </p:cNvSpPr>
+          <p:nvPr>
+            <p:ph type="body" idx="1"/>
+          </p:nvPr>
+        </p:nvSpPr>
+        <p:spPr>
+          <a:xfrm>
+            <a:off x="685800" y="4343400"/>
+            <a:ext cx="5486400" cy="4114800"/>
+          </a:xfrm>
+          <a:prstGeom prst="rect">
+            <a:avLst/>
+          </a:prstGeom>
+        </p:spPr>
+        <p:txBody>
+          <a:bodyPr wrap="square" lIns="91425" tIns="91425" rIns="91425" bIns="91425" anchor="t" anchorCtr="0">
+            <a:noAutofit/>
+          </a:bodyPr>
+          <a:lstStyle/>
+          <a:p>
+            <a:pPr lvl="0">
+              <a:spcBef>
+                <a:spcPts val="0"/>
+              </a:spcBef>
+              <a:buNone/>
+            </a:pPr>
+            <a:endParaRPr/>
+          </a:p>
+        </p:txBody>
+      </p:sp>
+    </p:spTree>
+  </p:cSld>
+  <p:clrMapOvr>
+    <a:masterClrMapping/>
+  </p:clrMapOvr>
+</p:notes>
+</file>
+
+<file path=ppt/notesSlides/notesSlide4.xml><?xml version="1.0" encoding="utf-8"?>
+<p:notes xmlns:a="http://schemas.openxmlformats.org/drawingml/2006/main" xmlns:r="http://schemas.openxmlformats.org/officeDocument/2006/relationships" xmlns:p="http://schemas.openxmlformats.org/presentationml/2006/main" showMasterSp="0" showMasterPhAnim="0">
+  <p:cSld>
+    <p:spTree>
+      <p:nvGrpSpPr>
+        <p:cNvPr id="1" name="Shape 185"/>
+        <p:cNvGrpSpPr/>
+        <p:nvPr/>
+      </p:nvGrpSpPr>
+      <p:grpSpPr>
+        <a:xfrm>
+          <a:off x="0" y="0"/>
+          <a:ext cx="0" cy="0"/>
+          <a:chOff x="0" y="0"/>
+          <a:chExt cx="0" cy="0"/>
+        </a:xfrm>
+      </p:grpSpPr>
+      <p:sp>
+        <p:nvSpPr>
+          <p:cNvPr id="186" name="Shape 186"/>
+          <p:cNvSpPr>
+            <a:spLocks noGrp="1" noRot="1" noChangeAspect="1"/>
+          </p:cNvSpPr>
+          <p:nvPr>
+            <p:ph type="sldImg" idx="2"/>
+          </p:nvPr>
+        </p:nvSpPr>
+        <p:spPr>
+          <a:xfrm>
+            <a:off x="381000" y="685800"/>
+            <a:ext cx="6096000" cy="3429000"/>
+          </a:xfrm>
+          <a:custGeom>
+            <a:avLst/>
+            <a:gdLst/>
+            <a:ahLst/>
+            <a:cxnLst/>
+            <a:rect l="0" t="0" r="0" b="0"/>
+            <a:pathLst>
+              <a:path w="120000" h="120000" extrusionOk="0">
+                <a:moveTo>
+                  <a:pt x="0" y="0"/>
+                </a:moveTo>
+                <a:lnTo>
+                  <a:pt x="120000" y="0"/>
+                </a:lnTo>
+                <a:lnTo>
+                  <a:pt x="120000" y="120000"/>
+                </a:lnTo>
+                <a:lnTo>
+                  <a:pt x="0" y="120000"/>
+                </a:lnTo>
+                <a:close/>
+              </a:path>
+            </a:pathLst>
+          </a:custGeom>
+        </p:spPr>
+      </p:sp>
+      <p:sp>
+        <p:nvSpPr>
+          <p:cNvPr id="187" name="Shape 187"/>
+          <p:cNvSpPr txBox="1">
+            <a:spLocks noGrp="1"/>
+          </p:cNvSpPr>
+          <p:nvPr>
+            <p:ph type="body" idx="1"/>
+          </p:nvPr>
+        </p:nvSpPr>
+        <p:spPr>
+          <a:xfrm>
+            <a:off x="685800" y="4343400"/>
+            <a:ext cx="5486400" cy="4114800"/>
+          </a:xfrm>
+          <a:prstGeom prst="rect">
+            <a:avLst/>
+          </a:prstGeom>
+        </p:spPr>
+        <p:txBody>
+          <a:bodyPr wrap="square" lIns="91425" tIns="91425" rIns="91425" bIns="91425" anchor="t" anchorCtr="0">
+            <a:noAutofit/>
+          </a:bodyPr>
+          <a:lstStyle/>
+          <a:p>
+            <a:pPr lvl="0">
+              <a:spcBef>
+                <a:spcPts val="0"/>
+              </a:spcBef>
+              <a:buNone/>
+            </a:pPr>
+            <a:endParaRPr/>
+          </a:p>
+        </p:txBody>
+      </p:sp>
+    </p:spTree>
+  </p:cSld>
+  <p:clrMapOvr>
+    <a:masterClrMapping/>
+  </p:clrMapOvr>
+</p:notes>
+</file>
+
+<file path=ppt/notesSlides/notesSlide5.xml><?xml version="1.0" encoding="utf-8"?>
+<p:notes xmlns:a="http://schemas.openxmlformats.org/drawingml/2006/main" xmlns:r="http://schemas.openxmlformats.org/officeDocument/2006/relationships" xmlns:p="http://schemas.openxmlformats.org/presentationml/2006/main" showMasterSp="0" showMasterPhAnim="0">
+  <p:cSld>
+    <p:spTree>
+      <p:nvGrpSpPr>
+        <p:cNvPr id="1" name="Shape 185"/>
+        <p:cNvGrpSpPr/>
+        <p:nvPr/>
+      </p:nvGrpSpPr>
+      <p:grpSpPr>
+        <a:xfrm>
+          <a:off x="0" y="0"/>
+          <a:ext cx="0" cy="0"/>
+          <a:chOff x="0" y="0"/>
+          <a:chExt cx="0" cy="0"/>
+        </a:xfrm>
+      </p:grpSpPr>
+      <p:sp>
+        <p:nvSpPr>
+          <p:cNvPr id="186" name="Shape 186"/>
+          <p:cNvSpPr>
+            <a:spLocks noGrp="1" noRot="1" noChangeAspect="1"/>
+          </p:cNvSpPr>
+          <p:nvPr>
+            <p:ph type="sldImg" idx="2"/>
+          </p:nvPr>
+        </p:nvSpPr>
+        <p:spPr>
+          <a:xfrm>
+            <a:off x="381000" y="685800"/>
+            <a:ext cx="6096000" cy="3429000"/>
+          </a:xfrm>
+          <a:custGeom>
+            <a:avLst/>
+            <a:gdLst/>
+            <a:ahLst/>
+            <a:cxnLst/>
+            <a:rect l="0" t="0" r="0" b="0"/>
+            <a:pathLst>
+              <a:path w="120000" h="120000" extrusionOk="0">
+                <a:moveTo>
+                  <a:pt x="0" y="0"/>
+                </a:moveTo>
+                <a:lnTo>
+                  <a:pt x="120000" y="0"/>
+                </a:lnTo>
+                <a:lnTo>
+                  <a:pt x="120000" y="120000"/>
+                </a:lnTo>
+                <a:lnTo>
+                  <a:pt x="0" y="120000"/>
+                </a:lnTo>
+                <a:close/>
+              </a:path>
+            </a:pathLst>
+          </a:custGeom>
+        </p:spPr>
+      </p:sp>
+      <p:sp>
+        <p:nvSpPr>
+          <p:cNvPr id="187" name="Shape 187"/>
+          <p:cNvSpPr txBox="1">
+            <a:spLocks noGrp="1"/>
+          </p:cNvSpPr>
+          <p:nvPr>
+            <p:ph type="body" idx="1"/>
+          </p:nvPr>
+        </p:nvSpPr>
+        <p:spPr>
+          <a:xfrm>
+            <a:off x="685800" y="4343400"/>
+            <a:ext cx="5486400" cy="4114800"/>
+          </a:xfrm>
+          <a:prstGeom prst="rect">
+            <a:avLst/>
+          </a:prstGeom>
+        </p:spPr>
+        <p:txBody>
+          <a:bodyPr wrap="square" lIns="91425" tIns="91425" rIns="91425" bIns="91425" anchor="t" anchorCtr="0">
+            <a:noAutofit/>
+          </a:bodyPr>
+          <a:lstStyle/>
+          <a:p>
+            <a:pPr lvl="0">
+              <a:spcBef>
+                <a:spcPts val="0"/>
+              </a:spcBef>
+              <a:buNone/>
+            </a:pPr>
+            <a:endParaRPr/>
+          </a:p>
+        </p:txBody>
+      </p:sp>
+    </p:spTree>
+  </p:cSld>
+  <p:clrMapOvr>
+    <a:masterClrMapping/>
+  </p:clrMapOvr>
+</p:notes>
+</file>
+
+<file path=ppt/notesSlides/notesSlide6.xml><?xml version="1.0" encoding="utf-8"?>
 <p:notes xmlns:a="http://schemas.openxmlformats.org/drawingml/2006/main" xmlns:r="http://schemas.openxmlformats.org/officeDocument/2006/relationships" xmlns:p="http://schemas.openxmlformats.org/presentationml/2006/main" showMasterSp="0" showMasterPhAnim="0">
   <p:cSld>
     <p:spTree>
@@ -3114,11 +3522,7 @@
             </a:r>
             <a:r>
               <a:rPr lang="en-US" sz="4400" dirty="0" smtClean="0"/>
-              <a:t> Day </a:t>
-            </a:r>
-            <a:r>
-              <a:rPr lang="en-US" sz="4400" dirty="0" smtClean="0"/>
-              <a:t>5</a:t>
+              <a:t> Day 5</a:t>
             </a:r>
             <a:endParaRPr lang="en" sz="4400" dirty="0"/>
           </a:p>
@@ -3427,6 +3831,759 @@
             </a:pPr>
             <a:r>
               <a:rPr lang="en-US" dirty="0" smtClean="0"/>
+              <a:t>Simple Tab</a:t>
+            </a:r>
+            <a:r>
+              <a:rPr lang="en-US" dirty="0" smtClean="0"/>
+              <a:t>le View</a:t>
+            </a:r>
+            <a:endParaRPr lang="en" dirty="0"/>
+          </a:p>
+        </p:txBody>
+      </p:sp>
+      <p:sp>
+        <p:nvSpPr>
+          <p:cNvPr id="192" name="Shape 192"/>
+          <p:cNvSpPr txBox="1">
+            <a:spLocks noGrp="1"/>
+          </p:cNvSpPr>
+          <p:nvPr>
+            <p:ph type="sldNum" idx="12"/>
+          </p:nvPr>
+        </p:nvSpPr>
+        <p:spPr>
+          <a:xfrm>
+            <a:off x="7618000" y="4636500"/>
+            <a:ext cx="1487400" cy="315600"/>
+          </a:xfrm>
+          <a:prstGeom prst="rect">
+            <a:avLst/>
+          </a:prstGeom>
+        </p:spPr>
+        <p:txBody>
+          <a:bodyPr wrap="square" lIns="91425" tIns="91425" rIns="91425" bIns="91425" anchor="ctr" anchorCtr="0">
+            <a:noAutofit/>
+          </a:bodyPr>
+          <a:lstStyle/>
+          <a:p>
+            <a:pPr lvl="0">
+              <a:spcBef>
+                <a:spcPts val="0"/>
+              </a:spcBef>
+              <a:buNone/>
+            </a:pPr>
+            <a:fld id="{00000000-1234-1234-1234-123412341234}" type="slidenum">
+              <a:rPr lang="en"/>
+              <a:t>2</a:t>
+            </a:fld>
+            <a:endParaRPr lang="en"/>
+          </a:p>
+        </p:txBody>
+      </p:sp>
+      <p:pic>
+        <p:nvPicPr>
+          <p:cNvPr id="2" name="Picture 1" descr="Rx_Logo_M.png"/>
+          <p:cNvPicPr>
+            <a:picLocks noChangeAspect="1"/>
+          </p:cNvPicPr>
+          <p:nvPr/>
+        </p:nvPicPr>
+        <p:blipFill>
+          <a:blip r:embed="rId3">
+            <a:extLst>
+              <a:ext uri="{28A0092B-C50C-407E-A947-70E740481C1C}">
+                <a14:useLocalDpi xmlns:a14="http://schemas.microsoft.com/office/drawing/2010/main" val="0"/>
+              </a:ext>
+            </a:extLst>
+          </a:blip>
+          <a:stretch>
+            <a:fillRect/>
+          </a:stretch>
+        </p:blipFill>
+        <p:spPr>
+          <a:xfrm>
+            <a:off x="151129" y="442005"/>
+            <a:ext cx="663146" cy="663146"/>
+          </a:xfrm>
+          <a:prstGeom prst="rect">
+            <a:avLst/>
+          </a:prstGeom>
+        </p:spPr>
+      </p:pic>
+      <p:pic>
+        <p:nvPicPr>
+          <p:cNvPr id="4" name="Picture 3" descr="Screen Shot 2018-05-15 at 9.01.40 PM.png"/>
+          <p:cNvPicPr>
+            <a:picLocks noChangeAspect="1"/>
+          </p:cNvPicPr>
+          <p:nvPr/>
+        </p:nvPicPr>
+        <p:blipFill>
+          <a:blip r:embed="rId4">
+            <a:extLst>
+              <a:ext uri="{28A0092B-C50C-407E-A947-70E740481C1C}">
+                <a14:useLocalDpi xmlns:a14="http://schemas.microsoft.com/office/drawing/2010/main" val="0"/>
+              </a:ext>
+            </a:extLst>
+          </a:blip>
+          <a:stretch>
+            <a:fillRect/>
+          </a:stretch>
+        </p:blipFill>
+        <p:spPr>
+          <a:xfrm>
+            <a:off x="519211" y="1315525"/>
+            <a:ext cx="8067648" cy="3251938"/>
+          </a:xfrm>
+          <a:prstGeom prst="rect">
+            <a:avLst/>
+          </a:prstGeom>
+        </p:spPr>
+      </p:pic>
+    </p:spTree>
+    <p:extLst>
+      <p:ext uri="{BB962C8B-B14F-4D97-AF65-F5344CB8AC3E}">
+        <p14:creationId xmlns:p14="http://schemas.microsoft.com/office/powerpoint/2010/main" val="1094205102"/>
+      </p:ext>
+    </p:extLst>
+  </p:cSld>
+  <p:clrMapOvr>
+    <a:masterClrMapping/>
+  </p:clrMapOvr>
+  <p:timing>
+    <p:tnLst>
+      <p:par>
+        <p:cTn xmlns:p14="http://schemas.microsoft.com/office/powerpoint/2010/main" id="1" dur="indefinite" restart="never" nodeType="tmRoot"/>
+      </p:par>
+    </p:tnLst>
+  </p:timing>
+</p:sld>
+</file>
+
+<file path=ppt/slides/slide3.xml><?xml version="1.0" encoding="utf-8"?>
+<p:sld xmlns:a="http://schemas.openxmlformats.org/drawingml/2006/main" xmlns:r="http://schemas.openxmlformats.org/officeDocument/2006/relationships" xmlns:p="http://schemas.openxmlformats.org/presentationml/2006/main">
+  <p:cSld>
+    <p:spTree>
+      <p:nvGrpSpPr>
+        <p:cNvPr id="1" name="Shape 188"/>
+        <p:cNvGrpSpPr/>
+        <p:nvPr/>
+      </p:nvGrpSpPr>
+      <p:grpSpPr>
+        <a:xfrm>
+          <a:off x="0" y="0"/>
+          <a:ext cx="0" cy="0"/>
+          <a:chOff x="0" y="0"/>
+          <a:chExt cx="0" cy="0"/>
+        </a:xfrm>
+      </p:grpSpPr>
+      <p:sp>
+        <p:nvSpPr>
+          <p:cNvPr id="192" name="Shape 192"/>
+          <p:cNvSpPr txBox="1">
+            <a:spLocks noGrp="1"/>
+          </p:cNvSpPr>
+          <p:nvPr>
+            <p:ph type="sldNum" idx="12"/>
+          </p:nvPr>
+        </p:nvSpPr>
+        <p:spPr>
+          <a:xfrm>
+            <a:off x="7618000" y="4636500"/>
+            <a:ext cx="1487400" cy="315600"/>
+          </a:xfrm>
+          <a:prstGeom prst="rect">
+            <a:avLst/>
+          </a:prstGeom>
+        </p:spPr>
+        <p:txBody>
+          <a:bodyPr wrap="square" lIns="91425" tIns="91425" rIns="91425" bIns="91425" anchor="ctr" anchorCtr="0">
+            <a:noAutofit/>
+          </a:bodyPr>
+          <a:lstStyle/>
+          <a:p>
+            <a:pPr lvl="0">
+              <a:spcBef>
+                <a:spcPts val="0"/>
+              </a:spcBef>
+              <a:buNone/>
+            </a:pPr>
+            <a:fld id="{00000000-1234-1234-1234-123412341234}" type="slidenum">
+              <a:rPr lang="en"/>
+              <a:t>3</a:t>
+            </a:fld>
+            <a:endParaRPr lang="en"/>
+          </a:p>
+        </p:txBody>
+      </p:sp>
+      <p:pic>
+        <p:nvPicPr>
+          <p:cNvPr id="2" name="Picture 1" descr="Rx_Logo_M.png"/>
+          <p:cNvPicPr>
+            <a:picLocks noChangeAspect="1"/>
+          </p:cNvPicPr>
+          <p:nvPr/>
+        </p:nvPicPr>
+        <p:blipFill>
+          <a:blip r:embed="rId3">
+            <a:extLst>
+              <a:ext uri="{28A0092B-C50C-407E-A947-70E740481C1C}">
+                <a14:useLocalDpi xmlns:a14="http://schemas.microsoft.com/office/drawing/2010/main" val="0"/>
+              </a:ext>
+            </a:extLst>
+          </a:blip>
+          <a:stretch>
+            <a:fillRect/>
+          </a:stretch>
+        </p:blipFill>
+        <p:spPr>
+          <a:xfrm>
+            <a:off x="151129" y="442005"/>
+            <a:ext cx="663146" cy="663146"/>
+          </a:xfrm>
+          <a:prstGeom prst="rect">
+            <a:avLst/>
+          </a:prstGeom>
+        </p:spPr>
+      </p:pic>
+      <p:pic>
+        <p:nvPicPr>
+          <p:cNvPr id="3" name="Picture 2" descr="Screen Shot 2018-05-15 at 9.09.24 PM.png"/>
+          <p:cNvPicPr>
+            <a:picLocks noChangeAspect="1"/>
+          </p:cNvPicPr>
+          <p:nvPr/>
+        </p:nvPicPr>
+        <p:blipFill>
+          <a:blip r:embed="rId4">
+            <a:extLst>
+              <a:ext uri="{28A0092B-C50C-407E-A947-70E740481C1C}">
+                <a14:useLocalDpi xmlns:a14="http://schemas.microsoft.com/office/drawing/2010/main" val="0"/>
+              </a:ext>
+            </a:extLst>
+          </a:blip>
+          <a:stretch>
+            <a:fillRect/>
+          </a:stretch>
+        </p:blipFill>
+        <p:spPr>
+          <a:xfrm>
+            <a:off x="623047" y="1804582"/>
+            <a:ext cx="4792662" cy="1597554"/>
+          </a:xfrm>
+          <a:prstGeom prst="rect">
+            <a:avLst/>
+          </a:prstGeom>
+        </p:spPr>
+      </p:pic>
+      <p:sp>
+        <p:nvSpPr>
+          <p:cNvPr id="8" name="Shape 189"/>
+          <p:cNvSpPr txBox="1">
+            <a:spLocks noGrp="1"/>
+          </p:cNvSpPr>
+          <p:nvPr>
+            <p:ph type="title"/>
+          </p:nvPr>
+        </p:nvSpPr>
+        <p:spPr>
+          <a:xfrm>
+            <a:off x="814275" y="392575"/>
+            <a:ext cx="5258400" cy="766200"/>
+          </a:xfrm>
+          <a:prstGeom prst="rect">
+            <a:avLst/>
+          </a:prstGeom>
+        </p:spPr>
+        <p:txBody>
+          <a:bodyPr wrap="square" lIns="91425" tIns="91425" rIns="91425" bIns="91425" anchor="ctr" anchorCtr="0">
+            <a:noAutofit/>
+          </a:bodyPr>
+          <a:lstStyle/>
+          <a:p>
+            <a:pPr lvl="0" rtl="0">
+              <a:spcBef>
+                <a:spcPts val="0"/>
+              </a:spcBef>
+              <a:buNone/>
+            </a:pPr>
+            <a:r>
+              <a:rPr lang="en-US" dirty="0" smtClean="0"/>
+              <a:t>Simple Tab</a:t>
+            </a:r>
+            <a:r>
+              <a:rPr lang="en-US" dirty="0" smtClean="0"/>
+              <a:t>le View</a:t>
+            </a:r>
+            <a:endParaRPr lang="en" dirty="0"/>
+          </a:p>
+        </p:txBody>
+      </p:sp>
+    </p:spTree>
+    <p:extLst>
+      <p:ext uri="{BB962C8B-B14F-4D97-AF65-F5344CB8AC3E}">
+        <p14:creationId xmlns:p14="http://schemas.microsoft.com/office/powerpoint/2010/main" val="4217794321"/>
+      </p:ext>
+    </p:extLst>
+  </p:cSld>
+  <p:clrMapOvr>
+    <a:masterClrMapping/>
+  </p:clrMapOvr>
+  <p:timing>
+    <p:tnLst>
+      <p:par>
+        <p:cTn xmlns:p14="http://schemas.microsoft.com/office/powerpoint/2010/main" id="1" dur="indefinite" restart="never" nodeType="tmRoot"/>
+      </p:par>
+    </p:tnLst>
+  </p:timing>
+</p:sld>
+</file>
+
+<file path=ppt/slides/slide4.xml><?xml version="1.0" encoding="utf-8"?>
+<p:sld xmlns:a="http://schemas.openxmlformats.org/drawingml/2006/main" xmlns:r="http://schemas.openxmlformats.org/officeDocument/2006/relationships" xmlns:p="http://schemas.openxmlformats.org/presentationml/2006/main">
+  <p:cSld>
+    <p:spTree>
+      <p:nvGrpSpPr>
+        <p:cNvPr id="1" name="Shape 188"/>
+        <p:cNvGrpSpPr/>
+        <p:nvPr/>
+      </p:nvGrpSpPr>
+      <p:grpSpPr>
+        <a:xfrm>
+          <a:off x="0" y="0"/>
+          <a:ext cx="0" cy="0"/>
+          <a:chOff x="0" y="0"/>
+          <a:chExt cx="0" cy="0"/>
+        </a:xfrm>
+      </p:grpSpPr>
+      <p:sp>
+        <p:nvSpPr>
+          <p:cNvPr id="189" name="Shape 189"/>
+          <p:cNvSpPr txBox="1">
+            <a:spLocks noGrp="1"/>
+          </p:cNvSpPr>
+          <p:nvPr>
+            <p:ph type="title"/>
+          </p:nvPr>
+        </p:nvSpPr>
+        <p:spPr>
+          <a:xfrm>
+            <a:off x="814275" y="392575"/>
+            <a:ext cx="5258400" cy="766200"/>
+          </a:xfrm>
+          <a:prstGeom prst="rect">
+            <a:avLst/>
+          </a:prstGeom>
+        </p:spPr>
+        <p:txBody>
+          <a:bodyPr wrap="square" lIns="91425" tIns="91425" rIns="91425" bIns="91425" anchor="ctr" anchorCtr="0">
+            <a:noAutofit/>
+          </a:bodyPr>
+          <a:lstStyle/>
+          <a:p>
+            <a:pPr lvl="0" rtl="0">
+              <a:spcBef>
+                <a:spcPts val="0"/>
+              </a:spcBef>
+              <a:buNone/>
+            </a:pPr>
+            <a:r>
+              <a:rPr lang="en-US" dirty="0" smtClean="0"/>
+              <a:t>Tab</a:t>
+            </a:r>
+            <a:r>
+              <a:rPr lang="en-US" dirty="0" smtClean="0"/>
+              <a:t>le View </a:t>
+            </a:r>
+            <a:r>
+              <a:rPr lang="mr-IN" dirty="0" smtClean="0"/>
+              <a:t>–</a:t>
+            </a:r>
+            <a:r>
+              <a:rPr lang="en-US" dirty="0" smtClean="0"/>
+              <a:t> Multi Cell</a:t>
+            </a:r>
+            <a:endParaRPr lang="en" dirty="0"/>
+          </a:p>
+        </p:txBody>
+      </p:sp>
+      <p:sp>
+        <p:nvSpPr>
+          <p:cNvPr id="192" name="Shape 192"/>
+          <p:cNvSpPr txBox="1">
+            <a:spLocks noGrp="1"/>
+          </p:cNvSpPr>
+          <p:nvPr>
+            <p:ph type="sldNum" idx="12"/>
+          </p:nvPr>
+        </p:nvSpPr>
+        <p:spPr>
+          <a:xfrm>
+            <a:off x="7618000" y="4636500"/>
+            <a:ext cx="1487400" cy="315600"/>
+          </a:xfrm>
+          <a:prstGeom prst="rect">
+            <a:avLst/>
+          </a:prstGeom>
+        </p:spPr>
+        <p:txBody>
+          <a:bodyPr wrap="square" lIns="91425" tIns="91425" rIns="91425" bIns="91425" anchor="ctr" anchorCtr="0">
+            <a:noAutofit/>
+          </a:bodyPr>
+          <a:lstStyle/>
+          <a:p>
+            <a:pPr lvl="0">
+              <a:spcBef>
+                <a:spcPts val="0"/>
+              </a:spcBef>
+              <a:buNone/>
+            </a:pPr>
+            <a:fld id="{00000000-1234-1234-1234-123412341234}" type="slidenum">
+              <a:rPr lang="en"/>
+              <a:t>4</a:t>
+            </a:fld>
+            <a:endParaRPr lang="en"/>
+          </a:p>
+        </p:txBody>
+      </p:sp>
+      <p:pic>
+        <p:nvPicPr>
+          <p:cNvPr id="2" name="Picture 1" descr="Rx_Logo_M.png"/>
+          <p:cNvPicPr>
+            <a:picLocks noChangeAspect="1"/>
+          </p:cNvPicPr>
+          <p:nvPr/>
+        </p:nvPicPr>
+        <p:blipFill>
+          <a:blip r:embed="rId3">
+            <a:extLst>
+              <a:ext uri="{28A0092B-C50C-407E-A947-70E740481C1C}">
+                <a14:useLocalDpi xmlns:a14="http://schemas.microsoft.com/office/drawing/2010/main" val="0"/>
+              </a:ext>
+            </a:extLst>
+          </a:blip>
+          <a:stretch>
+            <a:fillRect/>
+          </a:stretch>
+        </p:blipFill>
+        <p:spPr>
+          <a:xfrm>
+            <a:off x="151129" y="442005"/>
+            <a:ext cx="663146" cy="663146"/>
+          </a:xfrm>
+          <a:prstGeom prst="rect">
+            <a:avLst/>
+          </a:prstGeom>
+        </p:spPr>
+      </p:pic>
+      <p:pic>
+        <p:nvPicPr>
+          <p:cNvPr id="4" name="Picture 3" descr="Screen Shot 2018-05-15 at 9.26.47 PM.png"/>
+          <p:cNvPicPr>
+            <a:picLocks noChangeAspect="1"/>
+          </p:cNvPicPr>
+          <p:nvPr/>
+        </p:nvPicPr>
+        <p:blipFill>
+          <a:blip r:embed="rId4">
+            <a:extLst>
+              <a:ext uri="{28A0092B-C50C-407E-A947-70E740481C1C}">
+                <a14:useLocalDpi xmlns:a14="http://schemas.microsoft.com/office/drawing/2010/main" val="0"/>
+              </a:ext>
+            </a:extLst>
+          </a:blip>
+          <a:stretch>
+            <a:fillRect/>
+          </a:stretch>
+        </p:blipFill>
+        <p:spPr>
+          <a:xfrm>
+            <a:off x="439328" y="1364472"/>
+            <a:ext cx="8307281" cy="3040241"/>
+          </a:xfrm>
+          <a:prstGeom prst="rect">
+            <a:avLst/>
+          </a:prstGeom>
+        </p:spPr>
+      </p:pic>
+    </p:spTree>
+    <p:extLst>
+      <p:ext uri="{BB962C8B-B14F-4D97-AF65-F5344CB8AC3E}">
+        <p14:creationId xmlns:p14="http://schemas.microsoft.com/office/powerpoint/2010/main" val="3571006454"/>
+      </p:ext>
+    </p:extLst>
+  </p:cSld>
+  <p:clrMapOvr>
+    <a:masterClrMapping/>
+  </p:clrMapOvr>
+  <p:timing>
+    <p:tnLst>
+      <p:par>
+        <p:cTn xmlns:p14="http://schemas.microsoft.com/office/powerpoint/2010/main" id="1" dur="indefinite" restart="never" nodeType="tmRoot"/>
+      </p:par>
+    </p:tnLst>
+  </p:timing>
+</p:sld>
+</file>
+
+<file path=ppt/slides/slide5.xml><?xml version="1.0" encoding="utf-8"?>
+<p:sld xmlns:a="http://schemas.openxmlformats.org/drawingml/2006/main" xmlns:r="http://schemas.openxmlformats.org/officeDocument/2006/relationships" xmlns:p="http://schemas.openxmlformats.org/presentationml/2006/main">
+  <p:cSld>
+    <p:spTree>
+      <p:nvGrpSpPr>
+        <p:cNvPr id="1" name="Shape 188"/>
+        <p:cNvGrpSpPr/>
+        <p:nvPr/>
+      </p:nvGrpSpPr>
+      <p:grpSpPr>
+        <a:xfrm>
+          <a:off x="0" y="0"/>
+          <a:ext cx="0" cy="0"/>
+          <a:chOff x="0" y="0"/>
+          <a:chExt cx="0" cy="0"/>
+        </a:xfrm>
+      </p:grpSpPr>
+      <p:sp>
+        <p:nvSpPr>
+          <p:cNvPr id="189" name="Shape 189"/>
+          <p:cNvSpPr txBox="1">
+            <a:spLocks noGrp="1"/>
+          </p:cNvSpPr>
+          <p:nvPr>
+            <p:ph type="title"/>
+          </p:nvPr>
+        </p:nvSpPr>
+        <p:spPr>
+          <a:xfrm>
+            <a:off x="814275" y="392575"/>
+            <a:ext cx="5258400" cy="766200"/>
+          </a:xfrm>
+          <a:prstGeom prst="rect">
+            <a:avLst/>
+          </a:prstGeom>
+        </p:spPr>
+        <p:txBody>
+          <a:bodyPr wrap="square" lIns="91425" tIns="91425" rIns="91425" bIns="91425" anchor="ctr" anchorCtr="0">
+            <a:noAutofit/>
+          </a:bodyPr>
+          <a:lstStyle/>
+          <a:p>
+            <a:pPr lvl="0"/>
+            <a:r>
+              <a:rPr lang="en-US" dirty="0"/>
+              <a:t>Table View </a:t>
+            </a:r>
+            <a:r>
+              <a:rPr lang="mr-IN" dirty="0"/>
+              <a:t>–</a:t>
+            </a:r>
+            <a:r>
+              <a:rPr lang="en-US" dirty="0"/>
+              <a:t> Multi Cell</a:t>
+            </a:r>
+            <a:endParaRPr lang="en" dirty="0"/>
+          </a:p>
+        </p:txBody>
+      </p:sp>
+      <p:sp>
+        <p:nvSpPr>
+          <p:cNvPr id="192" name="Shape 192"/>
+          <p:cNvSpPr txBox="1">
+            <a:spLocks noGrp="1"/>
+          </p:cNvSpPr>
+          <p:nvPr>
+            <p:ph type="sldNum" idx="12"/>
+          </p:nvPr>
+        </p:nvSpPr>
+        <p:spPr>
+          <a:xfrm>
+            <a:off x="7618000" y="4636500"/>
+            <a:ext cx="1487400" cy="315600"/>
+          </a:xfrm>
+          <a:prstGeom prst="rect">
+            <a:avLst/>
+          </a:prstGeom>
+        </p:spPr>
+        <p:txBody>
+          <a:bodyPr wrap="square" lIns="91425" tIns="91425" rIns="91425" bIns="91425" anchor="ctr" anchorCtr="0">
+            <a:noAutofit/>
+          </a:bodyPr>
+          <a:lstStyle/>
+          <a:p>
+            <a:pPr lvl="0">
+              <a:spcBef>
+                <a:spcPts val="0"/>
+              </a:spcBef>
+              <a:buNone/>
+            </a:pPr>
+            <a:fld id="{00000000-1234-1234-1234-123412341234}" type="slidenum">
+              <a:rPr lang="en"/>
+              <a:t>5</a:t>
+            </a:fld>
+            <a:endParaRPr lang="en"/>
+          </a:p>
+        </p:txBody>
+      </p:sp>
+      <p:pic>
+        <p:nvPicPr>
+          <p:cNvPr id="2" name="Picture 1" descr="Rx_Logo_M.png"/>
+          <p:cNvPicPr>
+            <a:picLocks noChangeAspect="1"/>
+          </p:cNvPicPr>
+          <p:nvPr/>
+        </p:nvPicPr>
+        <p:blipFill>
+          <a:blip r:embed="rId3">
+            <a:extLst>
+              <a:ext uri="{28A0092B-C50C-407E-A947-70E740481C1C}">
+                <a14:useLocalDpi xmlns:a14="http://schemas.microsoft.com/office/drawing/2010/main" val="0"/>
+              </a:ext>
+            </a:extLst>
+          </a:blip>
+          <a:stretch>
+            <a:fillRect/>
+          </a:stretch>
+        </p:blipFill>
+        <p:spPr>
+          <a:xfrm>
+            <a:off x="151129" y="442005"/>
+            <a:ext cx="663146" cy="663146"/>
+          </a:xfrm>
+          <a:prstGeom prst="rect">
+            <a:avLst/>
+          </a:prstGeom>
+        </p:spPr>
+      </p:pic>
+      <p:pic>
+        <p:nvPicPr>
+          <p:cNvPr id="4" name="Picture 3" descr="Screen Shot 2018-05-15 at 9.49.12 PM.png"/>
+          <p:cNvPicPr>
+            <a:picLocks noChangeAspect="1"/>
+          </p:cNvPicPr>
+          <p:nvPr/>
+        </p:nvPicPr>
+        <p:blipFill>
+          <a:blip r:embed="rId4">
+            <a:extLst>
+              <a:ext uri="{28A0092B-C50C-407E-A947-70E740481C1C}">
+                <a14:useLocalDpi xmlns:a14="http://schemas.microsoft.com/office/drawing/2010/main" val="0"/>
+              </a:ext>
+            </a:extLst>
+          </a:blip>
+          <a:stretch>
+            <a:fillRect/>
+          </a:stretch>
+        </p:blipFill>
+        <p:spPr>
+          <a:xfrm>
+            <a:off x="15977" y="1355670"/>
+            <a:ext cx="7492528" cy="686949"/>
+          </a:xfrm>
+          <a:prstGeom prst="rect">
+            <a:avLst/>
+          </a:prstGeom>
+        </p:spPr>
+      </p:pic>
+      <p:pic>
+        <p:nvPicPr>
+          <p:cNvPr id="5" name="Picture 4" descr="Screen Shot 2018-05-15 at 9.49.25 PM.png"/>
+          <p:cNvPicPr>
+            <a:picLocks noChangeAspect="1"/>
+          </p:cNvPicPr>
+          <p:nvPr/>
+        </p:nvPicPr>
+        <p:blipFill>
+          <a:blip r:embed="rId5">
+            <a:extLst>
+              <a:ext uri="{28A0092B-C50C-407E-A947-70E740481C1C}">
+                <a14:useLocalDpi xmlns:a14="http://schemas.microsoft.com/office/drawing/2010/main" val="0"/>
+              </a:ext>
+            </a:extLst>
+          </a:blip>
+          <a:stretch>
+            <a:fillRect/>
+          </a:stretch>
+        </p:blipFill>
+        <p:spPr>
+          <a:xfrm>
+            <a:off x="39940" y="2042619"/>
+            <a:ext cx="7460577" cy="2772888"/>
+          </a:xfrm>
+          <a:prstGeom prst="rect">
+            <a:avLst/>
+          </a:prstGeom>
+        </p:spPr>
+      </p:pic>
+    </p:spTree>
+    <p:extLst>
+      <p:ext uri="{BB962C8B-B14F-4D97-AF65-F5344CB8AC3E}">
+        <p14:creationId xmlns:p14="http://schemas.microsoft.com/office/powerpoint/2010/main" val="3571006454"/>
+      </p:ext>
+    </p:extLst>
+  </p:cSld>
+  <p:clrMapOvr>
+    <a:masterClrMapping/>
+  </p:clrMapOvr>
+  <p:timing>
+    <p:tnLst>
+      <p:par>
+        <p:cTn xmlns:p14="http://schemas.microsoft.com/office/powerpoint/2010/main" id="1" dur="indefinite" restart="never" nodeType="tmRoot"/>
+      </p:par>
+    </p:tnLst>
+  </p:timing>
+</p:sld>
+</file>
+
+<file path=ppt/slides/slide6.xml><?xml version="1.0" encoding="utf-8"?>
+<p:sld xmlns:a="http://schemas.openxmlformats.org/drawingml/2006/main" xmlns:r="http://schemas.openxmlformats.org/officeDocument/2006/relationships" xmlns:p="http://schemas.openxmlformats.org/presentationml/2006/main">
+  <p:cSld>
+    <p:spTree>
+      <p:nvGrpSpPr>
+        <p:cNvPr id="1" name="Shape 188"/>
+        <p:cNvGrpSpPr/>
+        <p:nvPr/>
+      </p:nvGrpSpPr>
+      <p:grpSpPr>
+        <a:xfrm>
+          <a:off x="0" y="0"/>
+          <a:ext cx="0" cy="0"/>
+          <a:chOff x="0" y="0"/>
+          <a:chExt cx="0" cy="0"/>
+        </a:xfrm>
+      </p:grpSpPr>
+      <p:sp>
+        <p:nvSpPr>
+          <p:cNvPr id="189" name="Shape 189"/>
+          <p:cNvSpPr txBox="1">
+            <a:spLocks noGrp="1"/>
+          </p:cNvSpPr>
+          <p:nvPr>
+            <p:ph type="title"/>
+          </p:nvPr>
+        </p:nvSpPr>
+        <p:spPr>
+          <a:xfrm>
+            <a:off x="814275" y="392575"/>
+            <a:ext cx="5258400" cy="766200"/>
+          </a:xfrm>
+          <a:prstGeom prst="rect">
+            <a:avLst/>
+          </a:prstGeom>
+        </p:spPr>
+        <p:txBody>
+          <a:bodyPr wrap="square" lIns="91425" tIns="91425" rIns="91425" bIns="91425" anchor="ctr" anchorCtr="0">
+            <a:noAutofit/>
+          </a:bodyPr>
+          <a:lstStyle/>
+          <a:p>
+            <a:pPr lvl="0" rtl="0">
+              <a:spcBef>
+                <a:spcPts val="0"/>
+              </a:spcBef>
+              <a:buNone/>
+            </a:pPr>
+            <a:r>
+              <a:rPr lang="en-US" dirty="0" smtClean="0"/>
               <a:t>Comprehensive Lab</a:t>
             </a:r>
             <a:endParaRPr lang="en" dirty="0"/>
@@ -3466,7 +4623,7 @@
             </a:pPr>
             <a:fld id="{00000000-1234-1234-1234-123412341234}" type="slidenum">
               <a:rPr lang="en"/>
-              <a:t>2</a:t>
+              <a:t>6</a:t>
             </a:fld>
             <a:endParaRPr lang="en"/>
           </a:p>
@@ -3539,11 +4696,7 @@
           <a:p>
             <a:r>
               <a:rPr lang="en-US" dirty="0" smtClean="0"/>
-              <a:t> </a:t>
-            </a:r>
-            <a:r>
-              <a:rPr lang="en-US" dirty="0" smtClean="0"/>
-              <a:t>Create login and get profile observables</a:t>
+              <a:t> Create login and get profile observables</a:t>
             </a:r>
           </a:p>
           <a:p>

--- a/RxSwiftBasics/day5/RxSwiftBasics5.pptx
+++ b/RxSwiftBasics/day5/RxSwiftBasics5.pptx
@@ -5,7 +5,7 @@
     <p:sldMasterId id="2147483657" r:id="rId1"/>
   </p:sldMasterIdLst>
   <p:notesMasterIdLst>
-    <p:notesMasterId r:id="rId8"/>
+    <p:notesMasterId r:id="rId10"/>
   </p:notesMasterIdLst>
   <p:sldIdLst>
     <p:sldId id="256" r:id="rId2"/>
@@ -14,6 +14,8 @@
     <p:sldId id="260" r:id="rId5"/>
     <p:sldId id="261" r:id="rId6"/>
     <p:sldId id="257" r:id="rId7"/>
+    <p:sldId id="263" r:id="rId8"/>
+    <p:sldId id="262" r:id="rId9"/>
   </p:sldIdLst>
   <p:sldSz cx="9144000" cy="5143500" type="screen16x9"/>
   <p:notesSz cx="6858000" cy="9144000"/>
@@ -1008,6 +1010,208 @@
 </file>
 
 <file path=ppt/notesSlides/notesSlide6.xml><?xml version="1.0" encoding="utf-8"?>
+<p:notes xmlns:a="http://schemas.openxmlformats.org/drawingml/2006/main" xmlns:r="http://schemas.openxmlformats.org/officeDocument/2006/relationships" xmlns:p="http://schemas.openxmlformats.org/presentationml/2006/main" showMasterSp="0" showMasterPhAnim="0">
+  <p:cSld>
+    <p:spTree>
+      <p:nvGrpSpPr>
+        <p:cNvPr id="1" name="Shape 185"/>
+        <p:cNvGrpSpPr/>
+        <p:nvPr/>
+      </p:nvGrpSpPr>
+      <p:grpSpPr>
+        <a:xfrm>
+          <a:off x="0" y="0"/>
+          <a:ext cx="0" cy="0"/>
+          <a:chOff x="0" y="0"/>
+          <a:chExt cx="0" cy="0"/>
+        </a:xfrm>
+      </p:grpSpPr>
+      <p:sp>
+        <p:nvSpPr>
+          <p:cNvPr id="186" name="Shape 186"/>
+          <p:cNvSpPr>
+            <a:spLocks noGrp="1" noRot="1" noChangeAspect="1"/>
+          </p:cNvSpPr>
+          <p:nvPr>
+            <p:ph type="sldImg" idx="2"/>
+          </p:nvPr>
+        </p:nvSpPr>
+        <p:spPr>
+          <a:xfrm>
+            <a:off x="381000" y="685800"/>
+            <a:ext cx="6096000" cy="3429000"/>
+          </a:xfrm>
+          <a:custGeom>
+            <a:avLst/>
+            <a:gdLst/>
+            <a:ahLst/>
+            <a:cxnLst/>
+            <a:rect l="0" t="0" r="0" b="0"/>
+            <a:pathLst>
+              <a:path w="120000" h="120000" extrusionOk="0">
+                <a:moveTo>
+                  <a:pt x="0" y="0"/>
+                </a:moveTo>
+                <a:lnTo>
+                  <a:pt x="120000" y="0"/>
+                </a:lnTo>
+                <a:lnTo>
+                  <a:pt x="120000" y="120000"/>
+                </a:lnTo>
+                <a:lnTo>
+                  <a:pt x="0" y="120000"/>
+                </a:lnTo>
+                <a:close/>
+              </a:path>
+            </a:pathLst>
+          </a:custGeom>
+        </p:spPr>
+      </p:sp>
+      <p:sp>
+        <p:nvSpPr>
+          <p:cNvPr id="187" name="Shape 187"/>
+          <p:cNvSpPr txBox="1">
+            <a:spLocks noGrp="1"/>
+          </p:cNvSpPr>
+          <p:nvPr>
+            <p:ph type="body" idx="1"/>
+          </p:nvPr>
+        </p:nvSpPr>
+        <p:spPr>
+          <a:xfrm>
+            <a:off x="685800" y="4343400"/>
+            <a:ext cx="5486400" cy="4114800"/>
+          </a:xfrm>
+          <a:prstGeom prst="rect">
+            <a:avLst/>
+          </a:prstGeom>
+        </p:spPr>
+        <p:txBody>
+          <a:bodyPr wrap="square" lIns="91425" tIns="91425" rIns="91425" bIns="91425" anchor="t" anchorCtr="0">
+            <a:noAutofit/>
+          </a:bodyPr>
+          <a:lstStyle/>
+          <a:p>
+            <a:pPr lvl="0">
+              <a:spcBef>
+                <a:spcPts val="0"/>
+              </a:spcBef>
+              <a:buNone/>
+            </a:pPr>
+            <a:endParaRPr/>
+          </a:p>
+        </p:txBody>
+      </p:sp>
+    </p:spTree>
+  </p:cSld>
+  <p:clrMapOvr>
+    <a:masterClrMapping/>
+  </p:clrMapOvr>
+</p:notes>
+</file>
+
+<file path=ppt/notesSlides/notesSlide7.xml><?xml version="1.0" encoding="utf-8"?>
+<p:notes xmlns:a="http://schemas.openxmlformats.org/drawingml/2006/main" xmlns:r="http://schemas.openxmlformats.org/officeDocument/2006/relationships" xmlns:p="http://schemas.openxmlformats.org/presentationml/2006/main" showMasterSp="0" showMasterPhAnim="0">
+  <p:cSld>
+    <p:spTree>
+      <p:nvGrpSpPr>
+        <p:cNvPr id="1" name="Shape 185"/>
+        <p:cNvGrpSpPr/>
+        <p:nvPr/>
+      </p:nvGrpSpPr>
+      <p:grpSpPr>
+        <a:xfrm>
+          <a:off x="0" y="0"/>
+          <a:ext cx="0" cy="0"/>
+          <a:chOff x="0" y="0"/>
+          <a:chExt cx="0" cy="0"/>
+        </a:xfrm>
+      </p:grpSpPr>
+      <p:sp>
+        <p:nvSpPr>
+          <p:cNvPr id="186" name="Shape 186"/>
+          <p:cNvSpPr>
+            <a:spLocks noGrp="1" noRot="1" noChangeAspect="1"/>
+          </p:cNvSpPr>
+          <p:nvPr>
+            <p:ph type="sldImg" idx="2"/>
+          </p:nvPr>
+        </p:nvSpPr>
+        <p:spPr>
+          <a:xfrm>
+            <a:off x="381000" y="685800"/>
+            <a:ext cx="6096000" cy="3429000"/>
+          </a:xfrm>
+          <a:custGeom>
+            <a:avLst/>
+            <a:gdLst/>
+            <a:ahLst/>
+            <a:cxnLst/>
+            <a:rect l="0" t="0" r="0" b="0"/>
+            <a:pathLst>
+              <a:path w="120000" h="120000" extrusionOk="0">
+                <a:moveTo>
+                  <a:pt x="0" y="0"/>
+                </a:moveTo>
+                <a:lnTo>
+                  <a:pt x="120000" y="0"/>
+                </a:lnTo>
+                <a:lnTo>
+                  <a:pt x="120000" y="120000"/>
+                </a:lnTo>
+                <a:lnTo>
+                  <a:pt x="0" y="120000"/>
+                </a:lnTo>
+                <a:close/>
+              </a:path>
+            </a:pathLst>
+          </a:custGeom>
+        </p:spPr>
+      </p:sp>
+      <p:sp>
+        <p:nvSpPr>
+          <p:cNvPr id="187" name="Shape 187"/>
+          <p:cNvSpPr txBox="1">
+            <a:spLocks noGrp="1"/>
+          </p:cNvSpPr>
+          <p:nvPr>
+            <p:ph type="body" idx="1"/>
+          </p:nvPr>
+        </p:nvSpPr>
+        <p:spPr>
+          <a:xfrm>
+            <a:off x="685800" y="4343400"/>
+            <a:ext cx="5486400" cy="4114800"/>
+          </a:xfrm>
+          <a:prstGeom prst="rect">
+            <a:avLst/>
+          </a:prstGeom>
+        </p:spPr>
+        <p:txBody>
+          <a:bodyPr wrap="square" lIns="91425" tIns="91425" rIns="91425" bIns="91425" anchor="t" anchorCtr="0">
+            <a:noAutofit/>
+          </a:bodyPr>
+          <a:lstStyle/>
+          <a:p>
+            <a:pPr lvl="0">
+              <a:spcBef>
+                <a:spcPts val="0"/>
+              </a:spcBef>
+              <a:buNone/>
+            </a:pPr>
+            <a:endParaRPr/>
+          </a:p>
+        </p:txBody>
+      </p:sp>
+    </p:spTree>
+  </p:cSld>
+  <p:clrMapOvr>
+    <a:masterClrMapping/>
+  </p:clrMapOvr>
+</p:notes>
+</file>
+
+<file path=ppt/notesSlides/notesSlide8.xml><?xml version="1.0" encoding="utf-8"?>
 <p:notes xmlns:a="http://schemas.openxmlformats.org/drawingml/2006/main" xmlns:r="http://schemas.openxmlformats.org/officeDocument/2006/relationships" xmlns:p="http://schemas.openxmlformats.org/presentationml/2006/main" showMasterSp="0" showMasterPhAnim="0">
   <p:cSld>
     <p:spTree>
@@ -3831,11 +4035,7 @@
             </a:pPr>
             <a:r>
               <a:rPr lang="en-US" dirty="0" smtClean="0"/>
-              <a:t>Simple Tab</a:t>
-            </a:r>
-            <a:r>
-              <a:rPr lang="en-US" dirty="0" smtClean="0"/>
-              <a:t>le View</a:t>
+              <a:t>Simple Table View</a:t>
             </a:r>
             <a:endParaRPr lang="en" dirty="0"/>
           </a:p>
@@ -4109,11 +4309,7 @@
             </a:pPr>
             <a:r>
               <a:rPr lang="en-US" dirty="0" smtClean="0"/>
-              <a:t>Simple Tab</a:t>
-            </a:r>
-            <a:r>
-              <a:rPr lang="en-US" dirty="0" smtClean="0"/>
-              <a:t>le View</a:t>
+              <a:t>Simple Table View</a:t>
             </a:r>
             <a:endParaRPr lang="en" dirty="0"/>
           </a:p>
@@ -4189,11 +4385,7 @@
             </a:pPr>
             <a:r>
               <a:rPr lang="en-US" dirty="0" smtClean="0"/>
-              <a:t>Tab</a:t>
-            </a:r>
-            <a:r>
-              <a:rPr lang="en-US" dirty="0" smtClean="0"/>
-              <a:t>le View </a:t>
+              <a:t>Table View </a:t>
             </a:r>
             <a:r>
               <a:rPr lang="mr-IN" dirty="0" smtClean="0"/>
@@ -4583,6 +4775,405 @@
               <a:buNone/>
             </a:pPr>
             <a:r>
+              <a:rPr lang="en-US" dirty="0" err="1" smtClean="0"/>
+              <a:t>TextField</a:t>
+            </a:r>
+            <a:r>
+              <a:rPr lang="en-US" dirty="0" smtClean="0"/>
+              <a:t> </a:t>
+            </a:r>
+            <a:r>
+              <a:rPr lang="mr-IN" dirty="0" smtClean="0"/>
+              <a:t>–</a:t>
+            </a:r>
+            <a:r>
+              <a:rPr lang="en-US" dirty="0" smtClean="0"/>
+              <a:t> Binding</a:t>
+            </a:r>
+            <a:endParaRPr lang="en" dirty="0"/>
+          </a:p>
+        </p:txBody>
+      </p:sp>
+      <p:sp>
+        <p:nvSpPr>
+          <p:cNvPr id="192" name="Shape 192"/>
+          <p:cNvSpPr txBox="1">
+            <a:spLocks noGrp="1"/>
+          </p:cNvSpPr>
+          <p:nvPr>
+            <p:ph type="sldNum" idx="12"/>
+          </p:nvPr>
+        </p:nvSpPr>
+        <p:spPr>
+          <a:xfrm>
+            <a:off x="7618000" y="4636500"/>
+            <a:ext cx="1487400" cy="315600"/>
+          </a:xfrm>
+          <a:prstGeom prst="rect">
+            <a:avLst/>
+          </a:prstGeom>
+        </p:spPr>
+        <p:txBody>
+          <a:bodyPr wrap="square" lIns="91425" tIns="91425" rIns="91425" bIns="91425" anchor="ctr" anchorCtr="0">
+            <a:noAutofit/>
+          </a:bodyPr>
+          <a:lstStyle/>
+          <a:p>
+            <a:pPr lvl="0">
+              <a:spcBef>
+                <a:spcPts val="0"/>
+              </a:spcBef>
+              <a:buNone/>
+            </a:pPr>
+            <a:fld id="{00000000-1234-1234-1234-123412341234}" type="slidenum">
+              <a:rPr lang="en"/>
+              <a:t>6</a:t>
+            </a:fld>
+            <a:endParaRPr lang="en"/>
+          </a:p>
+        </p:txBody>
+      </p:sp>
+      <p:pic>
+        <p:nvPicPr>
+          <p:cNvPr id="2" name="Picture 1" descr="Rx_Logo_M.png"/>
+          <p:cNvPicPr>
+            <a:picLocks noChangeAspect="1"/>
+          </p:cNvPicPr>
+          <p:nvPr/>
+        </p:nvPicPr>
+        <p:blipFill>
+          <a:blip r:embed="rId3">
+            <a:extLst>
+              <a:ext uri="{28A0092B-C50C-407E-A947-70E740481C1C}">
+                <a14:useLocalDpi xmlns:a14="http://schemas.microsoft.com/office/drawing/2010/main" val="0"/>
+              </a:ext>
+            </a:extLst>
+          </a:blip>
+          <a:stretch>
+            <a:fillRect/>
+          </a:stretch>
+        </p:blipFill>
+        <p:spPr>
+          <a:xfrm>
+            <a:off x="151129" y="442005"/>
+            <a:ext cx="663146" cy="663146"/>
+          </a:xfrm>
+          <a:prstGeom prst="rect">
+            <a:avLst/>
+          </a:prstGeom>
+        </p:spPr>
+      </p:pic>
+      <p:pic>
+        <p:nvPicPr>
+          <p:cNvPr id="5" name="Picture 4" descr="Screen Shot 2018-05-16 at 7.58.46 PM.png"/>
+          <p:cNvPicPr>
+            <a:picLocks noChangeAspect="1"/>
+          </p:cNvPicPr>
+          <p:nvPr/>
+        </p:nvPicPr>
+        <p:blipFill>
+          <a:blip r:embed="rId4">
+            <a:extLst>
+              <a:ext uri="{28A0092B-C50C-407E-A947-70E740481C1C}">
+                <a14:useLocalDpi xmlns:a14="http://schemas.microsoft.com/office/drawing/2010/main" val="0"/>
+              </a:ext>
+            </a:extLst>
+          </a:blip>
+          <a:stretch>
+            <a:fillRect/>
+          </a:stretch>
+        </p:blipFill>
+        <p:spPr>
+          <a:xfrm>
+            <a:off x="4978400" y="1346910"/>
+            <a:ext cx="4165600" cy="3111500"/>
+          </a:xfrm>
+          <a:prstGeom prst="rect">
+            <a:avLst/>
+          </a:prstGeom>
+        </p:spPr>
+      </p:pic>
+      <p:pic>
+        <p:nvPicPr>
+          <p:cNvPr id="4" name="Picture 3" descr="Screen Shot 2018-05-16 at 7.58.35 PM.png"/>
+          <p:cNvPicPr>
+            <a:picLocks noChangeAspect="1"/>
+          </p:cNvPicPr>
+          <p:nvPr/>
+        </p:nvPicPr>
+        <p:blipFill>
+          <a:blip r:embed="rId5">
+            <a:extLst>
+              <a:ext uri="{28A0092B-C50C-407E-A947-70E740481C1C}">
+                <a14:useLocalDpi xmlns:a14="http://schemas.microsoft.com/office/drawing/2010/main" val="0"/>
+              </a:ext>
+            </a:extLst>
+          </a:blip>
+          <a:stretch>
+            <a:fillRect/>
+          </a:stretch>
+        </p:blipFill>
+        <p:spPr>
+          <a:xfrm>
+            <a:off x="0" y="1814948"/>
+            <a:ext cx="4978400" cy="1327316"/>
+          </a:xfrm>
+          <a:prstGeom prst="rect">
+            <a:avLst/>
+          </a:prstGeom>
+        </p:spPr>
+      </p:pic>
+    </p:spTree>
+    <p:extLst>
+      <p:ext uri="{BB962C8B-B14F-4D97-AF65-F5344CB8AC3E}">
+        <p14:creationId xmlns:p14="http://schemas.microsoft.com/office/powerpoint/2010/main" val="2148075556"/>
+      </p:ext>
+    </p:extLst>
+  </p:cSld>
+  <p:clrMapOvr>
+    <a:masterClrMapping/>
+  </p:clrMapOvr>
+  <p:timing>
+    <p:tnLst>
+      <p:par>
+        <p:cTn xmlns:p14="http://schemas.microsoft.com/office/powerpoint/2010/main" id="1" dur="indefinite" restart="never" nodeType="tmRoot"/>
+      </p:par>
+    </p:tnLst>
+  </p:timing>
+</p:sld>
+</file>
+
+<file path=ppt/slides/slide7.xml><?xml version="1.0" encoding="utf-8"?>
+<p:sld xmlns:a="http://schemas.openxmlformats.org/drawingml/2006/main" xmlns:r="http://schemas.openxmlformats.org/officeDocument/2006/relationships" xmlns:p="http://schemas.openxmlformats.org/presentationml/2006/main">
+  <p:cSld>
+    <p:spTree>
+      <p:nvGrpSpPr>
+        <p:cNvPr id="1" name="Shape 188"/>
+        <p:cNvGrpSpPr/>
+        <p:nvPr/>
+      </p:nvGrpSpPr>
+      <p:grpSpPr>
+        <a:xfrm>
+          <a:off x="0" y="0"/>
+          <a:ext cx="0" cy="0"/>
+          <a:chOff x="0" y="0"/>
+          <a:chExt cx="0" cy="0"/>
+        </a:xfrm>
+      </p:grpSpPr>
+      <p:sp>
+        <p:nvSpPr>
+          <p:cNvPr id="189" name="Shape 189"/>
+          <p:cNvSpPr txBox="1">
+            <a:spLocks noGrp="1"/>
+          </p:cNvSpPr>
+          <p:nvPr>
+            <p:ph type="title"/>
+          </p:nvPr>
+        </p:nvSpPr>
+        <p:spPr>
+          <a:xfrm>
+            <a:off x="814275" y="392575"/>
+            <a:ext cx="5258400" cy="766200"/>
+          </a:xfrm>
+          <a:prstGeom prst="rect">
+            <a:avLst/>
+          </a:prstGeom>
+        </p:spPr>
+        <p:txBody>
+          <a:bodyPr wrap="square" lIns="91425" tIns="91425" rIns="91425" bIns="91425" anchor="ctr" anchorCtr="0">
+            <a:noAutofit/>
+          </a:bodyPr>
+          <a:lstStyle/>
+          <a:p>
+            <a:pPr lvl="0"/>
+            <a:r>
+              <a:rPr lang="en-US" dirty="0" err="1"/>
+              <a:t>TextField</a:t>
+            </a:r>
+            <a:r>
+              <a:rPr lang="en-US" dirty="0"/>
+              <a:t> </a:t>
+            </a:r>
+            <a:r>
+              <a:rPr lang="mr-IN" dirty="0"/>
+              <a:t>–</a:t>
+            </a:r>
+            <a:r>
+              <a:rPr lang="en-US" dirty="0"/>
+              <a:t> Binding</a:t>
+            </a:r>
+            <a:endParaRPr lang="en" dirty="0"/>
+          </a:p>
+        </p:txBody>
+      </p:sp>
+      <p:sp>
+        <p:nvSpPr>
+          <p:cNvPr id="192" name="Shape 192"/>
+          <p:cNvSpPr txBox="1">
+            <a:spLocks noGrp="1"/>
+          </p:cNvSpPr>
+          <p:nvPr>
+            <p:ph type="sldNum" idx="12"/>
+          </p:nvPr>
+        </p:nvSpPr>
+        <p:spPr>
+          <a:xfrm>
+            <a:off x="7618000" y="4636500"/>
+            <a:ext cx="1487400" cy="315600"/>
+          </a:xfrm>
+          <a:prstGeom prst="rect">
+            <a:avLst/>
+          </a:prstGeom>
+        </p:spPr>
+        <p:txBody>
+          <a:bodyPr wrap="square" lIns="91425" tIns="91425" rIns="91425" bIns="91425" anchor="ctr" anchorCtr="0">
+            <a:noAutofit/>
+          </a:bodyPr>
+          <a:lstStyle/>
+          <a:p>
+            <a:pPr lvl="0">
+              <a:spcBef>
+                <a:spcPts val="0"/>
+              </a:spcBef>
+              <a:buNone/>
+            </a:pPr>
+            <a:fld id="{00000000-1234-1234-1234-123412341234}" type="slidenum">
+              <a:rPr lang="en"/>
+              <a:t>7</a:t>
+            </a:fld>
+            <a:endParaRPr lang="en"/>
+          </a:p>
+        </p:txBody>
+      </p:sp>
+      <p:pic>
+        <p:nvPicPr>
+          <p:cNvPr id="2" name="Picture 1" descr="Rx_Logo_M.png"/>
+          <p:cNvPicPr>
+            <a:picLocks noChangeAspect="1"/>
+          </p:cNvPicPr>
+          <p:nvPr/>
+        </p:nvPicPr>
+        <p:blipFill>
+          <a:blip r:embed="rId3">
+            <a:extLst>
+              <a:ext uri="{28A0092B-C50C-407E-A947-70E740481C1C}">
+                <a14:useLocalDpi xmlns:a14="http://schemas.microsoft.com/office/drawing/2010/main" val="0"/>
+              </a:ext>
+            </a:extLst>
+          </a:blip>
+          <a:stretch>
+            <a:fillRect/>
+          </a:stretch>
+        </p:blipFill>
+        <p:spPr>
+          <a:xfrm>
+            <a:off x="151129" y="442005"/>
+            <a:ext cx="663146" cy="663146"/>
+          </a:xfrm>
+          <a:prstGeom prst="rect">
+            <a:avLst/>
+          </a:prstGeom>
+        </p:spPr>
+      </p:pic>
+      <p:pic>
+        <p:nvPicPr>
+          <p:cNvPr id="4" name="Picture 3" descr="Screen Shot 2018-05-16 at 7.57.59 PM.png"/>
+          <p:cNvPicPr>
+            <a:picLocks noChangeAspect="1"/>
+          </p:cNvPicPr>
+          <p:nvPr/>
+        </p:nvPicPr>
+        <p:blipFill>
+          <a:blip r:embed="rId4">
+            <a:extLst>
+              <a:ext uri="{28A0092B-C50C-407E-A947-70E740481C1C}">
+                <a14:useLocalDpi xmlns:a14="http://schemas.microsoft.com/office/drawing/2010/main" val="0"/>
+              </a:ext>
+            </a:extLst>
+          </a:blip>
+          <a:stretch>
+            <a:fillRect/>
+          </a:stretch>
+        </p:blipFill>
+        <p:spPr>
+          <a:xfrm>
+            <a:off x="0" y="1613334"/>
+            <a:ext cx="9144000" cy="2719457"/>
+          </a:xfrm>
+          <a:prstGeom prst="rect">
+            <a:avLst/>
+          </a:prstGeom>
+        </p:spPr>
+      </p:pic>
+    </p:spTree>
+    <p:extLst>
+      <p:ext uri="{BB962C8B-B14F-4D97-AF65-F5344CB8AC3E}">
+        <p14:creationId xmlns:p14="http://schemas.microsoft.com/office/powerpoint/2010/main" val="880534053"/>
+      </p:ext>
+    </p:extLst>
+  </p:cSld>
+  <p:clrMapOvr>
+    <a:masterClrMapping/>
+  </p:clrMapOvr>
+  <p:timing>
+    <p:tnLst>
+      <p:par>
+        <p:cTn xmlns:p14="http://schemas.microsoft.com/office/powerpoint/2010/main" id="1" dur="indefinite" restart="never" nodeType="tmRoot"/>
+      </p:par>
+    </p:tnLst>
+  </p:timing>
+</p:sld>
+</file>
+
+<file path=ppt/slides/slide8.xml><?xml version="1.0" encoding="utf-8"?>
+<p:sld xmlns:a="http://schemas.openxmlformats.org/drawingml/2006/main" xmlns:r="http://schemas.openxmlformats.org/officeDocument/2006/relationships" xmlns:p="http://schemas.openxmlformats.org/presentationml/2006/main">
+  <p:cSld>
+    <p:spTree>
+      <p:nvGrpSpPr>
+        <p:cNvPr id="1" name="Shape 188"/>
+        <p:cNvGrpSpPr/>
+        <p:nvPr/>
+      </p:nvGrpSpPr>
+      <p:grpSpPr>
+        <a:xfrm>
+          <a:off x="0" y="0"/>
+          <a:ext cx="0" cy="0"/>
+          <a:chOff x="0" y="0"/>
+          <a:chExt cx="0" cy="0"/>
+        </a:xfrm>
+      </p:grpSpPr>
+      <p:sp>
+        <p:nvSpPr>
+          <p:cNvPr id="189" name="Shape 189"/>
+          <p:cNvSpPr txBox="1">
+            <a:spLocks noGrp="1"/>
+          </p:cNvSpPr>
+          <p:nvPr>
+            <p:ph type="title"/>
+          </p:nvPr>
+        </p:nvSpPr>
+        <p:spPr>
+          <a:xfrm>
+            <a:off x="814275" y="392575"/>
+            <a:ext cx="5258400" cy="766200"/>
+          </a:xfrm>
+          <a:prstGeom prst="rect">
+            <a:avLst/>
+          </a:prstGeom>
+        </p:spPr>
+        <p:txBody>
+          <a:bodyPr wrap="square" lIns="91425" tIns="91425" rIns="91425" bIns="91425" anchor="ctr" anchorCtr="0">
+            <a:noAutofit/>
+          </a:bodyPr>
+          <a:lstStyle/>
+          <a:p>
+            <a:pPr lvl="0" rtl="0">
+              <a:spcBef>
+                <a:spcPts val="0"/>
+              </a:spcBef>
+              <a:buNone/>
+            </a:pPr>
+            <a:r>
               <a:rPr lang="en-US" dirty="0" smtClean="0"/>
               <a:t>Comprehensive Lab</a:t>
             </a:r>
@@ -4623,7 +5214,7 @@
             </a:pPr>
             <a:fld id="{00000000-1234-1234-1234-123412341234}" type="slidenum">
               <a:rPr lang="en"/>
-              <a:t>6</a:t>
+              <a:t>8</a:t>
             </a:fld>
             <a:endParaRPr lang="en"/>
           </a:p>
@@ -4779,7 +5370,7 @@
     </p:spTree>
     <p:extLst>
       <p:ext uri="{BB962C8B-B14F-4D97-AF65-F5344CB8AC3E}">
-        <p14:creationId xmlns:p14="http://schemas.microsoft.com/office/powerpoint/2010/main" val="2148075556"/>
+        <p14:creationId xmlns:p14="http://schemas.microsoft.com/office/powerpoint/2010/main" val="2777061132"/>
       </p:ext>
     </p:extLst>
   </p:cSld>

--- a/RxSwiftBasics/day5/RxSwiftBasics5.pptx
+++ b/RxSwiftBasics/day5/RxSwiftBasics5.pptx
@@ -5,17 +5,18 @@
     <p:sldMasterId id="2147483657" r:id="rId1"/>
   </p:sldMasterIdLst>
   <p:notesMasterIdLst>
-    <p:notesMasterId r:id="rId10"/>
+    <p:notesMasterId r:id="rId11"/>
   </p:notesMasterIdLst>
   <p:sldIdLst>
     <p:sldId id="256" r:id="rId2"/>
-    <p:sldId id="258" r:id="rId3"/>
-    <p:sldId id="259" r:id="rId4"/>
-    <p:sldId id="260" r:id="rId5"/>
-    <p:sldId id="261" r:id="rId6"/>
-    <p:sldId id="257" r:id="rId7"/>
-    <p:sldId id="263" r:id="rId8"/>
-    <p:sldId id="262" r:id="rId9"/>
+    <p:sldId id="264" r:id="rId3"/>
+    <p:sldId id="258" r:id="rId4"/>
+    <p:sldId id="259" r:id="rId5"/>
+    <p:sldId id="260" r:id="rId6"/>
+    <p:sldId id="261" r:id="rId7"/>
+    <p:sldId id="257" r:id="rId8"/>
+    <p:sldId id="263" r:id="rId9"/>
+    <p:sldId id="262" r:id="rId10"/>
   </p:sldIdLst>
   <p:sldSz cx="9144000" cy="5143500" type="screen16x9"/>
   <p:notesSz cx="6858000" cy="9144000"/>
@@ -1212,6 +1213,107 @@
 </file>
 
 <file path=ppt/notesSlides/notesSlide8.xml><?xml version="1.0" encoding="utf-8"?>
+<p:notes xmlns:a="http://schemas.openxmlformats.org/drawingml/2006/main" xmlns:r="http://schemas.openxmlformats.org/officeDocument/2006/relationships" xmlns:p="http://schemas.openxmlformats.org/presentationml/2006/main" showMasterSp="0" showMasterPhAnim="0">
+  <p:cSld>
+    <p:spTree>
+      <p:nvGrpSpPr>
+        <p:cNvPr id="1" name="Shape 185"/>
+        <p:cNvGrpSpPr/>
+        <p:nvPr/>
+      </p:nvGrpSpPr>
+      <p:grpSpPr>
+        <a:xfrm>
+          <a:off x="0" y="0"/>
+          <a:ext cx="0" cy="0"/>
+          <a:chOff x="0" y="0"/>
+          <a:chExt cx="0" cy="0"/>
+        </a:xfrm>
+      </p:grpSpPr>
+      <p:sp>
+        <p:nvSpPr>
+          <p:cNvPr id="186" name="Shape 186"/>
+          <p:cNvSpPr>
+            <a:spLocks noGrp="1" noRot="1" noChangeAspect="1"/>
+          </p:cNvSpPr>
+          <p:nvPr>
+            <p:ph type="sldImg" idx="2"/>
+          </p:nvPr>
+        </p:nvSpPr>
+        <p:spPr>
+          <a:xfrm>
+            <a:off x="381000" y="685800"/>
+            <a:ext cx="6096000" cy="3429000"/>
+          </a:xfrm>
+          <a:custGeom>
+            <a:avLst/>
+            <a:gdLst/>
+            <a:ahLst/>
+            <a:cxnLst/>
+            <a:rect l="0" t="0" r="0" b="0"/>
+            <a:pathLst>
+              <a:path w="120000" h="120000" extrusionOk="0">
+                <a:moveTo>
+                  <a:pt x="0" y="0"/>
+                </a:moveTo>
+                <a:lnTo>
+                  <a:pt x="120000" y="0"/>
+                </a:lnTo>
+                <a:lnTo>
+                  <a:pt x="120000" y="120000"/>
+                </a:lnTo>
+                <a:lnTo>
+                  <a:pt x="0" y="120000"/>
+                </a:lnTo>
+                <a:close/>
+              </a:path>
+            </a:pathLst>
+          </a:custGeom>
+        </p:spPr>
+      </p:sp>
+      <p:sp>
+        <p:nvSpPr>
+          <p:cNvPr id="187" name="Shape 187"/>
+          <p:cNvSpPr txBox="1">
+            <a:spLocks noGrp="1"/>
+          </p:cNvSpPr>
+          <p:nvPr>
+            <p:ph type="body" idx="1"/>
+          </p:nvPr>
+        </p:nvSpPr>
+        <p:spPr>
+          <a:xfrm>
+            <a:off x="685800" y="4343400"/>
+            <a:ext cx="5486400" cy="4114800"/>
+          </a:xfrm>
+          <a:prstGeom prst="rect">
+            <a:avLst/>
+          </a:prstGeom>
+        </p:spPr>
+        <p:txBody>
+          <a:bodyPr wrap="square" lIns="91425" tIns="91425" rIns="91425" bIns="91425" anchor="t" anchorCtr="0">
+            <a:noAutofit/>
+          </a:bodyPr>
+          <a:lstStyle/>
+          <a:p>
+            <a:pPr lvl="0">
+              <a:spcBef>
+                <a:spcPts val="0"/>
+              </a:spcBef>
+              <a:buNone/>
+            </a:pPr>
+            <a:endParaRPr/>
+          </a:p>
+        </p:txBody>
+      </p:sp>
+    </p:spTree>
+  </p:cSld>
+  <p:clrMapOvr>
+    <a:masterClrMapping/>
+  </p:clrMapOvr>
+</p:notes>
+</file>
+
+<file path=ppt/notesSlides/notesSlide9.xml><?xml version="1.0" encoding="utf-8"?>
 <p:notes xmlns:a="http://schemas.openxmlformats.org/drawingml/2006/main" xmlns:r="http://schemas.openxmlformats.org/officeDocument/2006/relationships" xmlns:p="http://schemas.openxmlformats.org/presentationml/2006/main" showMasterSp="0" showMasterPhAnim="0">
   <p:cSld>
     <p:spTree>
@@ -4034,8 +4136,12 @@
               <a:buNone/>
             </a:pPr>
             <a:r>
+              <a:rPr lang="en-US" dirty="0" err="1" smtClean="0"/>
+              <a:t>RxSwift</a:t>
+            </a:r>
+            <a:r>
               <a:rPr lang="en-US" dirty="0" smtClean="0"/>
-              <a:t>Simple Table View</a:t>
+              <a:t> Basics</a:t>
             </a:r>
             <a:endParaRPr lang="en" dirty="0"/>
           </a:p>
@@ -4110,40 +4216,210 @@
           </a:prstGeom>
         </p:spPr>
       </p:pic>
-      <p:pic>
-        <p:nvPicPr>
-          <p:cNvPr id="4" name="Picture 3" descr="Screen Shot 2018-05-15 at 9.01.40 PM.png"/>
-          <p:cNvPicPr>
-            <a:picLocks noChangeAspect="1"/>
-          </p:cNvPicPr>
-          <p:nvPr/>
-        </p:nvPicPr>
-        <p:blipFill>
-          <a:blip r:embed="rId4">
-            <a:extLst>
-              <a:ext uri="{28A0092B-C50C-407E-A947-70E740481C1C}">
-                <a14:useLocalDpi xmlns:a14="http://schemas.microsoft.com/office/drawing/2010/main" val="0"/>
-              </a:ext>
-            </a:extLst>
-          </a:blip>
-          <a:stretch>
-            <a:fillRect/>
-          </a:stretch>
-        </p:blipFill>
+      <p:sp>
+        <p:nvSpPr>
+          <p:cNvPr id="9" name="Shape 237"/>
+          <p:cNvSpPr txBox="1">
+            <a:spLocks noGrp="1"/>
+          </p:cNvSpPr>
+          <p:nvPr>
+            <p:ph type="body" idx="1"/>
+          </p:nvPr>
+        </p:nvSpPr>
         <p:spPr>
           <a:xfrm>
-            <a:off x="519211" y="1315525"/>
-            <a:ext cx="8067648" cy="3251938"/>
+            <a:off x="554601" y="1650424"/>
+            <a:ext cx="8471579" cy="2862119"/>
           </a:xfrm>
           <a:prstGeom prst="rect">
             <a:avLst/>
           </a:prstGeom>
         </p:spPr>
-      </p:pic>
+        <p:txBody>
+          <a:bodyPr wrap="square" lIns="91425" tIns="91425" rIns="91425" bIns="91425" anchor="ctr" anchorCtr="0">
+            <a:noAutofit/>
+          </a:bodyPr>
+          <a:lstStyle/>
+          <a:p>
+            <a:r>
+              <a:rPr lang="en-US" dirty="0" smtClean="0"/>
+              <a:t>Day 1 </a:t>
+            </a:r>
+            <a:r>
+              <a:rPr lang="mr-IN" dirty="0" smtClean="0"/>
+              <a:t>–</a:t>
+            </a:r>
+            <a:r>
+              <a:rPr lang="en-US" dirty="0" smtClean="0"/>
+              <a:t> Observable, Operator (Filter, Transform, Combine</a:t>
+            </a:r>
+            <a:r>
+              <a:rPr lang="en-US" dirty="0" smtClean="0"/>
+              <a:t>)</a:t>
+            </a:r>
+            <a:endParaRPr lang="en-US" b="1" dirty="0" smtClean="0"/>
+          </a:p>
+          <a:p>
+            <a:r>
+              <a:rPr lang="en-US" dirty="0"/>
+              <a:t>Day </a:t>
+            </a:r>
+            <a:r>
+              <a:rPr lang="en-US" dirty="0" smtClean="0"/>
+              <a:t>2 </a:t>
+            </a:r>
+            <a:r>
+              <a:rPr lang="mr-IN" dirty="0"/>
+              <a:t>–</a:t>
+            </a:r>
+            <a:r>
+              <a:rPr lang="en-US" dirty="0"/>
+              <a:t> </a:t>
+            </a:r>
+            <a:r>
+              <a:rPr lang="en-US" dirty="0" smtClean="0"/>
+              <a:t>Subject (</a:t>
+            </a:r>
+            <a:r>
+              <a:rPr lang="en-US" dirty="0" err="1" smtClean="0"/>
+              <a:t>flatMap</a:t>
+            </a:r>
+            <a:r>
+              <a:rPr lang="en-US" dirty="0" smtClean="0"/>
+              <a:t>, </a:t>
+            </a:r>
+            <a:r>
+              <a:rPr lang="en-US" dirty="0" err="1" smtClean="0"/>
+              <a:t>flatMapFirst</a:t>
+            </a:r>
+            <a:r>
+              <a:rPr lang="en-US" dirty="0" smtClean="0"/>
+              <a:t>, </a:t>
+            </a:r>
+            <a:r>
+              <a:rPr lang="en-US" dirty="0" err="1" smtClean="0"/>
+              <a:t>flatMapLatest</a:t>
+            </a:r>
+            <a:r>
+              <a:rPr lang="en-US" dirty="0" smtClean="0"/>
+              <a:t>)</a:t>
+            </a:r>
+            <a:endParaRPr lang="en-US" b="1" dirty="0"/>
+          </a:p>
+          <a:p>
+            <a:r>
+              <a:rPr lang="en-US" dirty="0"/>
+              <a:t>Day </a:t>
+            </a:r>
+            <a:r>
+              <a:rPr lang="en-US" dirty="0" smtClean="0"/>
+              <a:t>3 </a:t>
+            </a:r>
+            <a:r>
+              <a:rPr lang="mr-IN" dirty="0"/>
+              <a:t>–</a:t>
+            </a:r>
+            <a:r>
+              <a:rPr lang="en-US" dirty="0"/>
+              <a:t> </a:t>
+            </a:r>
+            <a:r>
+              <a:rPr lang="en-US" dirty="0" smtClean="0"/>
+              <a:t>Two VCs communications with Subject, </a:t>
+            </a:r>
+            <a:r>
+              <a:rPr lang="en-US" dirty="0" err="1" smtClean="0"/>
+              <a:t>RxCocoa</a:t>
+            </a:r>
+            <a:r>
+              <a:rPr lang="en-US" dirty="0" smtClean="0"/>
+              <a:t> (Button</a:t>
+            </a:r>
+            <a:r>
+              <a:rPr lang="en-US" dirty="0" smtClean="0"/>
+              <a:t>)</a:t>
+            </a:r>
+            <a:endParaRPr lang="en-US" b="1" dirty="0"/>
+          </a:p>
+          <a:p>
+            <a:r>
+              <a:rPr lang="en-US" dirty="0"/>
+              <a:t>Day </a:t>
+            </a:r>
+            <a:r>
+              <a:rPr lang="en-US" dirty="0" smtClean="0"/>
+              <a:t>4 </a:t>
+            </a:r>
+            <a:r>
+              <a:rPr lang="mr-IN" dirty="0"/>
+              <a:t>–</a:t>
+            </a:r>
+            <a:r>
+              <a:rPr lang="en-US" dirty="0"/>
+              <a:t> </a:t>
+            </a:r>
+            <a:r>
+              <a:rPr lang="en-US" dirty="0" smtClean="0"/>
+              <a:t>Sequential, Merged Observable </a:t>
+            </a:r>
+            <a:r>
+              <a:rPr lang="en-US" dirty="0" smtClean="0"/>
+              <a:t>Calls</a:t>
+            </a:r>
+            <a:endParaRPr lang="en-US" b="1" dirty="0"/>
+          </a:p>
+          <a:p>
+            <a:r>
+              <a:rPr lang="en-US" b="1" dirty="0"/>
+              <a:t>Day </a:t>
+            </a:r>
+            <a:r>
+              <a:rPr lang="en-US" b="1" dirty="0" smtClean="0"/>
+              <a:t>5 </a:t>
+            </a:r>
+            <a:r>
+              <a:rPr lang="mr-IN" b="1" dirty="0"/>
+              <a:t>–</a:t>
+            </a:r>
+            <a:r>
+              <a:rPr lang="en-US" b="1" dirty="0"/>
+              <a:t> </a:t>
+            </a:r>
+            <a:r>
+              <a:rPr lang="en-US" b="1" dirty="0" err="1" smtClean="0"/>
+              <a:t>RxCocoa</a:t>
+            </a:r>
+            <a:r>
+              <a:rPr lang="en-US" b="1" dirty="0" smtClean="0"/>
+              <a:t>, UI Binding (Button, </a:t>
+            </a:r>
+            <a:r>
+              <a:rPr lang="en-US" b="1" dirty="0" err="1" smtClean="0"/>
+              <a:t>TextField</a:t>
+            </a:r>
+            <a:r>
+              <a:rPr lang="en-US" b="1" dirty="0" smtClean="0"/>
+              <a:t>, Label, </a:t>
+            </a:r>
+            <a:r>
+              <a:rPr lang="en-US" b="1" dirty="0" err="1" smtClean="0"/>
+              <a:t>TableView</a:t>
+            </a:r>
+            <a:r>
+              <a:rPr lang="en-US" b="1" dirty="0" smtClean="0"/>
+              <a:t>)</a:t>
+            </a:r>
+            <a:endParaRPr lang="en-US" b="1" dirty="0"/>
+          </a:p>
+          <a:p>
+            <a:endParaRPr lang="en-US" dirty="0" smtClean="0"/>
+          </a:p>
+        </p:txBody>
+      </p:sp>
     </p:spTree>
     <p:extLst>
       <p:ext uri="{BB962C8B-B14F-4D97-AF65-F5344CB8AC3E}">
-        <p14:creationId xmlns:p14="http://schemas.microsoft.com/office/powerpoint/2010/main" val="1094205102"/>
+        <p14:creationId xmlns:p14="http://schemas.microsoft.com/office/powerpoint/2010/main" val="4226357874"/>
       </p:ext>
     </p:extLst>
   </p:cSld>
@@ -4179,6 +4455,45 @@
       </p:grpSpPr>
       <p:sp>
         <p:nvSpPr>
+          <p:cNvPr id="189" name="Shape 189"/>
+          <p:cNvSpPr txBox="1">
+            <a:spLocks noGrp="1"/>
+          </p:cNvSpPr>
+          <p:nvPr>
+            <p:ph type="title"/>
+          </p:nvPr>
+        </p:nvSpPr>
+        <p:spPr>
+          <a:xfrm>
+            <a:off x="814275" y="392575"/>
+            <a:ext cx="5258400" cy="766200"/>
+          </a:xfrm>
+          <a:prstGeom prst="rect">
+            <a:avLst/>
+          </a:prstGeom>
+        </p:spPr>
+        <p:txBody>
+          <a:bodyPr wrap="square" lIns="91425" tIns="91425" rIns="91425" bIns="91425" anchor="ctr" anchorCtr="0">
+            <a:noAutofit/>
+          </a:bodyPr>
+          <a:lstStyle/>
+          <a:p>
+            <a:pPr lvl="0" rtl="0">
+              <a:spcBef>
+                <a:spcPts val="0"/>
+              </a:spcBef>
+              <a:buNone/>
+            </a:pPr>
+            <a:r>
+              <a:rPr lang="en-US" dirty="0" smtClean="0"/>
+              <a:t>Simple Table View</a:t>
+            </a:r>
+            <a:endParaRPr lang="en" dirty="0"/>
+          </a:p>
+        </p:txBody>
+      </p:sp>
+      <p:sp>
+        <p:nvSpPr>
           <p:cNvPr id="192" name="Shape 192"/>
           <p:cNvSpPr txBox="1">
             <a:spLocks noGrp="1"/>
@@ -4248,7 +4563,7 @@
       </p:pic>
       <p:pic>
         <p:nvPicPr>
-          <p:cNvPr id="3" name="Picture 2" descr="Screen Shot 2018-05-15 at 9.09.24 PM.png"/>
+          <p:cNvPr id="4" name="Picture 3" descr="Screen Shot 2018-05-15 at 9.01.40 PM.png"/>
           <p:cNvPicPr>
             <a:picLocks noChangeAspect="1"/>
           </p:cNvPicPr>
@@ -4268,57 +4583,18 @@
         </p:blipFill>
         <p:spPr>
           <a:xfrm>
-            <a:off x="623047" y="1804582"/>
-            <a:ext cx="4792662" cy="1597554"/>
+            <a:off x="519211" y="1315525"/>
+            <a:ext cx="8067648" cy="3251938"/>
           </a:xfrm>
           <a:prstGeom prst="rect">
             <a:avLst/>
           </a:prstGeom>
         </p:spPr>
       </p:pic>
-      <p:sp>
-        <p:nvSpPr>
-          <p:cNvPr id="8" name="Shape 189"/>
-          <p:cNvSpPr txBox="1">
-            <a:spLocks noGrp="1"/>
-          </p:cNvSpPr>
-          <p:nvPr>
-            <p:ph type="title"/>
-          </p:nvPr>
-        </p:nvSpPr>
-        <p:spPr>
-          <a:xfrm>
-            <a:off x="814275" y="392575"/>
-            <a:ext cx="5258400" cy="766200"/>
-          </a:xfrm>
-          <a:prstGeom prst="rect">
-            <a:avLst/>
-          </a:prstGeom>
-        </p:spPr>
-        <p:txBody>
-          <a:bodyPr wrap="square" lIns="91425" tIns="91425" rIns="91425" bIns="91425" anchor="ctr" anchorCtr="0">
-            <a:noAutofit/>
-          </a:bodyPr>
-          <a:lstStyle/>
-          <a:p>
-            <a:pPr lvl="0" rtl="0">
-              <a:spcBef>
-                <a:spcPts val="0"/>
-              </a:spcBef>
-              <a:buNone/>
-            </a:pPr>
-            <a:r>
-              <a:rPr lang="en-US" dirty="0" smtClean="0"/>
-              <a:t>Simple Table View</a:t>
-            </a:r>
-            <a:endParaRPr lang="en" dirty="0"/>
-          </a:p>
-        </p:txBody>
-      </p:sp>
     </p:spTree>
     <p:extLst>
       <p:ext uri="{BB962C8B-B14F-4D97-AF65-F5344CB8AC3E}">
-        <p14:creationId xmlns:p14="http://schemas.microsoft.com/office/powerpoint/2010/main" val="4217794321"/>
+        <p14:creationId xmlns:p14="http://schemas.microsoft.com/office/powerpoint/2010/main" val="1094205102"/>
       </p:ext>
     </p:extLst>
   </p:cSld>
@@ -4354,53 +4630,6 @@
       </p:grpSpPr>
       <p:sp>
         <p:nvSpPr>
-          <p:cNvPr id="189" name="Shape 189"/>
-          <p:cNvSpPr txBox="1">
-            <a:spLocks noGrp="1"/>
-          </p:cNvSpPr>
-          <p:nvPr>
-            <p:ph type="title"/>
-          </p:nvPr>
-        </p:nvSpPr>
-        <p:spPr>
-          <a:xfrm>
-            <a:off x="814275" y="392575"/>
-            <a:ext cx="5258400" cy="766200"/>
-          </a:xfrm>
-          <a:prstGeom prst="rect">
-            <a:avLst/>
-          </a:prstGeom>
-        </p:spPr>
-        <p:txBody>
-          <a:bodyPr wrap="square" lIns="91425" tIns="91425" rIns="91425" bIns="91425" anchor="ctr" anchorCtr="0">
-            <a:noAutofit/>
-          </a:bodyPr>
-          <a:lstStyle/>
-          <a:p>
-            <a:pPr lvl="0" rtl="0">
-              <a:spcBef>
-                <a:spcPts val="0"/>
-              </a:spcBef>
-              <a:buNone/>
-            </a:pPr>
-            <a:r>
-              <a:rPr lang="en-US" dirty="0" smtClean="0"/>
-              <a:t>Table View </a:t>
-            </a:r>
-            <a:r>
-              <a:rPr lang="mr-IN" dirty="0" smtClean="0"/>
-              <a:t>–</a:t>
-            </a:r>
-            <a:r>
-              <a:rPr lang="en-US" dirty="0" smtClean="0"/>
-              <a:t> Multi Cell</a:t>
-            </a:r>
-            <a:endParaRPr lang="en" dirty="0"/>
-          </a:p>
-        </p:txBody>
-      </p:sp>
-      <p:sp>
-        <p:nvSpPr>
           <p:cNvPr id="192" name="Shape 192"/>
           <p:cNvSpPr txBox="1">
             <a:spLocks noGrp="1"/>
@@ -4470,7 +4699,7 @@
       </p:pic>
       <p:pic>
         <p:nvPicPr>
-          <p:cNvPr id="4" name="Picture 3" descr="Screen Shot 2018-05-15 at 9.26.47 PM.png"/>
+          <p:cNvPr id="3" name="Picture 2" descr="Screen Shot 2018-05-15 at 9.09.24 PM.png"/>
           <p:cNvPicPr>
             <a:picLocks noChangeAspect="1"/>
           </p:cNvPicPr>
@@ -4490,18 +4719,57 @@
         </p:blipFill>
         <p:spPr>
           <a:xfrm>
-            <a:off x="439328" y="1364472"/>
-            <a:ext cx="8307281" cy="3040241"/>
+            <a:off x="623047" y="1804582"/>
+            <a:ext cx="4792662" cy="1597554"/>
           </a:xfrm>
           <a:prstGeom prst="rect">
             <a:avLst/>
           </a:prstGeom>
         </p:spPr>
       </p:pic>
+      <p:sp>
+        <p:nvSpPr>
+          <p:cNvPr id="8" name="Shape 189"/>
+          <p:cNvSpPr txBox="1">
+            <a:spLocks noGrp="1"/>
+          </p:cNvSpPr>
+          <p:nvPr>
+            <p:ph type="title"/>
+          </p:nvPr>
+        </p:nvSpPr>
+        <p:spPr>
+          <a:xfrm>
+            <a:off x="814275" y="392575"/>
+            <a:ext cx="5258400" cy="766200"/>
+          </a:xfrm>
+          <a:prstGeom prst="rect">
+            <a:avLst/>
+          </a:prstGeom>
+        </p:spPr>
+        <p:txBody>
+          <a:bodyPr wrap="square" lIns="91425" tIns="91425" rIns="91425" bIns="91425" anchor="ctr" anchorCtr="0">
+            <a:noAutofit/>
+          </a:bodyPr>
+          <a:lstStyle/>
+          <a:p>
+            <a:pPr lvl="0" rtl="0">
+              <a:spcBef>
+                <a:spcPts val="0"/>
+              </a:spcBef>
+              <a:buNone/>
+            </a:pPr>
+            <a:r>
+              <a:rPr lang="en-US" dirty="0" smtClean="0"/>
+              <a:t>Simple Table View</a:t>
+            </a:r>
+            <a:endParaRPr lang="en" dirty="0"/>
+          </a:p>
+        </p:txBody>
+      </p:sp>
     </p:spTree>
     <p:extLst>
       <p:ext uri="{BB962C8B-B14F-4D97-AF65-F5344CB8AC3E}">
-        <p14:creationId xmlns:p14="http://schemas.microsoft.com/office/powerpoint/2010/main" val="3571006454"/>
+        <p14:creationId xmlns:p14="http://schemas.microsoft.com/office/powerpoint/2010/main" val="4217794321"/>
       </p:ext>
     </p:extLst>
   </p:cSld>
@@ -4560,17 +4828,22 @@
           </a:bodyPr>
           <a:lstStyle/>
           <a:p>
-            <a:pPr lvl="0"/>
-            <a:r>
-              <a:rPr lang="en-US" dirty="0"/>
+            <a:pPr lvl="0" rtl="0">
+              <a:spcBef>
+                <a:spcPts val="0"/>
+              </a:spcBef>
+              <a:buNone/>
+            </a:pPr>
+            <a:r>
+              <a:rPr lang="en-US" dirty="0" smtClean="0"/>
               <a:t>Table View </a:t>
             </a:r>
             <a:r>
-              <a:rPr lang="mr-IN" dirty="0"/>
+              <a:rPr lang="mr-IN" dirty="0" smtClean="0"/>
               <a:t>–</a:t>
             </a:r>
             <a:r>
-              <a:rPr lang="en-US" dirty="0"/>
+              <a:rPr lang="en-US" dirty="0" smtClean="0"/>
               <a:t> Multi Cell</a:t>
             </a:r>
             <a:endParaRPr lang="en" dirty="0"/>
@@ -4648,7 +4921,7 @@
       </p:pic>
       <p:pic>
         <p:nvPicPr>
-          <p:cNvPr id="4" name="Picture 3" descr="Screen Shot 2018-05-15 at 9.49.12 PM.png"/>
+          <p:cNvPr id="4" name="Picture 3" descr="Screen Shot 2018-05-15 at 9.26.47 PM.png"/>
           <p:cNvPicPr>
             <a:picLocks noChangeAspect="1"/>
           </p:cNvPicPr>
@@ -4668,38 +4941,8 @@
         </p:blipFill>
         <p:spPr>
           <a:xfrm>
-            <a:off x="15977" y="1355670"/>
-            <a:ext cx="7492528" cy="686949"/>
-          </a:xfrm>
-          <a:prstGeom prst="rect">
-            <a:avLst/>
-          </a:prstGeom>
-        </p:spPr>
-      </p:pic>
-      <p:pic>
-        <p:nvPicPr>
-          <p:cNvPr id="5" name="Picture 4" descr="Screen Shot 2018-05-15 at 9.49.25 PM.png"/>
-          <p:cNvPicPr>
-            <a:picLocks noChangeAspect="1"/>
-          </p:cNvPicPr>
-          <p:nvPr/>
-        </p:nvPicPr>
-        <p:blipFill>
-          <a:blip r:embed="rId5">
-            <a:extLst>
-              <a:ext uri="{28A0092B-C50C-407E-A947-70E740481C1C}">
-                <a14:useLocalDpi xmlns:a14="http://schemas.microsoft.com/office/drawing/2010/main" val="0"/>
-              </a:ext>
-            </a:extLst>
-          </a:blip>
-          <a:stretch>
-            <a:fillRect/>
-          </a:stretch>
-        </p:blipFill>
-        <p:spPr>
-          <a:xfrm>
-            <a:off x="39940" y="2042619"/>
-            <a:ext cx="7460577" cy="2772888"/>
+            <a:off x="439328" y="1364472"/>
+            <a:ext cx="8307281" cy="3040241"/>
           </a:xfrm>
           <a:prstGeom prst="rect">
             <a:avLst/>
@@ -4768,27 +5011,18 @@
           </a:bodyPr>
           <a:lstStyle/>
           <a:p>
-            <a:pPr lvl="0" rtl="0">
-              <a:spcBef>
-                <a:spcPts val="0"/>
-              </a:spcBef>
-              <a:buNone/>
-            </a:pPr>
-            <a:r>
-              <a:rPr lang="en-US" dirty="0" err="1" smtClean="0"/>
-              <a:t>TextField</a:t>
-            </a:r>
-            <a:r>
-              <a:rPr lang="en-US" dirty="0" smtClean="0"/>
-              <a:t> </a:t>
-            </a:r>
-            <a:r>
-              <a:rPr lang="mr-IN" dirty="0" smtClean="0"/>
+            <a:pPr lvl="0"/>
+            <a:r>
+              <a:rPr lang="en-US" dirty="0"/>
+              <a:t>Table View </a:t>
+            </a:r>
+            <a:r>
+              <a:rPr lang="mr-IN" dirty="0"/>
               <a:t>–</a:t>
             </a:r>
             <a:r>
-              <a:rPr lang="en-US" dirty="0" smtClean="0"/>
-              <a:t> Binding</a:t>
+              <a:rPr lang="en-US" dirty="0"/>
+              <a:t> Multi Cell</a:t>
             </a:r>
             <a:endParaRPr lang="en" dirty="0"/>
           </a:p>
@@ -4865,7 +5099,7 @@
       </p:pic>
       <p:pic>
         <p:nvPicPr>
-          <p:cNvPr id="5" name="Picture 4" descr="Screen Shot 2018-05-16 at 7.58.46 PM.png"/>
+          <p:cNvPr id="4" name="Picture 3" descr="Screen Shot 2018-05-15 at 9.49.12 PM.png"/>
           <p:cNvPicPr>
             <a:picLocks noChangeAspect="1"/>
           </p:cNvPicPr>
@@ -4885,8 +5119,8 @@
         </p:blipFill>
         <p:spPr>
           <a:xfrm>
-            <a:off x="4978400" y="1346910"/>
-            <a:ext cx="4165600" cy="3111500"/>
+            <a:off x="15977" y="1355670"/>
+            <a:ext cx="7492528" cy="686949"/>
           </a:xfrm>
           <a:prstGeom prst="rect">
             <a:avLst/>
@@ -4895,7 +5129,7 @@
       </p:pic>
       <p:pic>
         <p:nvPicPr>
-          <p:cNvPr id="4" name="Picture 3" descr="Screen Shot 2018-05-16 at 7.58.35 PM.png"/>
+          <p:cNvPr id="5" name="Picture 4" descr="Screen Shot 2018-05-15 at 9.49.25 PM.png"/>
           <p:cNvPicPr>
             <a:picLocks noChangeAspect="1"/>
           </p:cNvPicPr>
@@ -4915,8 +5149,8 @@
         </p:blipFill>
         <p:spPr>
           <a:xfrm>
-            <a:off x="0" y="1814948"/>
-            <a:ext cx="4978400" cy="1327316"/>
+            <a:off x="39940" y="2042619"/>
+            <a:ext cx="7460577" cy="2772888"/>
           </a:xfrm>
           <a:prstGeom prst="rect">
             <a:avLst/>
@@ -4926,7 +5160,7 @@
     </p:spTree>
     <p:extLst>
       <p:ext uri="{BB962C8B-B14F-4D97-AF65-F5344CB8AC3E}">
-        <p14:creationId xmlns:p14="http://schemas.microsoft.com/office/powerpoint/2010/main" val="2148075556"/>
+        <p14:creationId xmlns:p14="http://schemas.microsoft.com/office/powerpoint/2010/main" val="3571006454"/>
       </p:ext>
     </p:extLst>
   </p:cSld>
@@ -4985,21 +5219,26 @@
           </a:bodyPr>
           <a:lstStyle/>
           <a:p>
-            <a:pPr lvl="0"/>
-            <a:r>
-              <a:rPr lang="en-US" dirty="0" err="1"/>
+            <a:pPr lvl="0" rtl="0">
+              <a:spcBef>
+                <a:spcPts val="0"/>
+              </a:spcBef>
+              <a:buNone/>
+            </a:pPr>
+            <a:r>
+              <a:rPr lang="en-US" dirty="0" err="1" smtClean="0"/>
               <a:t>TextField</a:t>
             </a:r>
             <a:r>
-              <a:rPr lang="en-US" dirty="0"/>
+              <a:rPr lang="en-US" dirty="0" smtClean="0"/>
               <a:t> </a:t>
             </a:r>
             <a:r>
-              <a:rPr lang="mr-IN" dirty="0"/>
+              <a:rPr lang="mr-IN" dirty="0" smtClean="0"/>
               <a:t>–</a:t>
             </a:r>
             <a:r>
-              <a:rPr lang="en-US" dirty="0"/>
+              <a:rPr lang="en-US" dirty="0" smtClean="0"/>
               <a:t> Binding</a:t>
             </a:r>
             <a:endParaRPr lang="en" dirty="0"/>
@@ -5077,7 +5316,7 @@
       </p:pic>
       <p:pic>
         <p:nvPicPr>
-          <p:cNvPr id="4" name="Picture 3" descr="Screen Shot 2018-05-16 at 7.57.59 PM.png"/>
+          <p:cNvPr id="5" name="Picture 4" descr="Screen Shot 2018-05-16 at 7.58.46 PM.png"/>
           <p:cNvPicPr>
             <a:picLocks noChangeAspect="1"/>
           </p:cNvPicPr>
@@ -5097,8 +5336,38 @@
         </p:blipFill>
         <p:spPr>
           <a:xfrm>
-            <a:off x="0" y="1613334"/>
-            <a:ext cx="9144000" cy="2719457"/>
+            <a:off x="4978400" y="1346910"/>
+            <a:ext cx="4165600" cy="3111500"/>
+          </a:xfrm>
+          <a:prstGeom prst="rect">
+            <a:avLst/>
+          </a:prstGeom>
+        </p:spPr>
+      </p:pic>
+      <p:pic>
+        <p:nvPicPr>
+          <p:cNvPr id="4" name="Picture 3" descr="Screen Shot 2018-05-16 at 7.58.35 PM.png"/>
+          <p:cNvPicPr>
+            <a:picLocks noChangeAspect="1"/>
+          </p:cNvPicPr>
+          <p:nvPr/>
+        </p:nvPicPr>
+        <p:blipFill>
+          <a:blip r:embed="rId5">
+            <a:extLst>
+              <a:ext uri="{28A0092B-C50C-407E-A947-70E740481C1C}">
+                <a14:useLocalDpi xmlns:a14="http://schemas.microsoft.com/office/drawing/2010/main" val="0"/>
+              </a:ext>
+            </a:extLst>
+          </a:blip>
+          <a:stretch>
+            <a:fillRect/>
+          </a:stretch>
+        </p:blipFill>
+        <p:spPr>
+          <a:xfrm>
+            <a:off x="0" y="1814948"/>
+            <a:ext cx="4978400" cy="1327316"/>
           </a:xfrm>
           <a:prstGeom prst="rect">
             <a:avLst/>
@@ -5108,7 +5377,7 @@
     </p:spTree>
     <p:extLst>
       <p:ext uri="{BB962C8B-B14F-4D97-AF65-F5344CB8AC3E}">
-        <p14:creationId xmlns:p14="http://schemas.microsoft.com/office/powerpoint/2010/main" val="880534053"/>
+        <p14:creationId xmlns:p14="http://schemas.microsoft.com/office/powerpoint/2010/main" val="2148075556"/>
       </p:ext>
     </p:extLst>
   </p:cSld>
@@ -5167,15 +5436,22 @@
           </a:bodyPr>
           <a:lstStyle/>
           <a:p>
-            <a:pPr lvl="0" rtl="0">
-              <a:spcBef>
-                <a:spcPts val="0"/>
-              </a:spcBef>
-              <a:buNone/>
-            </a:pPr>
-            <a:r>
-              <a:rPr lang="en-US" dirty="0" smtClean="0"/>
-              <a:t>Comprehensive Lab</a:t>
+            <a:pPr lvl="0"/>
+            <a:r>
+              <a:rPr lang="en-US" dirty="0" err="1"/>
+              <a:t>TextField</a:t>
+            </a:r>
+            <a:r>
+              <a:rPr lang="en-US" dirty="0"/>
+              <a:t> </a:t>
+            </a:r>
+            <a:r>
+              <a:rPr lang="mr-IN" dirty="0"/>
+              <a:t>–</a:t>
+            </a:r>
+            <a:r>
+              <a:rPr lang="en-US" dirty="0"/>
+              <a:t> Binding</a:t>
             </a:r>
             <a:endParaRPr lang="en" dirty="0"/>
           </a:p>
@@ -5215,6 +5491,181 @@
             <a:fld id="{00000000-1234-1234-1234-123412341234}" type="slidenum">
               <a:rPr lang="en"/>
               <a:t>8</a:t>
+            </a:fld>
+            <a:endParaRPr lang="en"/>
+          </a:p>
+        </p:txBody>
+      </p:sp>
+      <p:pic>
+        <p:nvPicPr>
+          <p:cNvPr id="2" name="Picture 1" descr="Rx_Logo_M.png"/>
+          <p:cNvPicPr>
+            <a:picLocks noChangeAspect="1"/>
+          </p:cNvPicPr>
+          <p:nvPr/>
+        </p:nvPicPr>
+        <p:blipFill>
+          <a:blip r:embed="rId3">
+            <a:extLst>
+              <a:ext uri="{28A0092B-C50C-407E-A947-70E740481C1C}">
+                <a14:useLocalDpi xmlns:a14="http://schemas.microsoft.com/office/drawing/2010/main" val="0"/>
+              </a:ext>
+            </a:extLst>
+          </a:blip>
+          <a:stretch>
+            <a:fillRect/>
+          </a:stretch>
+        </p:blipFill>
+        <p:spPr>
+          <a:xfrm>
+            <a:off x="151129" y="442005"/>
+            <a:ext cx="663146" cy="663146"/>
+          </a:xfrm>
+          <a:prstGeom prst="rect">
+            <a:avLst/>
+          </a:prstGeom>
+        </p:spPr>
+      </p:pic>
+      <p:pic>
+        <p:nvPicPr>
+          <p:cNvPr id="4" name="Picture 3" descr="Screen Shot 2018-05-16 at 7.57.59 PM.png"/>
+          <p:cNvPicPr>
+            <a:picLocks noChangeAspect="1"/>
+          </p:cNvPicPr>
+          <p:nvPr/>
+        </p:nvPicPr>
+        <p:blipFill>
+          <a:blip r:embed="rId4">
+            <a:extLst>
+              <a:ext uri="{28A0092B-C50C-407E-A947-70E740481C1C}">
+                <a14:useLocalDpi xmlns:a14="http://schemas.microsoft.com/office/drawing/2010/main" val="0"/>
+              </a:ext>
+            </a:extLst>
+          </a:blip>
+          <a:stretch>
+            <a:fillRect/>
+          </a:stretch>
+        </p:blipFill>
+        <p:spPr>
+          <a:xfrm>
+            <a:off x="0" y="1613334"/>
+            <a:ext cx="9144000" cy="2719457"/>
+          </a:xfrm>
+          <a:prstGeom prst="rect">
+            <a:avLst/>
+          </a:prstGeom>
+        </p:spPr>
+      </p:pic>
+    </p:spTree>
+    <p:extLst>
+      <p:ext uri="{BB962C8B-B14F-4D97-AF65-F5344CB8AC3E}">
+        <p14:creationId xmlns:p14="http://schemas.microsoft.com/office/powerpoint/2010/main" val="880534053"/>
+      </p:ext>
+    </p:extLst>
+  </p:cSld>
+  <p:clrMapOvr>
+    <a:masterClrMapping/>
+  </p:clrMapOvr>
+  <p:timing>
+    <p:tnLst>
+      <p:par>
+        <p:cTn xmlns:p14="http://schemas.microsoft.com/office/powerpoint/2010/main" id="1" dur="indefinite" restart="never" nodeType="tmRoot"/>
+      </p:par>
+    </p:tnLst>
+  </p:timing>
+</p:sld>
+</file>
+
+<file path=ppt/slides/slide9.xml><?xml version="1.0" encoding="utf-8"?>
+<p:sld xmlns:a="http://schemas.openxmlformats.org/drawingml/2006/main" xmlns:r="http://schemas.openxmlformats.org/officeDocument/2006/relationships" xmlns:p="http://schemas.openxmlformats.org/presentationml/2006/main">
+  <p:cSld>
+    <p:spTree>
+      <p:nvGrpSpPr>
+        <p:cNvPr id="1" name="Shape 188"/>
+        <p:cNvGrpSpPr/>
+        <p:nvPr/>
+      </p:nvGrpSpPr>
+      <p:grpSpPr>
+        <a:xfrm>
+          <a:off x="0" y="0"/>
+          <a:ext cx="0" cy="0"/>
+          <a:chOff x="0" y="0"/>
+          <a:chExt cx="0" cy="0"/>
+        </a:xfrm>
+      </p:grpSpPr>
+      <p:sp>
+        <p:nvSpPr>
+          <p:cNvPr id="189" name="Shape 189"/>
+          <p:cNvSpPr txBox="1">
+            <a:spLocks noGrp="1"/>
+          </p:cNvSpPr>
+          <p:nvPr>
+            <p:ph type="title"/>
+          </p:nvPr>
+        </p:nvSpPr>
+        <p:spPr>
+          <a:xfrm>
+            <a:off x="814275" y="392575"/>
+            <a:ext cx="5258400" cy="766200"/>
+          </a:xfrm>
+          <a:prstGeom prst="rect">
+            <a:avLst/>
+          </a:prstGeom>
+        </p:spPr>
+        <p:txBody>
+          <a:bodyPr wrap="square" lIns="91425" tIns="91425" rIns="91425" bIns="91425" anchor="ctr" anchorCtr="0">
+            <a:noAutofit/>
+          </a:bodyPr>
+          <a:lstStyle/>
+          <a:p>
+            <a:pPr lvl="0" rtl="0">
+              <a:spcBef>
+                <a:spcPts val="0"/>
+              </a:spcBef>
+              <a:buNone/>
+            </a:pPr>
+            <a:r>
+              <a:rPr lang="en-US" dirty="0" smtClean="0"/>
+              <a:t>Comprehensive Lab</a:t>
+            </a:r>
+            <a:endParaRPr lang="en" dirty="0"/>
+          </a:p>
+        </p:txBody>
+      </p:sp>
+      <p:sp>
+        <p:nvSpPr>
+          <p:cNvPr id="192" name="Shape 192"/>
+          <p:cNvSpPr txBox="1">
+            <a:spLocks noGrp="1"/>
+          </p:cNvSpPr>
+          <p:nvPr>
+            <p:ph type="sldNum" idx="12"/>
+          </p:nvPr>
+        </p:nvSpPr>
+        <p:spPr>
+          <a:xfrm>
+            <a:off x="7618000" y="4636500"/>
+            <a:ext cx="1487400" cy="315600"/>
+          </a:xfrm>
+          <a:prstGeom prst="rect">
+            <a:avLst/>
+          </a:prstGeom>
+        </p:spPr>
+        <p:txBody>
+          <a:bodyPr wrap="square" lIns="91425" tIns="91425" rIns="91425" bIns="91425" anchor="ctr" anchorCtr="0">
+            <a:noAutofit/>
+          </a:bodyPr>
+          <a:lstStyle/>
+          <a:p>
+            <a:pPr lvl="0">
+              <a:spcBef>
+                <a:spcPts val="0"/>
+              </a:spcBef>
+              <a:buNone/>
+            </a:pPr>
+            <a:fld id="{00000000-1234-1234-1234-123412341234}" type="slidenum">
+              <a:rPr lang="en"/>
+              <a:t>9</a:t>
             </a:fld>
             <a:endParaRPr lang="en"/>
           </a:p>

--- a/RxSwiftBasics/day5/RxSwiftBasics5.pptx
+++ b/RxSwiftBasics/day5/RxSwiftBasics5.pptx
@@ -5,18 +5,19 @@
     <p:sldMasterId id="2147483657" r:id="rId1"/>
   </p:sldMasterIdLst>
   <p:notesMasterIdLst>
-    <p:notesMasterId r:id="rId11"/>
+    <p:notesMasterId r:id="rId12"/>
   </p:notesMasterIdLst>
   <p:sldIdLst>
     <p:sldId id="256" r:id="rId2"/>
     <p:sldId id="264" r:id="rId3"/>
-    <p:sldId id="258" r:id="rId4"/>
-    <p:sldId id="259" r:id="rId5"/>
-    <p:sldId id="260" r:id="rId6"/>
-    <p:sldId id="261" r:id="rId7"/>
-    <p:sldId id="257" r:id="rId8"/>
-    <p:sldId id="263" r:id="rId9"/>
-    <p:sldId id="262" r:id="rId10"/>
+    <p:sldId id="265" r:id="rId4"/>
+    <p:sldId id="258" r:id="rId5"/>
+    <p:sldId id="259" r:id="rId6"/>
+    <p:sldId id="260" r:id="rId7"/>
+    <p:sldId id="261" r:id="rId8"/>
+    <p:sldId id="257" r:id="rId9"/>
+    <p:sldId id="263" r:id="rId10"/>
+    <p:sldId id="262" r:id="rId11"/>
   </p:sldIdLst>
   <p:sldSz cx="9144000" cy="5143500" type="screen16x9"/>
   <p:notesSz cx="6858000" cy="9144000"/>
@@ -566,6 +567,107 @@
       <p:sp>
         <p:nvSpPr>
           <p:cNvPr id="182" name="Shape 182"/>
+          <p:cNvSpPr txBox="1">
+            <a:spLocks noGrp="1"/>
+          </p:cNvSpPr>
+          <p:nvPr>
+            <p:ph type="body" idx="1"/>
+          </p:nvPr>
+        </p:nvSpPr>
+        <p:spPr>
+          <a:xfrm>
+            <a:off x="685800" y="4343400"/>
+            <a:ext cx="5486400" cy="4114800"/>
+          </a:xfrm>
+          <a:prstGeom prst="rect">
+            <a:avLst/>
+          </a:prstGeom>
+        </p:spPr>
+        <p:txBody>
+          <a:bodyPr wrap="square" lIns="91425" tIns="91425" rIns="91425" bIns="91425" anchor="t" anchorCtr="0">
+            <a:noAutofit/>
+          </a:bodyPr>
+          <a:lstStyle/>
+          <a:p>
+            <a:pPr lvl="0">
+              <a:spcBef>
+                <a:spcPts val="0"/>
+              </a:spcBef>
+              <a:buNone/>
+            </a:pPr>
+            <a:endParaRPr/>
+          </a:p>
+        </p:txBody>
+      </p:sp>
+    </p:spTree>
+  </p:cSld>
+  <p:clrMapOvr>
+    <a:masterClrMapping/>
+  </p:clrMapOvr>
+</p:notes>
+</file>
+
+<file path=ppt/notesSlides/notesSlide10.xml><?xml version="1.0" encoding="utf-8"?>
+<p:notes xmlns:a="http://schemas.openxmlformats.org/drawingml/2006/main" xmlns:r="http://schemas.openxmlformats.org/officeDocument/2006/relationships" xmlns:p="http://schemas.openxmlformats.org/presentationml/2006/main" showMasterSp="0" showMasterPhAnim="0">
+  <p:cSld>
+    <p:spTree>
+      <p:nvGrpSpPr>
+        <p:cNvPr id="1" name="Shape 185"/>
+        <p:cNvGrpSpPr/>
+        <p:nvPr/>
+      </p:nvGrpSpPr>
+      <p:grpSpPr>
+        <a:xfrm>
+          <a:off x="0" y="0"/>
+          <a:ext cx="0" cy="0"/>
+          <a:chOff x="0" y="0"/>
+          <a:chExt cx="0" cy="0"/>
+        </a:xfrm>
+      </p:grpSpPr>
+      <p:sp>
+        <p:nvSpPr>
+          <p:cNvPr id="186" name="Shape 186"/>
+          <p:cNvSpPr>
+            <a:spLocks noGrp="1" noRot="1" noChangeAspect="1"/>
+          </p:cNvSpPr>
+          <p:nvPr>
+            <p:ph type="sldImg" idx="2"/>
+          </p:nvPr>
+        </p:nvSpPr>
+        <p:spPr>
+          <a:xfrm>
+            <a:off x="381000" y="685800"/>
+            <a:ext cx="6096000" cy="3429000"/>
+          </a:xfrm>
+          <a:custGeom>
+            <a:avLst/>
+            <a:gdLst/>
+            <a:ahLst/>
+            <a:cxnLst/>
+            <a:rect l="0" t="0" r="0" b="0"/>
+            <a:pathLst>
+              <a:path w="120000" h="120000" extrusionOk="0">
+                <a:moveTo>
+                  <a:pt x="0" y="0"/>
+                </a:moveTo>
+                <a:lnTo>
+                  <a:pt x="120000" y="0"/>
+                </a:lnTo>
+                <a:lnTo>
+                  <a:pt x="120000" y="120000"/>
+                </a:lnTo>
+                <a:lnTo>
+                  <a:pt x="0" y="120000"/>
+                </a:lnTo>
+                <a:close/>
+              </a:path>
+            </a:pathLst>
+          </a:custGeom>
+        </p:spPr>
+      </p:sp>
+      <p:sp>
+        <p:nvSpPr>
+          <p:cNvPr id="187" name="Shape 187"/>
           <p:cNvSpPr txBox="1">
             <a:spLocks noGrp="1"/>
           </p:cNvSpPr>
@@ -4087,6 +4189,268 @@
 </p:sld>
 </file>
 
+<file path=ppt/slides/slide10.xml><?xml version="1.0" encoding="utf-8"?>
+<p:sld xmlns:a="http://schemas.openxmlformats.org/drawingml/2006/main" xmlns:r="http://schemas.openxmlformats.org/officeDocument/2006/relationships" xmlns:p="http://schemas.openxmlformats.org/presentationml/2006/main">
+  <p:cSld>
+    <p:spTree>
+      <p:nvGrpSpPr>
+        <p:cNvPr id="1" name="Shape 188"/>
+        <p:cNvGrpSpPr/>
+        <p:nvPr/>
+      </p:nvGrpSpPr>
+      <p:grpSpPr>
+        <a:xfrm>
+          <a:off x="0" y="0"/>
+          <a:ext cx="0" cy="0"/>
+          <a:chOff x="0" y="0"/>
+          <a:chExt cx="0" cy="0"/>
+        </a:xfrm>
+      </p:grpSpPr>
+      <p:sp>
+        <p:nvSpPr>
+          <p:cNvPr id="189" name="Shape 189"/>
+          <p:cNvSpPr txBox="1">
+            <a:spLocks noGrp="1"/>
+          </p:cNvSpPr>
+          <p:nvPr>
+            <p:ph type="title"/>
+          </p:nvPr>
+        </p:nvSpPr>
+        <p:spPr>
+          <a:xfrm>
+            <a:off x="814275" y="392575"/>
+            <a:ext cx="5258400" cy="766200"/>
+          </a:xfrm>
+          <a:prstGeom prst="rect">
+            <a:avLst/>
+          </a:prstGeom>
+        </p:spPr>
+        <p:txBody>
+          <a:bodyPr wrap="square" lIns="91425" tIns="91425" rIns="91425" bIns="91425" anchor="ctr" anchorCtr="0">
+            <a:noAutofit/>
+          </a:bodyPr>
+          <a:lstStyle/>
+          <a:p>
+            <a:pPr lvl="0" rtl="0">
+              <a:spcBef>
+                <a:spcPts val="0"/>
+              </a:spcBef>
+              <a:buNone/>
+            </a:pPr>
+            <a:r>
+              <a:rPr lang="en-US" dirty="0" smtClean="0"/>
+              <a:t>Comprehensive Lab</a:t>
+            </a:r>
+            <a:endParaRPr lang="en" dirty="0"/>
+          </a:p>
+        </p:txBody>
+      </p:sp>
+      <p:sp>
+        <p:nvSpPr>
+          <p:cNvPr id="192" name="Shape 192"/>
+          <p:cNvSpPr txBox="1">
+            <a:spLocks noGrp="1"/>
+          </p:cNvSpPr>
+          <p:nvPr>
+            <p:ph type="sldNum" idx="12"/>
+          </p:nvPr>
+        </p:nvSpPr>
+        <p:spPr>
+          <a:xfrm>
+            <a:off x="7618000" y="4636500"/>
+            <a:ext cx="1487400" cy="315600"/>
+          </a:xfrm>
+          <a:prstGeom prst="rect">
+            <a:avLst/>
+          </a:prstGeom>
+        </p:spPr>
+        <p:txBody>
+          <a:bodyPr wrap="square" lIns="91425" tIns="91425" rIns="91425" bIns="91425" anchor="ctr" anchorCtr="0">
+            <a:noAutofit/>
+          </a:bodyPr>
+          <a:lstStyle/>
+          <a:p>
+            <a:pPr lvl="0">
+              <a:spcBef>
+                <a:spcPts val="0"/>
+              </a:spcBef>
+              <a:buNone/>
+            </a:pPr>
+            <a:fld id="{00000000-1234-1234-1234-123412341234}" type="slidenum">
+              <a:rPr lang="en"/>
+              <a:t>10</a:t>
+            </a:fld>
+            <a:endParaRPr lang="en"/>
+          </a:p>
+        </p:txBody>
+      </p:sp>
+      <p:pic>
+        <p:nvPicPr>
+          <p:cNvPr id="2" name="Picture 1" descr="Rx_Logo_M.png"/>
+          <p:cNvPicPr>
+            <a:picLocks noChangeAspect="1"/>
+          </p:cNvPicPr>
+          <p:nvPr/>
+        </p:nvPicPr>
+        <p:blipFill>
+          <a:blip r:embed="rId3">
+            <a:extLst>
+              <a:ext uri="{28A0092B-C50C-407E-A947-70E740481C1C}">
+                <a14:useLocalDpi xmlns:a14="http://schemas.microsoft.com/office/drawing/2010/main" val="0"/>
+              </a:ext>
+            </a:extLst>
+          </a:blip>
+          <a:stretch>
+            <a:fillRect/>
+          </a:stretch>
+        </p:blipFill>
+        <p:spPr>
+          <a:xfrm>
+            <a:off x="151129" y="442005"/>
+            <a:ext cx="663146" cy="663146"/>
+          </a:xfrm>
+          <a:prstGeom prst="rect">
+            <a:avLst/>
+          </a:prstGeom>
+        </p:spPr>
+      </p:pic>
+      <p:sp>
+        <p:nvSpPr>
+          <p:cNvPr id="6" name="Shape 237"/>
+          <p:cNvSpPr txBox="1">
+            <a:spLocks noGrp="1"/>
+          </p:cNvSpPr>
+          <p:nvPr>
+            <p:ph type="body" idx="1"/>
+          </p:nvPr>
+        </p:nvSpPr>
+        <p:spPr>
+          <a:xfrm>
+            <a:off x="814274" y="1475320"/>
+            <a:ext cx="6941095" cy="2526036"/>
+          </a:xfrm>
+          <a:prstGeom prst="rect">
+            <a:avLst/>
+          </a:prstGeom>
+        </p:spPr>
+        <p:txBody>
+          <a:bodyPr wrap="square" lIns="91425" tIns="91425" rIns="91425" bIns="91425" anchor="ctr" anchorCtr="0">
+            <a:noAutofit/>
+          </a:bodyPr>
+          <a:lstStyle/>
+          <a:p>
+            <a:pPr>
+              <a:buNone/>
+            </a:pPr>
+            <a:r>
+              <a:rPr lang="en-US" b="1" dirty="0"/>
+              <a:t>Observable </a:t>
+            </a:r>
+            <a:endParaRPr lang="en-US" dirty="0"/>
+          </a:p>
+          <a:p>
+            <a:r>
+              <a:rPr lang="en-US" dirty="0" smtClean="0"/>
+              <a:t> Create login and get profile observables</a:t>
+            </a:r>
+          </a:p>
+          <a:p>
+            <a:pPr>
+              <a:buNone/>
+            </a:pPr>
+            <a:r>
+              <a:rPr lang="en-US" b="1" dirty="0" smtClean="0"/>
+              <a:t>Sequential Call</a:t>
+            </a:r>
+            <a:r>
+              <a:rPr lang="en-US" dirty="0" smtClean="0"/>
+              <a:t> </a:t>
+            </a:r>
+            <a:r>
+              <a:rPr lang="mr-IN" dirty="0" smtClean="0"/>
+              <a:t>–</a:t>
+            </a:r>
+            <a:r>
+              <a:rPr lang="en-US" dirty="0" smtClean="0"/>
+              <a:t> Two Observables</a:t>
+            </a:r>
+          </a:p>
+          <a:p>
+            <a:pPr>
+              <a:buNone/>
+            </a:pPr>
+            <a:r>
+              <a:rPr lang="en-US" b="1" dirty="0" err="1" smtClean="0"/>
+              <a:t>RxCocoa</a:t>
+            </a:r>
+            <a:r>
+              <a:rPr lang="en-US" b="1" dirty="0" smtClean="0"/>
+              <a:t> UI Binding</a:t>
+            </a:r>
+            <a:r>
+              <a:rPr lang="en-US" dirty="0" smtClean="0"/>
+              <a:t> </a:t>
+            </a:r>
+            <a:r>
+              <a:rPr lang="mr-IN" dirty="0" smtClean="0"/>
+              <a:t>–</a:t>
+            </a:r>
+            <a:r>
+              <a:rPr lang="en-US" dirty="0" smtClean="0"/>
+              <a:t> button, </a:t>
+            </a:r>
+            <a:r>
+              <a:rPr lang="en-US" dirty="0" err="1" smtClean="0"/>
+              <a:t>textfield</a:t>
+            </a:r>
+            <a:r>
+              <a:rPr lang="en-US" dirty="0" smtClean="0"/>
+              <a:t>, </a:t>
+            </a:r>
+            <a:r>
+              <a:rPr lang="en-US" dirty="0" err="1" smtClean="0"/>
+              <a:t>TableView</a:t>
+            </a:r>
+            <a:endParaRPr lang="en-US" dirty="0" smtClean="0"/>
+          </a:p>
+          <a:p>
+            <a:pPr>
+              <a:buNone/>
+            </a:pPr>
+            <a:r>
+              <a:rPr lang="en-US" b="1" dirty="0" smtClean="0"/>
+              <a:t>Subject, Relay</a:t>
+            </a:r>
+            <a:endParaRPr lang="en-US" dirty="0"/>
+          </a:p>
+          <a:p>
+            <a:pPr>
+              <a:buNone/>
+            </a:pPr>
+            <a:endParaRPr lang="en-US" dirty="0"/>
+          </a:p>
+        </p:txBody>
+      </p:sp>
+    </p:spTree>
+    <p:extLst>
+      <p:ext uri="{BB962C8B-B14F-4D97-AF65-F5344CB8AC3E}">
+        <p14:creationId xmlns:p14="http://schemas.microsoft.com/office/powerpoint/2010/main" val="2777061132"/>
+      </p:ext>
+    </p:extLst>
+  </p:cSld>
+  <p:clrMapOvr>
+    <a:masterClrMapping/>
+  </p:clrMapOvr>
+  <p:timing>
+    <p:tnLst>
+      <p:par>
+        <p:cTn xmlns:p14="http://schemas.microsoft.com/office/powerpoint/2010/main" id="1" dur="indefinite" restart="never" nodeType="tmRoot"/>
+      </p:par>
+    </p:tnLst>
+  </p:timing>
+</p:sld>
+</file>
+
 <file path=ppt/slides/slide2.xml><?xml version="1.0" encoding="utf-8"?>
 <p:sld xmlns:a="http://schemas.openxmlformats.org/drawingml/2006/main" xmlns:r="http://schemas.openxmlformats.org/officeDocument/2006/relationships" xmlns:p="http://schemas.openxmlformats.org/presentationml/2006/main">
   <p:cSld>
@@ -4251,11 +4615,7 @@
             </a:r>
             <a:r>
               <a:rPr lang="en-US" dirty="0" smtClean="0"/>
-              <a:t> Observable, Operator (Filter, Transform, Combine</a:t>
-            </a:r>
-            <a:r>
-              <a:rPr lang="en-US" dirty="0" smtClean="0"/>
-              <a:t>)</a:t>
+              <a:t> Observable, Operator (Filter, Transform, Combine)</a:t>
             </a:r>
             <a:endParaRPr lang="en-US" b="1" dirty="0" smtClean="0"/>
           </a:p>
@@ -4333,11 +4693,7 @@
             </a:r>
             <a:r>
               <a:rPr lang="en-US" dirty="0" smtClean="0"/>
-              <a:t> (Button</a:t>
-            </a:r>
-            <a:r>
-              <a:rPr lang="en-US" dirty="0" smtClean="0"/>
-              <a:t>)</a:t>
+              <a:t> (Button)</a:t>
             </a:r>
             <a:endParaRPr lang="en-US" b="1" dirty="0"/>
           </a:p>
@@ -4360,11 +4716,7 @@
             </a:r>
             <a:r>
               <a:rPr lang="en-US" dirty="0" smtClean="0"/>
-              <a:t>Sequential, Merged Observable </a:t>
-            </a:r>
-            <a:r>
-              <a:rPr lang="en-US" dirty="0" smtClean="0"/>
-              <a:t>Calls</a:t>
+              <a:t>Sequential, Merged Observable Calls</a:t>
             </a:r>
             <a:endParaRPr lang="en-US" b="1" dirty="0"/>
           </a:p>
@@ -4486,7 +4838,11 @@
             </a:pPr>
             <a:r>
               <a:rPr lang="en-US" dirty="0" smtClean="0"/>
-              <a:t>Simple Table View</a:t>
+              <a:t>Advanced </a:t>
+            </a:r>
+            <a:r>
+              <a:rPr lang="en-US" dirty="0" err="1" smtClean="0"/>
+              <a:t>RxSwift</a:t>
             </a:r>
             <a:endParaRPr lang="en" dirty="0"/>
           </a:p>
@@ -4561,40 +4917,223 @@
           </a:prstGeom>
         </p:spPr>
       </p:pic>
-      <p:pic>
-        <p:nvPicPr>
-          <p:cNvPr id="4" name="Picture 3" descr="Screen Shot 2018-05-15 at 9.01.40 PM.png"/>
-          <p:cNvPicPr>
-            <a:picLocks noChangeAspect="1"/>
-          </p:cNvPicPr>
-          <p:nvPr/>
-        </p:nvPicPr>
-        <p:blipFill>
-          <a:blip r:embed="rId4">
-            <a:extLst>
-              <a:ext uri="{28A0092B-C50C-407E-A947-70E740481C1C}">
-                <a14:useLocalDpi xmlns:a14="http://schemas.microsoft.com/office/drawing/2010/main" val="0"/>
-              </a:ext>
-            </a:extLst>
-          </a:blip>
-          <a:stretch>
-            <a:fillRect/>
-          </a:stretch>
-        </p:blipFill>
-        <p:spPr>
-          <a:xfrm>
-            <a:off x="519211" y="1315525"/>
-            <a:ext cx="8067648" cy="3251938"/>
+      <p:sp>
+        <p:nvSpPr>
+          <p:cNvPr id="9" name="Shape 237"/>
+          <p:cNvSpPr txBox="1">
+            <a:spLocks noGrp="1"/>
+          </p:cNvSpPr>
+          <p:nvPr>
+            <p:ph type="body" idx="1"/>
+          </p:nvPr>
+        </p:nvSpPr>
+        <p:spPr>
+          <a:xfrm>
+            <a:off x="151130" y="1650424"/>
+            <a:ext cx="8891026" cy="2862119"/>
           </a:xfrm>
           <a:prstGeom prst="rect">
             <a:avLst/>
           </a:prstGeom>
         </p:spPr>
-      </p:pic>
+        <p:txBody>
+          <a:bodyPr wrap="square" lIns="91425" tIns="91425" rIns="91425" bIns="91425" anchor="ctr" anchorCtr="0">
+            <a:noAutofit/>
+          </a:bodyPr>
+          <a:lstStyle/>
+          <a:p>
+            <a:r>
+              <a:rPr lang="en-US" dirty="0" smtClean="0"/>
+              <a:t>Day </a:t>
+            </a:r>
+            <a:r>
+              <a:rPr lang="en-US" dirty="0" smtClean="0"/>
+              <a:t>1 </a:t>
+            </a:r>
+            <a:r>
+              <a:rPr lang="mr-IN" dirty="0" smtClean="0"/>
+              <a:t>–</a:t>
+            </a:r>
+            <a:r>
+              <a:rPr lang="en-US" dirty="0" smtClean="0"/>
+              <a:t> Protocol-Oriented Programming, Protocol Extension, </a:t>
+            </a:r>
+            <a:r>
+              <a:rPr lang="en-US" dirty="0" err="1" smtClean="0"/>
+              <a:t>Associatetype</a:t>
+            </a:r>
+            <a:endParaRPr lang="en-US" dirty="0" smtClean="0"/>
+          </a:p>
+          <a:p>
+            <a:r>
+              <a:rPr lang="en-US" dirty="0"/>
+              <a:t>Day </a:t>
+            </a:r>
+            <a:r>
+              <a:rPr lang="en-US" dirty="0" smtClean="0"/>
+              <a:t>2 </a:t>
+            </a:r>
+            <a:r>
+              <a:rPr lang="mr-IN" dirty="0"/>
+              <a:t>–</a:t>
+            </a:r>
+            <a:r>
+              <a:rPr lang="en-US" dirty="0"/>
+              <a:t> </a:t>
+            </a:r>
+            <a:r>
+              <a:rPr lang="en-US" dirty="0" smtClean="0"/>
+              <a:t>Network Call, Generic </a:t>
+            </a:r>
+            <a:r>
+              <a:rPr lang="en-US" dirty="0" err="1" smtClean="0"/>
+              <a:t>Enum</a:t>
+            </a:r>
+            <a:endParaRPr lang="en-US" dirty="0"/>
+          </a:p>
+          <a:p>
+            <a:r>
+              <a:rPr lang="en-US" dirty="0"/>
+              <a:t>Day </a:t>
+            </a:r>
+            <a:r>
+              <a:rPr lang="en-US" dirty="0" smtClean="0"/>
+              <a:t>3 </a:t>
+            </a:r>
+            <a:r>
+              <a:rPr lang="mr-IN" dirty="0"/>
+              <a:t>–</a:t>
+            </a:r>
+            <a:r>
+              <a:rPr lang="en-US" dirty="0"/>
+              <a:t> </a:t>
+            </a:r>
+            <a:r>
+              <a:rPr lang="en-US" dirty="0" smtClean="0"/>
+              <a:t>Binding Track Activity (show / hide ‘Loading’ )</a:t>
+            </a:r>
+            <a:endParaRPr lang="en-US" dirty="0"/>
+          </a:p>
+          <a:p>
+            <a:r>
+              <a:rPr lang="en-US" dirty="0"/>
+              <a:t>Day </a:t>
+            </a:r>
+            <a:r>
+              <a:rPr lang="en-US" dirty="0" smtClean="0"/>
+              <a:t>4 </a:t>
+            </a:r>
+            <a:r>
+              <a:rPr lang="mr-IN" dirty="0"/>
+              <a:t>–</a:t>
+            </a:r>
+            <a:r>
+              <a:rPr lang="en-US" dirty="0"/>
+              <a:t> </a:t>
+            </a:r>
+            <a:r>
+              <a:rPr lang="en-US" dirty="0" smtClean="0"/>
+              <a:t>Advanced </a:t>
+            </a:r>
+            <a:r>
+              <a:rPr lang="en-US" dirty="0" err="1" smtClean="0"/>
+              <a:t>Tab</a:t>
+            </a:r>
+            <a:r>
+              <a:rPr lang="en-US" dirty="0" err="1" smtClean="0"/>
+              <a:t>leView</a:t>
+            </a:r>
+            <a:r>
+              <a:rPr lang="en-US" dirty="0" smtClean="0"/>
+              <a:t> - </a:t>
+            </a:r>
+            <a:r>
+              <a:rPr lang="en-US" dirty="0" err="1" smtClean="0"/>
+              <a:t>RxDataSources</a:t>
+            </a:r>
+            <a:endParaRPr lang="en-US" dirty="0"/>
+          </a:p>
+          <a:p>
+            <a:r>
+              <a:rPr lang="en-US" dirty="0"/>
+              <a:t>Day </a:t>
+            </a:r>
+            <a:r>
+              <a:rPr lang="en-US" dirty="0" smtClean="0"/>
+              <a:t>5 </a:t>
+            </a:r>
+            <a:r>
+              <a:rPr lang="mr-IN" dirty="0"/>
+              <a:t>–</a:t>
+            </a:r>
+            <a:r>
+              <a:rPr lang="en-US" dirty="0"/>
+              <a:t> </a:t>
+            </a:r>
+            <a:r>
+              <a:rPr lang="en-US" dirty="0" smtClean="0"/>
+              <a:t>Schedu</a:t>
+            </a:r>
+            <a:r>
+              <a:rPr lang="en-US" dirty="0" smtClean="0"/>
+              <a:t>lers (</a:t>
+            </a:r>
+            <a:r>
+              <a:rPr lang="en-US" dirty="0" err="1" smtClean="0"/>
+              <a:t>observeOn</a:t>
+            </a:r>
+            <a:r>
+              <a:rPr lang="en-US" dirty="0" smtClean="0"/>
+              <a:t>, </a:t>
+            </a:r>
+            <a:r>
+              <a:rPr lang="en-US" dirty="0" err="1" smtClean="0"/>
+              <a:t>subscribeOn</a:t>
+            </a:r>
+            <a:r>
+              <a:rPr lang="en-US" dirty="0" smtClean="0"/>
+              <a:t>), </a:t>
+            </a:r>
+          </a:p>
+          <a:p>
+            <a:pPr lvl="1">
+              <a:buNone/>
+            </a:pPr>
+            <a:r>
+              <a:rPr lang="en-US" dirty="0"/>
+              <a:t>	</a:t>
+            </a:r>
+            <a:r>
+              <a:rPr lang="en-US" dirty="0" smtClean="0"/>
+              <a:t>	Unit Test (</a:t>
+            </a:r>
+            <a:r>
+              <a:rPr lang="en-US" dirty="0" err="1" smtClean="0"/>
+              <a:t>RxTest</a:t>
+            </a:r>
+            <a:r>
+              <a:rPr lang="en-US" dirty="0" smtClean="0"/>
+              <a:t>, </a:t>
+            </a:r>
+            <a:r>
+              <a:rPr lang="en-US" dirty="0" err="1" smtClean="0"/>
+              <a:t>RxBlocking</a:t>
+            </a:r>
+            <a:r>
+              <a:rPr lang="en-US" dirty="0" smtClean="0"/>
+              <a:t>)</a:t>
+            </a:r>
+            <a:endParaRPr lang="en-US" dirty="0"/>
+          </a:p>
+          <a:p>
+            <a:endParaRPr lang="en-US" dirty="0" smtClean="0"/>
+          </a:p>
+        </p:txBody>
+      </p:sp>
     </p:spTree>
     <p:extLst>
       <p:ext uri="{BB962C8B-B14F-4D97-AF65-F5344CB8AC3E}">
-        <p14:creationId xmlns:p14="http://schemas.microsoft.com/office/powerpoint/2010/main" val="1094205102"/>
+        <p14:creationId xmlns:p14="http://schemas.microsoft.com/office/powerpoint/2010/main" val="1787829413"/>
       </p:ext>
     </p:extLst>
   </p:cSld>
@@ -4630,6 +5169,45 @@
       </p:grpSpPr>
       <p:sp>
         <p:nvSpPr>
+          <p:cNvPr id="189" name="Shape 189"/>
+          <p:cNvSpPr txBox="1">
+            <a:spLocks noGrp="1"/>
+          </p:cNvSpPr>
+          <p:nvPr>
+            <p:ph type="title"/>
+          </p:nvPr>
+        </p:nvSpPr>
+        <p:spPr>
+          <a:xfrm>
+            <a:off x="814275" y="392575"/>
+            <a:ext cx="5258400" cy="766200"/>
+          </a:xfrm>
+          <a:prstGeom prst="rect">
+            <a:avLst/>
+          </a:prstGeom>
+        </p:spPr>
+        <p:txBody>
+          <a:bodyPr wrap="square" lIns="91425" tIns="91425" rIns="91425" bIns="91425" anchor="ctr" anchorCtr="0">
+            <a:noAutofit/>
+          </a:bodyPr>
+          <a:lstStyle/>
+          <a:p>
+            <a:pPr lvl="0" rtl="0">
+              <a:spcBef>
+                <a:spcPts val="0"/>
+              </a:spcBef>
+              <a:buNone/>
+            </a:pPr>
+            <a:r>
+              <a:rPr lang="en-US" dirty="0" smtClean="0"/>
+              <a:t>Simple Table View</a:t>
+            </a:r>
+            <a:endParaRPr lang="en" dirty="0"/>
+          </a:p>
+        </p:txBody>
+      </p:sp>
+      <p:sp>
+        <p:nvSpPr>
           <p:cNvPr id="192" name="Shape 192"/>
           <p:cNvSpPr txBox="1">
             <a:spLocks noGrp="1"/>
@@ -4699,7 +5277,7 @@
       </p:pic>
       <p:pic>
         <p:nvPicPr>
-          <p:cNvPr id="3" name="Picture 2" descr="Screen Shot 2018-05-15 at 9.09.24 PM.png"/>
+          <p:cNvPr id="4" name="Picture 3" descr="Screen Shot 2018-05-15 at 9.01.40 PM.png"/>
           <p:cNvPicPr>
             <a:picLocks noChangeAspect="1"/>
           </p:cNvPicPr>
@@ -4719,57 +5297,18 @@
         </p:blipFill>
         <p:spPr>
           <a:xfrm>
-            <a:off x="623047" y="1804582"/>
-            <a:ext cx="4792662" cy="1597554"/>
+            <a:off x="519211" y="1315525"/>
+            <a:ext cx="8067648" cy="3251938"/>
           </a:xfrm>
           <a:prstGeom prst="rect">
             <a:avLst/>
           </a:prstGeom>
         </p:spPr>
       </p:pic>
-      <p:sp>
-        <p:nvSpPr>
-          <p:cNvPr id="8" name="Shape 189"/>
-          <p:cNvSpPr txBox="1">
-            <a:spLocks noGrp="1"/>
-          </p:cNvSpPr>
-          <p:nvPr>
-            <p:ph type="title"/>
-          </p:nvPr>
-        </p:nvSpPr>
-        <p:spPr>
-          <a:xfrm>
-            <a:off x="814275" y="392575"/>
-            <a:ext cx="5258400" cy="766200"/>
-          </a:xfrm>
-          <a:prstGeom prst="rect">
-            <a:avLst/>
-          </a:prstGeom>
-        </p:spPr>
-        <p:txBody>
-          <a:bodyPr wrap="square" lIns="91425" tIns="91425" rIns="91425" bIns="91425" anchor="ctr" anchorCtr="0">
-            <a:noAutofit/>
-          </a:bodyPr>
-          <a:lstStyle/>
-          <a:p>
-            <a:pPr lvl="0" rtl="0">
-              <a:spcBef>
-                <a:spcPts val="0"/>
-              </a:spcBef>
-              <a:buNone/>
-            </a:pPr>
-            <a:r>
-              <a:rPr lang="en-US" dirty="0" smtClean="0"/>
-              <a:t>Simple Table View</a:t>
-            </a:r>
-            <a:endParaRPr lang="en" dirty="0"/>
-          </a:p>
-        </p:txBody>
-      </p:sp>
     </p:spTree>
     <p:extLst>
       <p:ext uri="{BB962C8B-B14F-4D97-AF65-F5344CB8AC3E}">
-        <p14:creationId xmlns:p14="http://schemas.microsoft.com/office/powerpoint/2010/main" val="4217794321"/>
+        <p14:creationId xmlns:p14="http://schemas.microsoft.com/office/powerpoint/2010/main" val="1094205102"/>
       </p:ext>
     </p:extLst>
   </p:cSld>
@@ -4805,53 +5344,6 @@
       </p:grpSpPr>
       <p:sp>
         <p:nvSpPr>
-          <p:cNvPr id="189" name="Shape 189"/>
-          <p:cNvSpPr txBox="1">
-            <a:spLocks noGrp="1"/>
-          </p:cNvSpPr>
-          <p:nvPr>
-            <p:ph type="title"/>
-          </p:nvPr>
-        </p:nvSpPr>
-        <p:spPr>
-          <a:xfrm>
-            <a:off x="814275" y="392575"/>
-            <a:ext cx="5258400" cy="766200"/>
-          </a:xfrm>
-          <a:prstGeom prst="rect">
-            <a:avLst/>
-          </a:prstGeom>
-        </p:spPr>
-        <p:txBody>
-          <a:bodyPr wrap="square" lIns="91425" tIns="91425" rIns="91425" bIns="91425" anchor="ctr" anchorCtr="0">
-            <a:noAutofit/>
-          </a:bodyPr>
-          <a:lstStyle/>
-          <a:p>
-            <a:pPr lvl="0" rtl="0">
-              <a:spcBef>
-                <a:spcPts val="0"/>
-              </a:spcBef>
-              <a:buNone/>
-            </a:pPr>
-            <a:r>
-              <a:rPr lang="en-US" dirty="0" smtClean="0"/>
-              <a:t>Table View </a:t>
-            </a:r>
-            <a:r>
-              <a:rPr lang="mr-IN" dirty="0" smtClean="0"/>
-              <a:t>–</a:t>
-            </a:r>
-            <a:r>
-              <a:rPr lang="en-US" dirty="0" smtClean="0"/>
-              <a:t> Multi Cell</a:t>
-            </a:r>
-            <a:endParaRPr lang="en" dirty="0"/>
-          </a:p>
-        </p:txBody>
-      </p:sp>
-      <p:sp>
-        <p:nvSpPr>
           <p:cNvPr id="192" name="Shape 192"/>
           <p:cNvSpPr txBox="1">
             <a:spLocks noGrp="1"/>
@@ -4921,7 +5413,7 @@
       </p:pic>
       <p:pic>
         <p:nvPicPr>
-          <p:cNvPr id="4" name="Picture 3" descr="Screen Shot 2018-05-15 at 9.26.47 PM.png"/>
+          <p:cNvPr id="3" name="Picture 2" descr="Screen Shot 2018-05-15 at 9.09.24 PM.png"/>
           <p:cNvPicPr>
             <a:picLocks noChangeAspect="1"/>
           </p:cNvPicPr>
@@ -4941,18 +5433,57 @@
         </p:blipFill>
         <p:spPr>
           <a:xfrm>
-            <a:off x="439328" y="1364472"/>
-            <a:ext cx="8307281" cy="3040241"/>
+            <a:off x="623047" y="1804582"/>
+            <a:ext cx="4792662" cy="1597554"/>
           </a:xfrm>
           <a:prstGeom prst="rect">
             <a:avLst/>
           </a:prstGeom>
         </p:spPr>
       </p:pic>
+      <p:sp>
+        <p:nvSpPr>
+          <p:cNvPr id="8" name="Shape 189"/>
+          <p:cNvSpPr txBox="1">
+            <a:spLocks noGrp="1"/>
+          </p:cNvSpPr>
+          <p:nvPr>
+            <p:ph type="title"/>
+          </p:nvPr>
+        </p:nvSpPr>
+        <p:spPr>
+          <a:xfrm>
+            <a:off x="814275" y="392575"/>
+            <a:ext cx="5258400" cy="766200"/>
+          </a:xfrm>
+          <a:prstGeom prst="rect">
+            <a:avLst/>
+          </a:prstGeom>
+        </p:spPr>
+        <p:txBody>
+          <a:bodyPr wrap="square" lIns="91425" tIns="91425" rIns="91425" bIns="91425" anchor="ctr" anchorCtr="0">
+            <a:noAutofit/>
+          </a:bodyPr>
+          <a:lstStyle/>
+          <a:p>
+            <a:pPr lvl="0" rtl="0">
+              <a:spcBef>
+                <a:spcPts val="0"/>
+              </a:spcBef>
+              <a:buNone/>
+            </a:pPr>
+            <a:r>
+              <a:rPr lang="en-US" dirty="0" smtClean="0"/>
+              <a:t>Simple Table View</a:t>
+            </a:r>
+            <a:endParaRPr lang="en" dirty="0"/>
+          </a:p>
+        </p:txBody>
+      </p:sp>
     </p:spTree>
     <p:extLst>
       <p:ext uri="{BB962C8B-B14F-4D97-AF65-F5344CB8AC3E}">
-        <p14:creationId xmlns:p14="http://schemas.microsoft.com/office/powerpoint/2010/main" val="3571006454"/>
+        <p14:creationId xmlns:p14="http://schemas.microsoft.com/office/powerpoint/2010/main" val="4217794321"/>
       </p:ext>
     </p:extLst>
   </p:cSld>
@@ -5011,17 +5542,22 @@
           </a:bodyPr>
           <a:lstStyle/>
           <a:p>
-            <a:pPr lvl="0"/>
-            <a:r>
-              <a:rPr lang="en-US" dirty="0"/>
+            <a:pPr lvl="0" rtl="0">
+              <a:spcBef>
+                <a:spcPts val="0"/>
+              </a:spcBef>
+              <a:buNone/>
+            </a:pPr>
+            <a:r>
+              <a:rPr lang="en-US" dirty="0" smtClean="0"/>
               <a:t>Table View </a:t>
             </a:r>
             <a:r>
-              <a:rPr lang="mr-IN" dirty="0"/>
+              <a:rPr lang="mr-IN" dirty="0" smtClean="0"/>
               <a:t>–</a:t>
             </a:r>
             <a:r>
-              <a:rPr lang="en-US" dirty="0"/>
+              <a:rPr lang="en-US" dirty="0" smtClean="0"/>
               <a:t> Multi Cell</a:t>
             </a:r>
             <a:endParaRPr lang="en" dirty="0"/>
@@ -5099,7 +5635,7 @@
       </p:pic>
       <p:pic>
         <p:nvPicPr>
-          <p:cNvPr id="4" name="Picture 3" descr="Screen Shot 2018-05-15 at 9.49.12 PM.png"/>
+          <p:cNvPr id="4" name="Picture 3" descr="Screen Shot 2018-05-15 at 9.26.47 PM.png"/>
           <p:cNvPicPr>
             <a:picLocks noChangeAspect="1"/>
           </p:cNvPicPr>
@@ -5119,38 +5655,8 @@
         </p:blipFill>
         <p:spPr>
           <a:xfrm>
-            <a:off x="15977" y="1355670"/>
-            <a:ext cx="7492528" cy="686949"/>
-          </a:xfrm>
-          <a:prstGeom prst="rect">
-            <a:avLst/>
-          </a:prstGeom>
-        </p:spPr>
-      </p:pic>
-      <p:pic>
-        <p:nvPicPr>
-          <p:cNvPr id="5" name="Picture 4" descr="Screen Shot 2018-05-15 at 9.49.25 PM.png"/>
-          <p:cNvPicPr>
-            <a:picLocks noChangeAspect="1"/>
-          </p:cNvPicPr>
-          <p:nvPr/>
-        </p:nvPicPr>
-        <p:blipFill>
-          <a:blip r:embed="rId5">
-            <a:extLst>
-              <a:ext uri="{28A0092B-C50C-407E-A947-70E740481C1C}">
-                <a14:useLocalDpi xmlns:a14="http://schemas.microsoft.com/office/drawing/2010/main" val="0"/>
-              </a:ext>
-            </a:extLst>
-          </a:blip>
-          <a:stretch>
-            <a:fillRect/>
-          </a:stretch>
-        </p:blipFill>
-        <p:spPr>
-          <a:xfrm>
-            <a:off x="39940" y="2042619"/>
-            <a:ext cx="7460577" cy="2772888"/>
+            <a:off x="439328" y="1364472"/>
+            <a:ext cx="8307281" cy="3040241"/>
           </a:xfrm>
           <a:prstGeom prst="rect">
             <a:avLst/>
@@ -5219,27 +5725,18 @@
           </a:bodyPr>
           <a:lstStyle/>
           <a:p>
-            <a:pPr lvl="0" rtl="0">
-              <a:spcBef>
-                <a:spcPts val="0"/>
-              </a:spcBef>
-              <a:buNone/>
-            </a:pPr>
-            <a:r>
-              <a:rPr lang="en-US" dirty="0" err="1" smtClean="0"/>
-              <a:t>TextField</a:t>
-            </a:r>
-            <a:r>
-              <a:rPr lang="en-US" dirty="0" smtClean="0"/>
-              <a:t> </a:t>
-            </a:r>
-            <a:r>
-              <a:rPr lang="mr-IN" dirty="0" smtClean="0"/>
+            <a:pPr lvl="0"/>
+            <a:r>
+              <a:rPr lang="en-US" dirty="0"/>
+              <a:t>Table View </a:t>
+            </a:r>
+            <a:r>
+              <a:rPr lang="mr-IN" dirty="0"/>
               <a:t>–</a:t>
             </a:r>
             <a:r>
-              <a:rPr lang="en-US" dirty="0" smtClean="0"/>
-              <a:t> Binding</a:t>
+              <a:rPr lang="en-US" dirty="0"/>
+              <a:t> Multi Cell</a:t>
             </a:r>
             <a:endParaRPr lang="en" dirty="0"/>
           </a:p>
@@ -5316,7 +5813,7 @@
       </p:pic>
       <p:pic>
         <p:nvPicPr>
-          <p:cNvPr id="5" name="Picture 4" descr="Screen Shot 2018-05-16 at 7.58.46 PM.png"/>
+          <p:cNvPr id="4" name="Picture 3" descr="Screen Shot 2018-05-15 at 9.49.12 PM.png"/>
           <p:cNvPicPr>
             <a:picLocks noChangeAspect="1"/>
           </p:cNvPicPr>
@@ -5336,8 +5833,8 @@
         </p:blipFill>
         <p:spPr>
           <a:xfrm>
-            <a:off x="4978400" y="1346910"/>
-            <a:ext cx="4165600" cy="3111500"/>
+            <a:off x="15977" y="1355670"/>
+            <a:ext cx="7492528" cy="686949"/>
           </a:xfrm>
           <a:prstGeom prst="rect">
             <a:avLst/>
@@ -5346,7 +5843,7 @@
       </p:pic>
       <p:pic>
         <p:nvPicPr>
-          <p:cNvPr id="4" name="Picture 3" descr="Screen Shot 2018-05-16 at 7.58.35 PM.png"/>
+          <p:cNvPr id="5" name="Picture 4" descr="Screen Shot 2018-05-15 at 9.49.25 PM.png"/>
           <p:cNvPicPr>
             <a:picLocks noChangeAspect="1"/>
           </p:cNvPicPr>
@@ -5366,8 +5863,8 @@
         </p:blipFill>
         <p:spPr>
           <a:xfrm>
-            <a:off x="0" y="1814948"/>
-            <a:ext cx="4978400" cy="1327316"/>
+            <a:off x="39940" y="2042619"/>
+            <a:ext cx="7460577" cy="2772888"/>
           </a:xfrm>
           <a:prstGeom prst="rect">
             <a:avLst/>
@@ -5377,7 +5874,7 @@
     </p:spTree>
     <p:extLst>
       <p:ext uri="{BB962C8B-B14F-4D97-AF65-F5344CB8AC3E}">
-        <p14:creationId xmlns:p14="http://schemas.microsoft.com/office/powerpoint/2010/main" val="2148075556"/>
+        <p14:creationId xmlns:p14="http://schemas.microsoft.com/office/powerpoint/2010/main" val="3571006454"/>
       </p:ext>
     </p:extLst>
   </p:cSld>
@@ -5436,21 +5933,26 @@
           </a:bodyPr>
           <a:lstStyle/>
           <a:p>
-            <a:pPr lvl="0"/>
-            <a:r>
-              <a:rPr lang="en-US" dirty="0" err="1"/>
+            <a:pPr lvl="0" rtl="0">
+              <a:spcBef>
+                <a:spcPts val="0"/>
+              </a:spcBef>
+              <a:buNone/>
+            </a:pPr>
+            <a:r>
+              <a:rPr lang="en-US" dirty="0" err="1" smtClean="0"/>
               <a:t>TextField</a:t>
             </a:r>
             <a:r>
-              <a:rPr lang="en-US" dirty="0"/>
+              <a:rPr lang="en-US" dirty="0" smtClean="0"/>
               <a:t> </a:t>
             </a:r>
             <a:r>
-              <a:rPr lang="mr-IN" dirty="0"/>
+              <a:rPr lang="mr-IN" dirty="0" smtClean="0"/>
               <a:t>–</a:t>
             </a:r>
             <a:r>
-              <a:rPr lang="en-US" dirty="0"/>
+              <a:rPr lang="en-US" dirty="0" smtClean="0"/>
               <a:t> Binding</a:t>
             </a:r>
             <a:endParaRPr lang="en" dirty="0"/>
@@ -5528,7 +6030,7 @@
       </p:pic>
       <p:pic>
         <p:nvPicPr>
-          <p:cNvPr id="4" name="Picture 3" descr="Screen Shot 2018-05-16 at 7.57.59 PM.png"/>
+          <p:cNvPr id="5" name="Picture 4" descr="Screen Shot 2018-05-16 at 7.58.46 PM.png"/>
           <p:cNvPicPr>
             <a:picLocks noChangeAspect="1"/>
           </p:cNvPicPr>
@@ -5548,8 +6050,38 @@
         </p:blipFill>
         <p:spPr>
           <a:xfrm>
-            <a:off x="0" y="1613334"/>
-            <a:ext cx="9144000" cy="2719457"/>
+            <a:off x="4978400" y="1346910"/>
+            <a:ext cx="4165600" cy="3111500"/>
+          </a:xfrm>
+          <a:prstGeom prst="rect">
+            <a:avLst/>
+          </a:prstGeom>
+        </p:spPr>
+      </p:pic>
+      <p:pic>
+        <p:nvPicPr>
+          <p:cNvPr id="4" name="Picture 3" descr="Screen Shot 2018-05-16 at 7.58.35 PM.png"/>
+          <p:cNvPicPr>
+            <a:picLocks noChangeAspect="1"/>
+          </p:cNvPicPr>
+          <p:nvPr/>
+        </p:nvPicPr>
+        <p:blipFill>
+          <a:blip r:embed="rId5">
+            <a:extLst>
+              <a:ext uri="{28A0092B-C50C-407E-A947-70E740481C1C}">
+                <a14:useLocalDpi xmlns:a14="http://schemas.microsoft.com/office/drawing/2010/main" val="0"/>
+              </a:ext>
+            </a:extLst>
+          </a:blip>
+          <a:stretch>
+            <a:fillRect/>
+          </a:stretch>
+        </p:blipFill>
+        <p:spPr>
+          <a:xfrm>
+            <a:off x="0" y="1814948"/>
+            <a:ext cx="4978400" cy="1327316"/>
           </a:xfrm>
           <a:prstGeom prst="rect">
             <a:avLst/>
@@ -5559,7 +6091,7 @@
     </p:spTree>
     <p:extLst>
       <p:ext uri="{BB962C8B-B14F-4D97-AF65-F5344CB8AC3E}">
-        <p14:creationId xmlns:p14="http://schemas.microsoft.com/office/powerpoint/2010/main" val="880534053"/>
+        <p14:creationId xmlns:p14="http://schemas.microsoft.com/office/powerpoint/2010/main" val="2148075556"/>
       </p:ext>
     </p:extLst>
   </p:cSld>
@@ -5618,15 +6150,22 @@
           </a:bodyPr>
           <a:lstStyle/>
           <a:p>
-            <a:pPr lvl="0" rtl="0">
-              <a:spcBef>
-                <a:spcPts val="0"/>
-              </a:spcBef>
-              <a:buNone/>
-            </a:pPr>
-            <a:r>
-              <a:rPr lang="en-US" dirty="0" smtClean="0"/>
-              <a:t>Comprehensive Lab</a:t>
+            <a:pPr lvl="0"/>
+            <a:r>
+              <a:rPr lang="en-US" dirty="0" err="1"/>
+              <a:t>TextField</a:t>
+            </a:r>
+            <a:r>
+              <a:rPr lang="en-US" dirty="0"/>
+              <a:t> </a:t>
+            </a:r>
+            <a:r>
+              <a:rPr lang="mr-IN" dirty="0"/>
+              <a:t>–</a:t>
+            </a:r>
+            <a:r>
+              <a:rPr lang="en-US" dirty="0"/>
+              <a:t> Binding</a:t>
             </a:r>
             <a:endParaRPr lang="en" dirty="0"/>
           </a:p>
@@ -5701,127 +6240,40 @@
           </a:prstGeom>
         </p:spPr>
       </p:pic>
-      <p:sp>
-        <p:nvSpPr>
-          <p:cNvPr id="6" name="Shape 237"/>
-          <p:cNvSpPr txBox="1">
-            <a:spLocks noGrp="1"/>
-          </p:cNvSpPr>
-          <p:nvPr>
-            <p:ph type="body" idx="1"/>
-          </p:nvPr>
-        </p:nvSpPr>
-        <p:spPr>
-          <a:xfrm>
-            <a:off x="814274" y="1475320"/>
-            <a:ext cx="6941095" cy="2526036"/>
+      <p:pic>
+        <p:nvPicPr>
+          <p:cNvPr id="4" name="Picture 3" descr="Screen Shot 2018-05-16 at 7.57.59 PM.png"/>
+          <p:cNvPicPr>
+            <a:picLocks noChangeAspect="1"/>
+          </p:cNvPicPr>
+          <p:nvPr/>
+        </p:nvPicPr>
+        <p:blipFill>
+          <a:blip r:embed="rId4">
+            <a:extLst>
+              <a:ext uri="{28A0092B-C50C-407E-A947-70E740481C1C}">
+                <a14:useLocalDpi xmlns:a14="http://schemas.microsoft.com/office/drawing/2010/main" val="0"/>
+              </a:ext>
+            </a:extLst>
+          </a:blip>
+          <a:stretch>
+            <a:fillRect/>
+          </a:stretch>
+        </p:blipFill>
+        <p:spPr>
+          <a:xfrm>
+            <a:off x="0" y="1613334"/>
+            <a:ext cx="9144000" cy="2719457"/>
           </a:xfrm>
           <a:prstGeom prst="rect">
             <a:avLst/>
           </a:prstGeom>
         </p:spPr>
-        <p:txBody>
-          <a:bodyPr wrap="square" lIns="91425" tIns="91425" rIns="91425" bIns="91425" anchor="ctr" anchorCtr="0">
-            <a:noAutofit/>
-          </a:bodyPr>
-          <a:lstStyle/>
-          <a:p>
-            <a:pPr>
-              <a:buNone/>
-            </a:pPr>
-            <a:r>
-              <a:rPr lang="en-US" b="1" dirty="0"/>
-              <a:t>Observable </a:t>
-            </a:r>
-            <a:endParaRPr lang="en-US" dirty="0"/>
-          </a:p>
-          <a:p>
-            <a:r>
-              <a:rPr lang="en-US" dirty="0" smtClean="0"/>
-              <a:t> Create login and get profile observables</a:t>
-            </a:r>
-          </a:p>
-          <a:p>
-            <a:pPr>
-              <a:buNone/>
-            </a:pPr>
-            <a:r>
-              <a:rPr lang="en-US" b="1" dirty="0" smtClean="0"/>
-              <a:t>Sequential Call</a:t>
-            </a:r>
-            <a:r>
-              <a:rPr lang="en-US" dirty="0" smtClean="0"/>
-              <a:t> </a:t>
-            </a:r>
-            <a:r>
-              <a:rPr lang="mr-IN" dirty="0" smtClean="0"/>
-              <a:t>–</a:t>
-            </a:r>
-            <a:r>
-              <a:rPr lang="en-US" dirty="0" smtClean="0"/>
-              <a:t> Two Observables</a:t>
-            </a:r>
-          </a:p>
-          <a:p>
-            <a:pPr>
-              <a:buNone/>
-            </a:pPr>
-            <a:r>
-              <a:rPr lang="en-US" b="1" dirty="0" err="1" smtClean="0"/>
-              <a:t>RxCocoa</a:t>
-            </a:r>
-            <a:r>
-              <a:rPr lang="en-US" b="1" dirty="0" smtClean="0"/>
-              <a:t> UI Binding</a:t>
-            </a:r>
-            <a:r>
-              <a:rPr lang="en-US" dirty="0" smtClean="0"/>
-              <a:t> </a:t>
-            </a:r>
-            <a:r>
-              <a:rPr lang="mr-IN" dirty="0" smtClean="0"/>
-              <a:t>–</a:t>
-            </a:r>
-            <a:r>
-              <a:rPr lang="en-US" dirty="0" smtClean="0"/>
-              <a:t> button, </a:t>
-            </a:r>
-            <a:r>
-              <a:rPr lang="en-US" dirty="0" err="1" smtClean="0"/>
-              <a:t>textfield</a:t>
-            </a:r>
-            <a:r>
-              <a:rPr lang="en-US" dirty="0" smtClean="0"/>
-              <a:t>, </a:t>
-            </a:r>
-            <a:r>
-              <a:rPr lang="en-US" dirty="0" err="1" smtClean="0"/>
-              <a:t>TableView</a:t>
-            </a:r>
-            <a:endParaRPr lang="en-US" dirty="0" smtClean="0"/>
-          </a:p>
-          <a:p>
-            <a:pPr>
-              <a:buNone/>
-            </a:pPr>
-            <a:r>
-              <a:rPr lang="en-US" b="1" dirty="0" smtClean="0"/>
-              <a:t>Subject, Relay</a:t>
-            </a:r>
-            <a:endParaRPr lang="en-US" dirty="0"/>
-          </a:p>
-          <a:p>
-            <a:pPr>
-              <a:buNone/>
-            </a:pPr>
-            <a:endParaRPr lang="en-US" dirty="0"/>
-          </a:p>
-        </p:txBody>
-      </p:sp>
+      </p:pic>
     </p:spTree>
     <p:extLst>
       <p:ext uri="{BB962C8B-B14F-4D97-AF65-F5344CB8AC3E}">
-        <p14:creationId xmlns:p14="http://schemas.microsoft.com/office/powerpoint/2010/main" val="2777061132"/>
+        <p14:creationId xmlns:p14="http://schemas.microsoft.com/office/powerpoint/2010/main" val="880534053"/>
       </p:ext>
     </p:extLst>
   </p:cSld>

--- a/RxSwiftBasics/day5/RxSwiftBasics5.pptx
+++ b/RxSwiftBasics/day5/RxSwiftBasics5.pptx
@@ -4944,11 +4944,7 @@
           <a:p>
             <a:r>
               <a:rPr lang="en-US" dirty="0" smtClean="0"/>
-              <a:t>Day </a:t>
-            </a:r>
-            <a:r>
-              <a:rPr lang="en-US" dirty="0" smtClean="0"/>
-              <a:t>1 </a:t>
+              <a:t>Day 1 </a:t>
             </a:r>
             <a:r>
               <a:rPr lang="mr-IN" dirty="0" smtClean="0"/>
@@ -5032,30 +5028,40 @@
               <a:t> </a:t>
             </a:r>
             <a:r>
-              <a:rPr lang="en-US" dirty="0" smtClean="0"/>
-              <a:t>Advanced </a:t>
-            </a:r>
-            <a:r>
-              <a:rPr lang="en-US" dirty="0" err="1" smtClean="0"/>
-              <a:t>Tab</a:t>
-            </a:r>
-            <a:r>
-              <a:rPr lang="en-US" dirty="0" err="1" smtClean="0"/>
-              <a:t>leView</a:t>
-            </a:r>
-            <a:r>
-              <a:rPr lang="en-US" dirty="0" smtClean="0"/>
-              <a:t> - </a:t>
-            </a:r>
-            <a:r>
-              <a:rPr lang="en-US" dirty="0" err="1" smtClean="0"/>
-              <a:t>RxDataSources</a:t>
-            </a:r>
-            <a:endParaRPr lang="en-US" dirty="0"/>
+              <a:rPr lang="en-US" dirty="0"/>
+              <a:t>Adding a Reactive Extension to Custom UI Element, </a:t>
+            </a:r>
           </a:p>
           <a:p>
             <a:r>
               <a:rPr lang="en-US" dirty="0"/>
+              <a:t>              2 Way Binding, Advanced </a:t>
+            </a:r>
+            <a:r>
+              <a:rPr lang="en-US" dirty="0" err="1"/>
+              <a:t>TableView</a:t>
+            </a:r>
+            <a:r>
+              <a:rPr lang="en-US" dirty="0"/>
+              <a:t> </a:t>
+            </a:r>
+            <a:r>
+              <a:rPr lang="mr-IN" dirty="0"/>
+              <a:t>–</a:t>
+            </a:r>
+            <a:r>
+              <a:rPr lang="en-US" dirty="0"/>
+              <a:t> </a:t>
+            </a:r>
+            <a:r>
+              <a:rPr lang="en-US" dirty="0" err="1"/>
+              <a:t>RxDataSources</a:t>
+            </a:r>
+            <a:endParaRPr lang="en-US"/>
+          </a:p>
+          <a:p>
+            <a:r>
+              <a:rPr lang="en-US" smtClean="0"/>
               <a:t>Day </a:t>
             </a:r>
             <a:r>
@@ -5072,11 +5078,7 @@
             </a:r>
             <a:r>
               <a:rPr lang="en-US" dirty="0" smtClean="0"/>
-              <a:t>Schedu</a:t>
-            </a:r>
-            <a:r>
-              <a:rPr lang="en-US" dirty="0" smtClean="0"/>
-              <a:t>lers (</a:t>
+              <a:t>Schedulers (</a:t>
             </a:r>
             <a:r>
               <a:rPr lang="en-US" dirty="0" err="1" smtClean="0"/>

--- a/RxSwiftBasics/day5/RxSwiftBasics5.pptx
+++ b/RxSwiftBasics/day5/RxSwiftBasics5.pptx
@@ -5006,7 +5006,15 @@
             </a:r>
             <a:r>
               <a:rPr lang="en-US" dirty="0" smtClean="0"/>
-              <a:t>Binding Track Activity (show / hide ‘Loading’ )</a:t>
+              <a:t>Binding Track Activity (show / hide ‘Loading</a:t>
+            </a:r>
+            <a:r>
+              <a:rPr lang="en-US" smtClean="0"/>
+              <a:t>’ </a:t>
+            </a:r>
+            <a:r>
+              <a:rPr lang="en-US"/>
+              <a:t>), Scan Operator</a:t>
             </a:r>
             <a:endParaRPr lang="en-US" dirty="0"/>
           </a:p>
@@ -5025,11 +5033,7 @@
             </a:r>
             <a:r>
               <a:rPr lang="en-US" dirty="0"/>
-              <a:t> </a:t>
-            </a:r>
-            <a:r>
-              <a:rPr lang="en-US" dirty="0"/>
-              <a:t>Adding a Reactive Extension to Custom UI Element, </a:t>
+              <a:t> Adding a Reactive Extension to Custom UI Element, </a:t>
             </a:r>
           </a:p>
           <a:p>
@@ -5057,16 +5061,12 @@
               <a:rPr lang="en-US" dirty="0" err="1"/>
               <a:t>RxDataSources</a:t>
             </a:r>
-            <a:endParaRPr lang="en-US"/>
+            <a:endParaRPr lang="en-US" dirty="0"/>
           </a:p>
           <a:p>
             <a:r>
-              <a:rPr lang="en-US" smtClean="0"/>
-              <a:t>Day </a:t>
-            </a:r>
-            <a:r>
               <a:rPr lang="en-US" dirty="0" smtClean="0"/>
-              <a:t>5 </a:t>
+              <a:t>Day 5 </a:t>
             </a:r>
             <a:r>
               <a:rPr lang="mr-IN" dirty="0"/>
